--- a/webSocket && socket.io.pptx
+++ b/webSocket && socket.io.pptx
@@ -5,12 +5,19 @@
     <p:sldMasterId id="2147483648" r:id="rId1"/>
   </p:sldMasterIdLst>
   <p:notesMasterIdLst>
-    <p:notesMasterId r:id="rId5"/>
+    <p:notesMasterId r:id="rId12"/>
   </p:notesMasterIdLst>
   <p:sldIdLst>
-    <p:sldId id="257" r:id="rId3"/>
-    <p:sldId id="256" r:id="rId4"/>
-    <p:sldId id="258" r:id="rId6"/>
+    <p:sldId id="260" r:id="rId3"/>
+    <p:sldId id="261" r:id="rId4"/>
+    <p:sldId id="262" r:id="rId5"/>
+    <p:sldId id="265" r:id="rId6"/>
+    <p:sldId id="263" r:id="rId7"/>
+    <p:sldId id="264" r:id="rId8"/>
+    <p:sldId id="266" r:id="rId9"/>
+    <p:sldId id="257" r:id="rId10"/>
+    <p:sldId id="256" r:id="rId11"/>
+    <p:sldId id="258" r:id="rId13"/>
   </p:sldIdLst>
   <p:sldSz cx="12192000" cy="6858000"/>
   <p:notesSz cx="6858000" cy="9144000"/>
@@ -3368,9 +3375,10 @@
         <p:txBody>
           <a:bodyPr/>
           <a:p>
+            <a:pPr algn="ctr"/>
             <a:r>
               <a:rPr lang="en-US" altLang="zh-CN"/>
-              <a:t>socket.io</a:t>
+              <a:t>WebSocket</a:t>
             </a:r>
             <a:endParaRPr lang="en-US" altLang="zh-CN"/>
           </a:p>
@@ -3389,7 +3397,7 @@
         <p:spPr/>
         <p:txBody>
           <a:bodyPr>
-            <a:normAutofit fontScale="90000"/>
+            <a:normAutofit fontScale="90000" lnSpcReduction="10000"/>
           </a:bodyPr>
           <a:p>
             <a:pPr marL="457200" indent="-457200">
@@ -3397,12 +3405,8 @@
               <a:buAutoNum type="arabicPeriod"/>
             </a:pPr>
             <a:r>
-              <a:rPr lang="en-US" altLang="zh-CN"/>
-              <a:t>JavaScript </a:t>
-            </a:r>
-            <a:r>
               <a:rPr lang="zh-CN" altLang="en-US"/>
-              <a:t>库</a:t>
+              <a:t>WebSocket 是 HTML5 中提出的一种协议。它的出现是为了解决客户端和服务端的实时通信问题。在 WebSocket 出现之前，如果想实现实时消息传递一般有两种方式：</a:t>
             </a:r>
             <a:endParaRPr lang="zh-CN" altLang="en-US"/>
           </a:p>
@@ -3420,15 +3424,7 @@
             </a:pPr>
             <a:r>
               <a:rPr lang="zh-CN" altLang="en-US"/>
-              <a:t>面向</a:t>
-            </a:r>
-            <a:r>
-              <a:rPr lang="en-US" altLang="zh-CN"/>
-              <a:t>web</a:t>
-            </a:r>
-            <a:r>
-              <a:rPr lang="zh-CN" altLang="en-US"/>
-              <a:t>应用</a:t>
+              <a:t>客户端通过轮询不停的向服务端发送请求，如果有新消息客户端进行更新。这种方式的缺点很明显，客户端需要不停向服务器发送请求，然而 HTTP 请求可能包含较长的头部，其中真正有效的数据可能只是很小的一部分，显然这样会浪费很多带宽资源</a:t>
             </a:r>
             <a:endParaRPr lang="zh-CN" altLang="en-US"/>
           </a:p>
@@ -3437,62 +3433,454 @@
               <a:buFont typeface="+mj-lt"/>
               <a:buAutoNum type="arabicPeriod"/>
             </a:pPr>
-            <a:endParaRPr lang="zh-CN" altLang="en-US"/>
-          </a:p>
-          <a:p>
-            <a:pPr marL="457200" indent="-457200">
-              <a:buFont typeface="+mj-lt"/>
-              <a:buAutoNum type="arabicPeriod"/>
-            </a:pPr>
             <a:r>
               <a:rPr lang="zh-CN" altLang="en-US"/>
-              <a:t>服务端和客户端的双向通信</a:t>
-            </a:r>
-            <a:endParaRPr lang="zh-CN" altLang="en-US"/>
-          </a:p>
-          <a:p>
-            <a:pPr marL="457200" indent="-457200">
-              <a:buFont typeface="+mj-lt"/>
-              <a:buAutoNum type="arabicPeriod"/>
-            </a:pPr>
-            <a:endParaRPr lang="zh-CN" altLang="en-US"/>
-          </a:p>
-          <a:p>
-            <a:pPr marL="457200" indent="-457200">
-              <a:buFont typeface="+mj-lt"/>
-              <a:buAutoNum type="arabicPeriod"/>
-            </a:pPr>
+              <a:t>HTTP 长连接，客户端通过 HTTP 请求连接到服务端后， 底层的 TCP 连接不会马上断开，后续的信息还是可以通过同一个连接来传输。这种方式有一个问题是每个连接会占用服务端资源，在收到消息后连接断开，就需要重新发送请求。如此循环往复。</a:t>
+            </a:r>
+            <a:endParaRPr lang="zh-CN" altLang="en-US"/>
+          </a:p>
+        </p:txBody>
+      </p:sp>
+    </p:spTree>
+  </p:cSld>
+  <p:clrMapOvr>
+    <a:masterClrMapping/>
+  </p:clrMapOvr>
+</p:sld>
+</file>
+
+<file path=ppt/slides/slide10.xml><?xml version="1.0" encoding="utf-8"?>
+<p:sld xmlns:a="http://schemas.openxmlformats.org/drawingml/2006/main" xmlns:r="http://schemas.openxmlformats.org/officeDocument/2006/relationships" xmlns:p="http://schemas.openxmlformats.org/presentationml/2006/main">
+  <p:cSld>
+    <p:spTree>
+      <p:nvGrpSpPr>
+        <p:cNvPr id="1" name=""/>
+        <p:cNvGrpSpPr/>
+        <p:nvPr/>
+      </p:nvGrpSpPr>
+      <p:grpSpPr/>
+      <p:sp>
+        <p:nvSpPr>
+          <p:cNvPr id="4" name="矩形 3"/>
+          <p:cNvSpPr/>
+          <p:nvPr/>
+        </p:nvSpPr>
+        <p:spPr>
+          <a:xfrm>
+            <a:off x="1480820" y="972185"/>
+            <a:ext cx="4367530" cy="5648325"/>
+          </a:xfrm>
+          <a:prstGeom prst="rect">
+            <a:avLst/>
+          </a:prstGeom>
+        </p:spPr>
+        <p:style>
+          <a:lnRef idx="2">
+            <a:schemeClr val="accent6"/>
+          </a:lnRef>
+          <a:fillRef idx="1">
+            <a:schemeClr val="lt1"/>
+          </a:fillRef>
+          <a:effectRef idx="0">
+            <a:schemeClr val="accent6"/>
+          </a:effectRef>
+          <a:fontRef idx="minor">
+            <a:schemeClr val="dk1"/>
+          </a:fontRef>
+        </p:style>
+        <p:txBody>
+          <a:bodyPr rtlCol="0" anchor="ctr"/>
+          <a:p>
+            <a:pPr algn="ctr"/>
+            <a:endParaRPr lang="zh-CN" altLang="en-US"/>
+          </a:p>
+        </p:txBody>
+      </p:sp>
+      <p:sp>
+        <p:nvSpPr>
+          <p:cNvPr id="5" name="矩形 4"/>
+          <p:cNvSpPr/>
+          <p:nvPr/>
+        </p:nvSpPr>
+        <p:spPr>
+          <a:xfrm>
+            <a:off x="6349365" y="972185"/>
+            <a:ext cx="4652645" cy="5648325"/>
+          </a:xfrm>
+          <a:prstGeom prst="rect">
+            <a:avLst/>
+          </a:prstGeom>
+        </p:spPr>
+        <p:style>
+          <a:lnRef idx="2">
+            <a:schemeClr val="accent6"/>
+          </a:lnRef>
+          <a:fillRef idx="1">
+            <a:schemeClr val="lt1"/>
+          </a:fillRef>
+          <a:effectRef idx="0">
+            <a:schemeClr val="accent6"/>
+          </a:effectRef>
+          <a:fontRef idx="minor">
+            <a:schemeClr val="dk1"/>
+          </a:fontRef>
+        </p:style>
+        <p:txBody>
+          <a:bodyPr rtlCol="0" anchor="ctr"/>
+          <a:p>
+            <a:pPr algn="ctr"/>
+            <a:endParaRPr lang="zh-CN" altLang="en-US"/>
+          </a:p>
+        </p:txBody>
+      </p:sp>
+      <p:sp>
+        <p:nvSpPr>
+          <p:cNvPr id="6" name="矩形 5"/>
+          <p:cNvSpPr/>
+          <p:nvPr/>
+        </p:nvSpPr>
+        <p:spPr>
+          <a:xfrm>
+            <a:off x="1971675" y="394335"/>
+            <a:ext cx="2066290" cy="450850"/>
+          </a:xfrm>
+          <a:prstGeom prst="rect">
+            <a:avLst/>
+          </a:prstGeom>
+        </p:spPr>
+        <p:style>
+          <a:lnRef idx="2">
+            <a:schemeClr val="accent6"/>
+          </a:lnRef>
+          <a:fillRef idx="1">
+            <a:schemeClr val="lt1"/>
+          </a:fillRef>
+          <a:effectRef idx="0">
+            <a:schemeClr val="accent6"/>
+          </a:effectRef>
+          <a:fontRef idx="minor">
+            <a:schemeClr val="dk1"/>
+          </a:fontRef>
+        </p:style>
+        <p:txBody>
+          <a:bodyPr rtlCol="0" anchor="ctr"/>
+          <a:p>
+            <a:pPr algn="ctr"/>
+            <a:r>
+              <a:rPr lang="en-US" altLang="zh-CN"/>
+              <a:t>clint </a:t>
+            </a:r>
+            <a:endParaRPr lang="en-US" altLang="zh-CN"/>
+          </a:p>
+        </p:txBody>
+      </p:sp>
+      <p:sp>
+        <p:nvSpPr>
+          <p:cNvPr id="7" name="矩形 6"/>
+          <p:cNvSpPr/>
+          <p:nvPr/>
+        </p:nvSpPr>
+        <p:spPr>
+          <a:xfrm>
+            <a:off x="8444865" y="300355"/>
+            <a:ext cx="2066290" cy="450850"/>
+          </a:xfrm>
+          <a:prstGeom prst="rect">
+            <a:avLst/>
+          </a:prstGeom>
+        </p:spPr>
+        <p:style>
+          <a:lnRef idx="2">
+            <a:schemeClr val="accent6"/>
+          </a:lnRef>
+          <a:fillRef idx="1">
+            <a:schemeClr val="lt1"/>
+          </a:fillRef>
+          <a:effectRef idx="0">
+            <a:schemeClr val="accent6"/>
+          </a:effectRef>
+          <a:fontRef idx="minor">
+            <a:schemeClr val="dk1"/>
+          </a:fontRef>
+        </p:style>
+        <p:txBody>
+          <a:bodyPr rtlCol="0" anchor="ctr"/>
+          <a:p>
+            <a:pPr algn="ctr"/>
+            <a:r>
+              <a:rPr lang="en-US" altLang="zh-CN"/>
+              <a:t>Server</a:t>
+            </a:r>
+            <a:endParaRPr lang="en-US" altLang="zh-CN"/>
+          </a:p>
+        </p:txBody>
+      </p:sp>
+      <p:sp>
+        <p:nvSpPr>
+          <p:cNvPr id="8" name="矩形 7"/>
+          <p:cNvSpPr/>
+          <p:nvPr/>
+        </p:nvSpPr>
+        <p:spPr>
+          <a:xfrm>
+            <a:off x="1967865" y="1377950"/>
+            <a:ext cx="2066290" cy="450850"/>
+          </a:xfrm>
+          <a:prstGeom prst="rect">
+            <a:avLst/>
+          </a:prstGeom>
+        </p:spPr>
+        <p:style>
+          <a:lnRef idx="2">
+            <a:schemeClr val="accent6"/>
+          </a:lnRef>
+          <a:fillRef idx="1">
+            <a:schemeClr val="lt1"/>
+          </a:fillRef>
+          <a:effectRef idx="0">
+            <a:schemeClr val="accent6"/>
+          </a:effectRef>
+          <a:fontRef idx="minor">
+            <a:schemeClr val="dk1"/>
+          </a:fontRef>
+        </p:style>
+        <p:txBody>
+          <a:bodyPr rtlCol="0" anchor="ctr"/>
+          <a:p>
+            <a:pPr algn="ctr"/>
+            <a:r>
+              <a:rPr lang="en-US" altLang="zh-CN"/>
+              <a:t>socket </a:t>
+            </a:r>
+            <a:endParaRPr lang="en-US" altLang="zh-CN"/>
+          </a:p>
+        </p:txBody>
+      </p:sp>
+      <p:sp>
+        <p:nvSpPr>
+          <p:cNvPr id="9" name="矩形 8"/>
+          <p:cNvSpPr/>
+          <p:nvPr/>
+        </p:nvSpPr>
+        <p:spPr>
+          <a:xfrm>
+            <a:off x="8444865" y="1377950"/>
+            <a:ext cx="2066290" cy="450850"/>
+          </a:xfrm>
+          <a:prstGeom prst="rect">
+            <a:avLst/>
+          </a:prstGeom>
+        </p:spPr>
+        <p:style>
+          <a:lnRef idx="2">
+            <a:schemeClr val="accent6"/>
+          </a:lnRef>
+          <a:fillRef idx="1">
+            <a:schemeClr val="lt1"/>
+          </a:fillRef>
+          <a:effectRef idx="0">
+            <a:schemeClr val="accent6"/>
+          </a:effectRef>
+          <a:fontRef idx="minor">
+            <a:schemeClr val="dk1"/>
+          </a:fontRef>
+        </p:style>
+        <p:txBody>
+          <a:bodyPr rtlCol="0" anchor="ctr"/>
+          <a:p>
+            <a:pPr algn="ctr"/>
+            <a:r>
+              <a:rPr lang="en-US" altLang="zh-CN"/>
+              <a:t>io</a:t>
+            </a:r>
+            <a:endParaRPr lang="en-US" altLang="zh-CN"/>
+          </a:p>
+        </p:txBody>
+      </p:sp>
+      <p:sp>
+        <p:nvSpPr>
+          <p:cNvPr id="2" name="文本框 1"/>
+          <p:cNvSpPr txBox="1"/>
+          <p:nvPr/>
+        </p:nvSpPr>
+        <p:spPr>
+          <a:xfrm>
+            <a:off x="6560185" y="2188845"/>
+            <a:ext cx="4250055" cy="3692525"/>
+          </a:xfrm>
+          <a:prstGeom prst="rect">
+            <a:avLst/>
+          </a:prstGeom>
+          <a:noFill/>
+        </p:spPr>
+        <p:txBody>
+          <a:bodyPr wrap="square" rtlCol="0">
+            <a:spAutoFit/>
+          </a:bodyPr>
+          <a:p>
+            <a:r>
+              <a:rPr lang="en-US" altLang="zh-CN"/>
+              <a:t>io.on('connection', function (socket) {</a:t>
+            </a:r>
+            <a:endParaRPr lang="en-US" altLang="zh-CN"/>
+          </a:p>
+          <a:p>
+            <a:r>
+              <a:rPr lang="en-US" altLang="zh-CN"/>
+              <a:t>      console.log('connected')</a:t>
+            </a:r>
+            <a:endParaRPr lang="en-US" altLang="zh-CN"/>
+          </a:p>
+          <a:p>
+            <a:endParaRPr lang="en-US" altLang="zh-CN"/>
+          </a:p>
+          <a:p>
+            <a:r>
+              <a:rPr lang="en-US" altLang="zh-CN"/>
+              <a:t>       socket.on('input', msg =&gt;  {</a:t>
+            </a:r>
+            <a:endParaRPr lang="en-US" altLang="zh-CN"/>
+          </a:p>
+          <a:p>
+            <a:r>
+              <a:rPr lang="en-US" altLang="zh-CN"/>
+              <a:t>	  console.log(msg + ' </a:t>
+            </a:r>
             <a:r>
               <a:rPr lang="zh-CN" altLang="en-US"/>
-              <a:t>主要使用 </a:t>
+              <a:t>来自客户端</a:t>
             </a:r>
             <a:r>
               <a:rPr lang="en-US" altLang="zh-CN"/>
-              <a:t>WebSocket </a:t>
+              <a:t>	  </a:t>
             </a:r>
             <a:r>
               <a:rPr lang="zh-CN" altLang="en-US"/>
-              <a:t>协议</a:t>
-            </a:r>
-            <a:endParaRPr lang="zh-CN" altLang="en-US"/>
-          </a:p>
-          <a:p>
-            <a:pPr marL="457200" indent="-457200">
-              <a:buFont typeface="+mj-lt"/>
-              <a:buAutoNum type="arabicPeriod"/>
-            </a:pPr>
-            <a:endParaRPr lang="zh-CN" altLang="en-US"/>
-          </a:p>
-          <a:p>
-            <a:pPr marL="457200" indent="-457200">
-              <a:buFont typeface="+mj-lt"/>
-              <a:buAutoNum type="arabicPeriod"/>
-            </a:pPr>
+              <a:t>的自定义消息</a:t>
+            </a:r>
+            <a:r>
+              <a:rPr lang="en-US" altLang="zh-CN"/>
+              <a:t> ');</a:t>
+            </a:r>
+            <a:endParaRPr lang="en-US" altLang="zh-CN"/>
+          </a:p>
+          <a:p>
+            <a:r>
+              <a:rPr lang="en-US" altLang="zh-CN"/>
+              <a:t>        });</a:t>
+            </a:r>
+            <a:endParaRPr lang="en-US" altLang="zh-CN"/>
+          </a:p>
+          <a:p>
+            <a:r>
+              <a:rPr lang="en-US" altLang="zh-CN"/>
+              <a:t>	</a:t>
+            </a:r>
+            <a:endParaRPr lang="en-US" altLang="zh-CN"/>
+          </a:p>
+          <a:p>
+            <a:r>
+              <a:rPr lang="en-US" altLang="zh-CN"/>
+              <a:t>        io.emit('output', data);</a:t>
+            </a:r>
+            <a:endParaRPr lang="en-US" altLang="zh-CN"/>
+          </a:p>
+          <a:p>
+            <a:r>
+              <a:rPr lang="en-US" altLang="zh-CN"/>
+              <a:t>	// </a:t>
+            </a:r>
             <a:r>
               <a:rPr lang="zh-CN" altLang="en-US"/>
-              <a:t>事件驱动</a:t>
-            </a:r>
-            <a:endParaRPr lang="zh-CN" altLang="en-US"/>
+              <a:t>此时的</a:t>
+            </a:r>
+            <a:r>
+              <a:rPr lang="en-US" altLang="zh-CN"/>
+              <a:t>data </a:t>
+            </a:r>
+            <a:r>
+              <a:rPr lang="zh-CN" altLang="en-US"/>
+              <a:t>是 来自客户端</a:t>
+            </a:r>
+            <a:r>
+              <a:rPr lang="en-US" altLang="zh-CN"/>
+              <a:t>msg </a:t>
+            </a:r>
+            <a:r>
+              <a:rPr lang="zh-CN" altLang="en-US"/>
+              <a:t>打包处理后的数据， 通过自定义事件发送给客户端</a:t>
+            </a:r>
+            <a:endParaRPr lang="en-US" altLang="zh-CN"/>
+          </a:p>
+          <a:p>
+            <a:r>
+              <a:rPr lang="en-US" altLang="zh-CN"/>
+              <a:t>})</a:t>
+            </a:r>
+            <a:endParaRPr lang="en-US" altLang="zh-CN"/>
+          </a:p>
+        </p:txBody>
+      </p:sp>
+      <p:sp>
+        <p:nvSpPr>
+          <p:cNvPr id="3" name="文本框 2"/>
+          <p:cNvSpPr txBox="1"/>
+          <p:nvPr/>
+        </p:nvSpPr>
+        <p:spPr>
+          <a:xfrm>
+            <a:off x="1493520" y="2378710"/>
+            <a:ext cx="4354195" cy="2030095"/>
+          </a:xfrm>
+          <a:prstGeom prst="rect">
+            <a:avLst/>
+          </a:prstGeom>
+          <a:noFill/>
+        </p:spPr>
+        <p:txBody>
+          <a:bodyPr wrap="square" rtlCol="0">
+            <a:spAutoFit/>
+          </a:bodyPr>
+          <a:p>
+            <a:r>
+              <a:rPr lang="en-US" altLang="zh-CN"/>
+              <a:t>const socket = io();</a:t>
+            </a:r>
+            <a:endParaRPr lang="en-US" altLang="zh-CN"/>
+          </a:p>
+          <a:p>
+            <a:endParaRPr lang="en-US" altLang="zh-CN"/>
+          </a:p>
+          <a:p>
+            <a:r>
+              <a:rPr lang="en-US" altLang="zh-CN"/>
+              <a:t>socket.emit('input', msg)</a:t>
+            </a:r>
+            <a:endParaRPr lang="en-US" altLang="zh-CN"/>
+          </a:p>
+          <a:p>
+            <a:endParaRPr lang="en-US" altLang="zh-CN"/>
+          </a:p>
+          <a:p>
+            <a:r>
+              <a:rPr lang="en-US" altLang="zh-CN"/>
+              <a:t>socket.on ('output', data =&gt; {</a:t>
+            </a:r>
+            <a:endParaRPr lang="en-US" altLang="zh-CN"/>
+          </a:p>
+          <a:p>
+            <a:r>
+              <a:rPr lang="en-US" altLang="zh-CN"/>
+              <a:t>	// do something</a:t>
+            </a:r>
+            <a:endParaRPr lang="en-US" altLang="zh-CN"/>
+          </a:p>
+          <a:p>
+            <a:r>
+              <a:rPr lang="en-US" altLang="zh-CN"/>
+              <a:t>})</a:t>
+            </a:r>
+            <a:endParaRPr lang="en-US" altLang="zh-CN"/>
           </a:p>
         </p:txBody>
       </p:sp>
@@ -3516,245 +3904,868 @@
       <p:grpSpPr/>
       <p:sp>
         <p:nvSpPr>
-          <p:cNvPr id="4" name="矩形 3"/>
-          <p:cNvSpPr/>
+          <p:cNvPr id="2" name="标题 1"/>
+          <p:cNvSpPr>
+            <a:spLocks noGrp="1"/>
+          </p:cNvSpPr>
+          <p:nvPr>
+            <p:ph type="title"/>
+          </p:nvPr>
+        </p:nvSpPr>
+        <p:spPr/>
+        <p:txBody>
+          <a:bodyPr/>
+          <a:p>
+            <a:r>
+              <a:rPr lang="zh-CN" altLang="en-US"/>
+              <a:t>轮询（polling）             长轮询(long polling)</a:t>
+            </a:r>
+            <a:endParaRPr lang="zh-CN" altLang="en-US"/>
+          </a:p>
+        </p:txBody>
+      </p:sp>
+      <p:sp>
+        <p:nvSpPr>
+          <p:cNvPr id="3" name="内容占位符 2"/>
+          <p:cNvSpPr>
+            <a:spLocks noGrp="1"/>
+          </p:cNvSpPr>
+          <p:nvPr>
+            <p:ph idx="1"/>
+          </p:nvPr>
+        </p:nvSpPr>
+        <p:spPr>
+          <a:xfrm>
+            <a:off x="837565" y="1825625"/>
+            <a:ext cx="4116705" cy="4351655"/>
+          </a:xfrm>
+        </p:spPr>
+        <p:txBody>
+          <a:bodyPr>
+            <a:normAutofit fontScale="90000" lnSpcReduction="20000"/>
+          </a:bodyPr>
+          <a:p>
+            <a:pPr marL="0" indent="0">
+              <a:buFont typeface="+mj-lt"/>
+              <a:buNone/>
+            </a:pPr>
+            <a:r>
+              <a:rPr lang="zh-CN" altLang="en-US"/>
+              <a:t>轮询（polling）：客户端按规定时间定时像服务端发送ajax请求，服务器接到请求后马上返回响应信息并关闭连接。</a:t>
+            </a:r>
+            <a:endParaRPr lang="zh-CN" altLang="en-US"/>
+          </a:p>
+          <a:p>
+            <a:pPr marL="0" indent="0">
+              <a:buFont typeface="+mj-lt"/>
+              <a:buNone/>
+            </a:pPr>
+            <a:endParaRPr lang="zh-CN" altLang="en-US"/>
+          </a:p>
+          <a:p>
+            <a:pPr marL="0" indent="0">
+              <a:buFont typeface="+mj-lt"/>
+              <a:buNone/>
+            </a:pPr>
+            <a:r>
+              <a:rPr lang="zh-CN" altLang="en-US"/>
+              <a:t>轮询是在特定的的时间间隔（如每隔1秒），由浏览器（客户端）对服务器发出HTTP request，然后由服务器返回最新的数据给客户端的浏览器。不管服务端数据有没有变化，客户端都会发起请求，来获取数据。</a:t>
+            </a:r>
+            <a:endParaRPr lang="zh-CN" altLang="en-US"/>
+          </a:p>
+        </p:txBody>
+      </p:sp>
+      <p:sp>
+        <p:nvSpPr>
+          <p:cNvPr id="4" name="内容占位符 2"/>
+          <p:cNvSpPr>
+            <a:spLocks noGrp="1"/>
+          </p:cNvSpPr>
           <p:nvPr/>
         </p:nvSpPr>
         <p:spPr>
           <a:xfrm>
-            <a:off x="1480820" y="972185"/>
-            <a:ext cx="3048000" cy="4913630"/>
+            <a:off x="837565" y="1825625"/>
+            <a:ext cx="4406265" cy="4351655"/>
           </a:xfrm>
           <a:prstGeom prst="rect">
             <a:avLst/>
           </a:prstGeom>
         </p:spPr>
-        <p:style>
-          <a:lnRef idx="2">
-            <a:schemeClr val="accent6"/>
-          </a:lnRef>
-          <a:fillRef idx="1">
-            <a:schemeClr val="lt1"/>
-          </a:fillRef>
-          <a:effectRef idx="0">
-            <a:schemeClr val="accent6"/>
-          </a:effectRef>
-          <a:fontRef idx="minor">
-            <a:schemeClr val="dk1"/>
-          </a:fontRef>
-        </p:style>
-        <p:txBody>
-          <a:bodyPr rtlCol="0" anchor="ctr"/>
-          <a:p>
-            <a:pPr algn="ctr"/>
-            <a:endParaRPr lang="zh-CN" altLang="en-US"/>
-          </a:p>
-        </p:txBody>
-      </p:sp>
-      <p:sp>
-        <p:nvSpPr>
-          <p:cNvPr id="5" name="矩形 4"/>
-          <p:cNvSpPr/>
+        <p:txBody>
+          <a:bodyPr vert="horz" lIns="91440" tIns="45720" rIns="91440" bIns="45720" rtlCol="0">
+            <a:normAutofit/>
+          </a:bodyPr>
+          <a:lstStyle>
+            <a:lvl1pPr marL="228600" indent="-228600" algn="l" defTabSz="914400" rtl="0" eaLnBrk="1" latinLnBrk="0" hangingPunct="1">
+              <a:lnSpc>
+                <a:spcPct val="90000"/>
+              </a:lnSpc>
+              <a:spcBef>
+                <a:spcPts val="1000"/>
+              </a:spcBef>
+              <a:buFont typeface="Arial" panose="020B0604020202020204" pitchFamily="34" charset="0"/>
+              <a:buChar char="•"/>
+              <a:defRPr sz="2800" kern="1200">
+                <a:solidFill>
+                  <a:schemeClr val="tx1"/>
+                </a:solidFill>
+                <a:latin typeface="+mn-lt"/>
+                <a:ea typeface="+mn-ea"/>
+                <a:cs typeface="+mn-cs"/>
+              </a:defRPr>
+            </a:lvl1pPr>
+            <a:lvl2pPr marL="685800" indent="-228600" algn="l" defTabSz="914400" rtl="0" eaLnBrk="1" latinLnBrk="0" hangingPunct="1">
+              <a:lnSpc>
+                <a:spcPct val="90000"/>
+              </a:lnSpc>
+              <a:spcBef>
+                <a:spcPts val="500"/>
+              </a:spcBef>
+              <a:buFont typeface="Arial" panose="020B0604020202020204" pitchFamily="34" charset="0"/>
+              <a:buChar char="•"/>
+              <a:defRPr sz="2400" kern="1200">
+                <a:solidFill>
+                  <a:schemeClr val="tx1"/>
+                </a:solidFill>
+                <a:latin typeface="+mn-lt"/>
+                <a:ea typeface="+mn-ea"/>
+                <a:cs typeface="+mn-cs"/>
+              </a:defRPr>
+            </a:lvl2pPr>
+            <a:lvl3pPr marL="1143000" indent="-228600" algn="l" defTabSz="914400" rtl="0" eaLnBrk="1" latinLnBrk="0" hangingPunct="1">
+              <a:lnSpc>
+                <a:spcPct val="90000"/>
+              </a:lnSpc>
+              <a:spcBef>
+                <a:spcPts val="500"/>
+              </a:spcBef>
+              <a:buFont typeface="Arial" panose="020B0604020202020204" pitchFamily="34" charset="0"/>
+              <a:buChar char="•"/>
+              <a:defRPr sz="2000" kern="1200">
+                <a:solidFill>
+                  <a:schemeClr val="tx1"/>
+                </a:solidFill>
+                <a:latin typeface="+mn-lt"/>
+                <a:ea typeface="+mn-ea"/>
+                <a:cs typeface="+mn-cs"/>
+              </a:defRPr>
+            </a:lvl3pPr>
+            <a:lvl4pPr marL="1600200" indent="-228600" algn="l" defTabSz="914400" rtl="0" eaLnBrk="1" latinLnBrk="0" hangingPunct="1">
+              <a:lnSpc>
+                <a:spcPct val="90000"/>
+              </a:lnSpc>
+              <a:spcBef>
+                <a:spcPts val="500"/>
+              </a:spcBef>
+              <a:buFont typeface="Arial" panose="020B0604020202020204" pitchFamily="34" charset="0"/>
+              <a:buChar char="•"/>
+              <a:defRPr sz="1800" kern="1200">
+                <a:solidFill>
+                  <a:schemeClr val="tx1"/>
+                </a:solidFill>
+                <a:latin typeface="+mn-lt"/>
+                <a:ea typeface="+mn-ea"/>
+                <a:cs typeface="+mn-cs"/>
+              </a:defRPr>
+            </a:lvl4pPr>
+            <a:lvl5pPr marL="2057400" indent="-228600" algn="l" defTabSz="914400" rtl="0" eaLnBrk="1" latinLnBrk="0" hangingPunct="1">
+              <a:lnSpc>
+                <a:spcPct val="90000"/>
+              </a:lnSpc>
+              <a:spcBef>
+                <a:spcPts val="500"/>
+              </a:spcBef>
+              <a:buFont typeface="Arial" panose="020B0604020202020204" pitchFamily="34" charset="0"/>
+              <a:buChar char="•"/>
+              <a:defRPr sz="1800" kern="1200">
+                <a:solidFill>
+                  <a:schemeClr val="tx1"/>
+                </a:solidFill>
+                <a:latin typeface="+mn-lt"/>
+                <a:ea typeface="+mn-ea"/>
+                <a:cs typeface="+mn-cs"/>
+              </a:defRPr>
+            </a:lvl5pPr>
+            <a:lvl6pPr marL="2514600" indent="-228600" algn="l" defTabSz="914400" rtl="0" eaLnBrk="1" latinLnBrk="0" hangingPunct="1">
+              <a:lnSpc>
+                <a:spcPct val="90000"/>
+              </a:lnSpc>
+              <a:spcBef>
+                <a:spcPts val="500"/>
+              </a:spcBef>
+              <a:buFont typeface="Arial" panose="020B0604020202020204" pitchFamily="34" charset="0"/>
+              <a:buChar char="•"/>
+              <a:defRPr sz="1800" kern="1200">
+                <a:solidFill>
+                  <a:schemeClr val="tx1"/>
+                </a:solidFill>
+                <a:latin typeface="+mn-lt"/>
+                <a:ea typeface="+mn-ea"/>
+                <a:cs typeface="+mn-cs"/>
+              </a:defRPr>
+            </a:lvl6pPr>
+            <a:lvl7pPr marL="2971800" indent="-228600" algn="l" defTabSz="914400" rtl="0" eaLnBrk="1" latinLnBrk="0" hangingPunct="1">
+              <a:lnSpc>
+                <a:spcPct val="90000"/>
+              </a:lnSpc>
+              <a:spcBef>
+                <a:spcPts val="500"/>
+              </a:spcBef>
+              <a:buFont typeface="Arial" panose="020B0604020202020204" pitchFamily="34" charset="0"/>
+              <a:buChar char="•"/>
+              <a:defRPr sz="1800" kern="1200">
+                <a:solidFill>
+                  <a:schemeClr val="tx1"/>
+                </a:solidFill>
+                <a:latin typeface="+mn-lt"/>
+                <a:ea typeface="+mn-ea"/>
+                <a:cs typeface="+mn-cs"/>
+              </a:defRPr>
+            </a:lvl7pPr>
+            <a:lvl8pPr marL="3429000" indent="-228600" algn="l" defTabSz="914400" rtl="0" eaLnBrk="1" latinLnBrk="0" hangingPunct="1">
+              <a:lnSpc>
+                <a:spcPct val="90000"/>
+              </a:lnSpc>
+              <a:spcBef>
+                <a:spcPts val="500"/>
+              </a:spcBef>
+              <a:buFont typeface="Arial" panose="020B0604020202020204" pitchFamily="34" charset="0"/>
+              <a:buChar char="•"/>
+              <a:defRPr sz="1800" kern="1200">
+                <a:solidFill>
+                  <a:schemeClr val="tx1"/>
+                </a:solidFill>
+                <a:latin typeface="+mn-lt"/>
+                <a:ea typeface="+mn-ea"/>
+                <a:cs typeface="+mn-cs"/>
+              </a:defRPr>
+            </a:lvl8pPr>
+            <a:lvl9pPr marL="3886200" indent="-228600" algn="l" defTabSz="914400" rtl="0" eaLnBrk="1" latinLnBrk="0" hangingPunct="1">
+              <a:lnSpc>
+                <a:spcPct val="90000"/>
+              </a:lnSpc>
+              <a:spcBef>
+                <a:spcPts val="500"/>
+              </a:spcBef>
+              <a:buFont typeface="Arial" panose="020B0604020202020204" pitchFamily="34" charset="0"/>
+              <a:buChar char="•"/>
+              <a:defRPr sz="1800" kern="1200">
+                <a:solidFill>
+                  <a:schemeClr val="tx1"/>
+                </a:solidFill>
+                <a:latin typeface="+mn-lt"/>
+                <a:ea typeface="+mn-ea"/>
+                <a:cs typeface="+mn-cs"/>
+              </a:defRPr>
+            </a:lvl9pPr>
+          </a:lstStyle>
+          <a:p>
+            <a:pPr marL="0" indent="0">
+              <a:buFont typeface="+mj-lt"/>
+              <a:buNone/>
+            </a:pPr>
+            <a:endParaRPr lang="zh-CN" altLang="en-US"/>
+          </a:p>
+        </p:txBody>
+      </p:sp>
+      <p:sp>
+        <p:nvSpPr>
+          <p:cNvPr id="6" name="内容占位符 2"/>
+          <p:cNvSpPr>
+            <a:spLocks noGrp="1"/>
+          </p:cNvSpPr>
           <p:nvPr/>
         </p:nvSpPr>
         <p:spPr>
           <a:xfrm>
-            <a:off x="7954010" y="972185"/>
-            <a:ext cx="3048000" cy="4913630"/>
+            <a:off x="1021715" y="1825625"/>
+            <a:ext cx="4406265" cy="4351655"/>
           </a:xfrm>
           <a:prstGeom prst="rect">
             <a:avLst/>
           </a:prstGeom>
         </p:spPr>
-        <p:style>
-          <a:lnRef idx="2">
-            <a:schemeClr val="accent6"/>
-          </a:lnRef>
-          <a:fillRef idx="1">
-            <a:schemeClr val="lt1"/>
-          </a:fillRef>
-          <a:effectRef idx="0">
-            <a:schemeClr val="accent6"/>
-          </a:effectRef>
-          <a:fontRef idx="minor">
-            <a:schemeClr val="dk1"/>
-          </a:fontRef>
-        </p:style>
-        <p:txBody>
-          <a:bodyPr rtlCol="0" anchor="ctr"/>
-          <a:p>
-            <a:pPr algn="ctr"/>
-            <a:endParaRPr lang="zh-CN" altLang="en-US"/>
-          </a:p>
-        </p:txBody>
-      </p:sp>
-      <p:sp>
-        <p:nvSpPr>
-          <p:cNvPr id="6" name="矩形 5"/>
-          <p:cNvSpPr/>
+        <p:txBody>
+          <a:bodyPr vert="horz" lIns="91440" tIns="45720" rIns="91440" bIns="45720" rtlCol="0">
+            <a:normAutofit/>
+          </a:bodyPr>
+          <a:lstStyle>
+            <a:lvl1pPr marL="228600" indent="-228600" algn="l" defTabSz="914400" rtl="0" eaLnBrk="1" latinLnBrk="0" hangingPunct="1">
+              <a:lnSpc>
+                <a:spcPct val="90000"/>
+              </a:lnSpc>
+              <a:spcBef>
+                <a:spcPts val="1000"/>
+              </a:spcBef>
+              <a:buFont typeface="Arial" panose="020B0604020202020204" pitchFamily="34" charset="0"/>
+              <a:buChar char="•"/>
+              <a:defRPr sz="2800" kern="1200">
+                <a:solidFill>
+                  <a:schemeClr val="tx1"/>
+                </a:solidFill>
+                <a:latin typeface="+mn-lt"/>
+                <a:ea typeface="+mn-ea"/>
+                <a:cs typeface="+mn-cs"/>
+              </a:defRPr>
+            </a:lvl1pPr>
+            <a:lvl2pPr marL="685800" indent="-228600" algn="l" defTabSz="914400" rtl="0" eaLnBrk="1" latinLnBrk="0" hangingPunct="1">
+              <a:lnSpc>
+                <a:spcPct val="90000"/>
+              </a:lnSpc>
+              <a:spcBef>
+                <a:spcPts val="500"/>
+              </a:spcBef>
+              <a:buFont typeface="Arial" panose="020B0604020202020204" pitchFamily="34" charset="0"/>
+              <a:buChar char="•"/>
+              <a:defRPr sz="2400" kern="1200">
+                <a:solidFill>
+                  <a:schemeClr val="tx1"/>
+                </a:solidFill>
+                <a:latin typeface="+mn-lt"/>
+                <a:ea typeface="+mn-ea"/>
+                <a:cs typeface="+mn-cs"/>
+              </a:defRPr>
+            </a:lvl2pPr>
+            <a:lvl3pPr marL="1143000" indent="-228600" algn="l" defTabSz="914400" rtl="0" eaLnBrk="1" latinLnBrk="0" hangingPunct="1">
+              <a:lnSpc>
+                <a:spcPct val="90000"/>
+              </a:lnSpc>
+              <a:spcBef>
+                <a:spcPts val="500"/>
+              </a:spcBef>
+              <a:buFont typeface="Arial" panose="020B0604020202020204" pitchFamily="34" charset="0"/>
+              <a:buChar char="•"/>
+              <a:defRPr sz="2000" kern="1200">
+                <a:solidFill>
+                  <a:schemeClr val="tx1"/>
+                </a:solidFill>
+                <a:latin typeface="+mn-lt"/>
+                <a:ea typeface="+mn-ea"/>
+                <a:cs typeface="+mn-cs"/>
+              </a:defRPr>
+            </a:lvl3pPr>
+            <a:lvl4pPr marL="1600200" indent="-228600" algn="l" defTabSz="914400" rtl="0" eaLnBrk="1" latinLnBrk="0" hangingPunct="1">
+              <a:lnSpc>
+                <a:spcPct val="90000"/>
+              </a:lnSpc>
+              <a:spcBef>
+                <a:spcPts val="500"/>
+              </a:spcBef>
+              <a:buFont typeface="Arial" panose="020B0604020202020204" pitchFamily="34" charset="0"/>
+              <a:buChar char="•"/>
+              <a:defRPr sz="1800" kern="1200">
+                <a:solidFill>
+                  <a:schemeClr val="tx1"/>
+                </a:solidFill>
+                <a:latin typeface="+mn-lt"/>
+                <a:ea typeface="+mn-ea"/>
+                <a:cs typeface="+mn-cs"/>
+              </a:defRPr>
+            </a:lvl4pPr>
+            <a:lvl5pPr marL="2057400" indent="-228600" algn="l" defTabSz="914400" rtl="0" eaLnBrk="1" latinLnBrk="0" hangingPunct="1">
+              <a:lnSpc>
+                <a:spcPct val="90000"/>
+              </a:lnSpc>
+              <a:spcBef>
+                <a:spcPts val="500"/>
+              </a:spcBef>
+              <a:buFont typeface="Arial" panose="020B0604020202020204" pitchFamily="34" charset="0"/>
+              <a:buChar char="•"/>
+              <a:defRPr sz="1800" kern="1200">
+                <a:solidFill>
+                  <a:schemeClr val="tx1"/>
+                </a:solidFill>
+                <a:latin typeface="+mn-lt"/>
+                <a:ea typeface="+mn-ea"/>
+                <a:cs typeface="+mn-cs"/>
+              </a:defRPr>
+            </a:lvl5pPr>
+            <a:lvl6pPr marL="2514600" indent="-228600" algn="l" defTabSz="914400" rtl="0" eaLnBrk="1" latinLnBrk="0" hangingPunct="1">
+              <a:lnSpc>
+                <a:spcPct val="90000"/>
+              </a:lnSpc>
+              <a:spcBef>
+                <a:spcPts val="500"/>
+              </a:spcBef>
+              <a:buFont typeface="Arial" panose="020B0604020202020204" pitchFamily="34" charset="0"/>
+              <a:buChar char="•"/>
+              <a:defRPr sz="1800" kern="1200">
+                <a:solidFill>
+                  <a:schemeClr val="tx1"/>
+                </a:solidFill>
+                <a:latin typeface="+mn-lt"/>
+                <a:ea typeface="+mn-ea"/>
+                <a:cs typeface="+mn-cs"/>
+              </a:defRPr>
+            </a:lvl6pPr>
+            <a:lvl7pPr marL="2971800" indent="-228600" algn="l" defTabSz="914400" rtl="0" eaLnBrk="1" latinLnBrk="0" hangingPunct="1">
+              <a:lnSpc>
+                <a:spcPct val="90000"/>
+              </a:lnSpc>
+              <a:spcBef>
+                <a:spcPts val="500"/>
+              </a:spcBef>
+              <a:buFont typeface="Arial" panose="020B0604020202020204" pitchFamily="34" charset="0"/>
+              <a:buChar char="•"/>
+              <a:defRPr sz="1800" kern="1200">
+                <a:solidFill>
+                  <a:schemeClr val="tx1"/>
+                </a:solidFill>
+                <a:latin typeface="+mn-lt"/>
+                <a:ea typeface="+mn-ea"/>
+                <a:cs typeface="+mn-cs"/>
+              </a:defRPr>
+            </a:lvl7pPr>
+            <a:lvl8pPr marL="3429000" indent="-228600" algn="l" defTabSz="914400" rtl="0" eaLnBrk="1" latinLnBrk="0" hangingPunct="1">
+              <a:lnSpc>
+                <a:spcPct val="90000"/>
+              </a:lnSpc>
+              <a:spcBef>
+                <a:spcPts val="500"/>
+              </a:spcBef>
+              <a:buFont typeface="Arial" panose="020B0604020202020204" pitchFamily="34" charset="0"/>
+              <a:buChar char="•"/>
+              <a:defRPr sz="1800" kern="1200">
+                <a:solidFill>
+                  <a:schemeClr val="tx1"/>
+                </a:solidFill>
+                <a:latin typeface="+mn-lt"/>
+                <a:ea typeface="+mn-ea"/>
+                <a:cs typeface="+mn-cs"/>
+              </a:defRPr>
+            </a:lvl8pPr>
+            <a:lvl9pPr marL="3886200" indent="-228600" algn="l" defTabSz="914400" rtl="0" eaLnBrk="1" latinLnBrk="0" hangingPunct="1">
+              <a:lnSpc>
+                <a:spcPct val="90000"/>
+              </a:lnSpc>
+              <a:spcBef>
+                <a:spcPts val="500"/>
+              </a:spcBef>
+              <a:buFont typeface="Arial" panose="020B0604020202020204" pitchFamily="34" charset="0"/>
+              <a:buChar char="•"/>
+              <a:defRPr sz="1800" kern="1200">
+                <a:solidFill>
+                  <a:schemeClr val="tx1"/>
+                </a:solidFill>
+                <a:latin typeface="+mn-lt"/>
+                <a:ea typeface="+mn-ea"/>
+                <a:cs typeface="+mn-cs"/>
+              </a:defRPr>
+            </a:lvl9pPr>
+          </a:lstStyle>
+          <a:p>
+            <a:pPr marL="0" indent="0">
+              <a:buFont typeface="+mj-lt"/>
+              <a:buNone/>
+            </a:pPr>
+            <a:endParaRPr lang="zh-CN" altLang="en-US"/>
+          </a:p>
+        </p:txBody>
+      </p:sp>
+      <p:sp>
+        <p:nvSpPr>
+          <p:cNvPr id="7" name="内容占位符 2"/>
+          <p:cNvSpPr>
+            <a:spLocks noGrp="1"/>
+          </p:cNvSpPr>
           <p:nvPr/>
         </p:nvSpPr>
         <p:spPr>
           <a:xfrm>
-            <a:off x="1971675" y="394335"/>
-            <a:ext cx="2066290" cy="450850"/>
+            <a:off x="6485890" y="1336040"/>
+            <a:ext cx="4116705" cy="4351655"/>
           </a:xfrm>
           <a:prstGeom prst="rect">
             <a:avLst/>
           </a:prstGeom>
         </p:spPr>
-        <p:style>
-          <a:lnRef idx="2">
-            <a:schemeClr val="accent6"/>
-          </a:lnRef>
-          <a:fillRef idx="1">
-            <a:schemeClr val="lt1"/>
-          </a:fillRef>
-          <a:effectRef idx="0">
-            <a:schemeClr val="accent6"/>
-          </a:effectRef>
-          <a:fontRef idx="minor">
-            <a:schemeClr val="dk1"/>
-          </a:fontRef>
-        </p:style>
-        <p:txBody>
-          <a:bodyPr rtlCol="0" anchor="ctr"/>
-          <a:p>
-            <a:pPr algn="ctr"/>
+        <p:txBody>
+          <a:bodyPr vert="horz" lIns="91440" tIns="45720" rIns="91440" bIns="45720" rtlCol="0">
+            <a:normAutofit/>
+          </a:bodyPr>
+          <a:lstStyle>
+            <a:lvl1pPr marL="228600" indent="-228600" algn="l" defTabSz="914400" rtl="0" eaLnBrk="1" latinLnBrk="0" hangingPunct="1">
+              <a:lnSpc>
+                <a:spcPct val="90000"/>
+              </a:lnSpc>
+              <a:spcBef>
+                <a:spcPts val="1000"/>
+              </a:spcBef>
+              <a:buFont typeface="Arial" panose="020B0604020202020204" pitchFamily="34" charset="0"/>
+              <a:buChar char="•"/>
+              <a:defRPr sz="2800" kern="1200">
+                <a:solidFill>
+                  <a:schemeClr val="tx1"/>
+                </a:solidFill>
+                <a:latin typeface="+mn-lt"/>
+                <a:ea typeface="+mn-ea"/>
+                <a:cs typeface="+mn-cs"/>
+              </a:defRPr>
+            </a:lvl1pPr>
+            <a:lvl2pPr marL="685800" indent="-228600" algn="l" defTabSz="914400" rtl="0" eaLnBrk="1" latinLnBrk="0" hangingPunct="1">
+              <a:lnSpc>
+                <a:spcPct val="90000"/>
+              </a:lnSpc>
+              <a:spcBef>
+                <a:spcPts val="500"/>
+              </a:spcBef>
+              <a:buFont typeface="Arial" panose="020B0604020202020204" pitchFamily="34" charset="0"/>
+              <a:buChar char="•"/>
+              <a:defRPr sz="2400" kern="1200">
+                <a:solidFill>
+                  <a:schemeClr val="tx1"/>
+                </a:solidFill>
+                <a:latin typeface="+mn-lt"/>
+                <a:ea typeface="+mn-ea"/>
+                <a:cs typeface="+mn-cs"/>
+              </a:defRPr>
+            </a:lvl2pPr>
+            <a:lvl3pPr marL="1143000" indent="-228600" algn="l" defTabSz="914400" rtl="0" eaLnBrk="1" latinLnBrk="0" hangingPunct="1">
+              <a:lnSpc>
+                <a:spcPct val="90000"/>
+              </a:lnSpc>
+              <a:spcBef>
+                <a:spcPts val="500"/>
+              </a:spcBef>
+              <a:buFont typeface="Arial" panose="020B0604020202020204" pitchFamily="34" charset="0"/>
+              <a:buChar char="•"/>
+              <a:defRPr sz="2000" kern="1200">
+                <a:solidFill>
+                  <a:schemeClr val="tx1"/>
+                </a:solidFill>
+                <a:latin typeface="+mn-lt"/>
+                <a:ea typeface="+mn-ea"/>
+                <a:cs typeface="+mn-cs"/>
+              </a:defRPr>
+            </a:lvl3pPr>
+            <a:lvl4pPr marL="1600200" indent="-228600" algn="l" defTabSz="914400" rtl="0" eaLnBrk="1" latinLnBrk="0" hangingPunct="1">
+              <a:lnSpc>
+                <a:spcPct val="90000"/>
+              </a:lnSpc>
+              <a:spcBef>
+                <a:spcPts val="500"/>
+              </a:spcBef>
+              <a:buFont typeface="Arial" panose="020B0604020202020204" pitchFamily="34" charset="0"/>
+              <a:buChar char="•"/>
+              <a:defRPr sz="1800" kern="1200">
+                <a:solidFill>
+                  <a:schemeClr val="tx1"/>
+                </a:solidFill>
+                <a:latin typeface="+mn-lt"/>
+                <a:ea typeface="+mn-ea"/>
+                <a:cs typeface="+mn-cs"/>
+              </a:defRPr>
+            </a:lvl4pPr>
+            <a:lvl5pPr marL="2057400" indent="-228600" algn="l" defTabSz="914400" rtl="0" eaLnBrk="1" latinLnBrk="0" hangingPunct="1">
+              <a:lnSpc>
+                <a:spcPct val="90000"/>
+              </a:lnSpc>
+              <a:spcBef>
+                <a:spcPts val="500"/>
+              </a:spcBef>
+              <a:buFont typeface="Arial" panose="020B0604020202020204" pitchFamily="34" charset="0"/>
+              <a:buChar char="•"/>
+              <a:defRPr sz="1800" kern="1200">
+                <a:solidFill>
+                  <a:schemeClr val="tx1"/>
+                </a:solidFill>
+                <a:latin typeface="+mn-lt"/>
+                <a:ea typeface="+mn-ea"/>
+                <a:cs typeface="+mn-cs"/>
+              </a:defRPr>
+            </a:lvl5pPr>
+            <a:lvl6pPr marL="2514600" indent="-228600" algn="l" defTabSz="914400" rtl="0" eaLnBrk="1" latinLnBrk="0" hangingPunct="1">
+              <a:lnSpc>
+                <a:spcPct val="90000"/>
+              </a:lnSpc>
+              <a:spcBef>
+                <a:spcPts val="500"/>
+              </a:spcBef>
+              <a:buFont typeface="Arial" panose="020B0604020202020204" pitchFamily="34" charset="0"/>
+              <a:buChar char="•"/>
+              <a:defRPr sz="1800" kern="1200">
+                <a:solidFill>
+                  <a:schemeClr val="tx1"/>
+                </a:solidFill>
+                <a:latin typeface="+mn-lt"/>
+                <a:ea typeface="+mn-ea"/>
+                <a:cs typeface="+mn-cs"/>
+              </a:defRPr>
+            </a:lvl6pPr>
+            <a:lvl7pPr marL="2971800" indent="-228600" algn="l" defTabSz="914400" rtl="0" eaLnBrk="1" latinLnBrk="0" hangingPunct="1">
+              <a:lnSpc>
+                <a:spcPct val="90000"/>
+              </a:lnSpc>
+              <a:spcBef>
+                <a:spcPts val="500"/>
+              </a:spcBef>
+              <a:buFont typeface="Arial" panose="020B0604020202020204" pitchFamily="34" charset="0"/>
+              <a:buChar char="•"/>
+              <a:defRPr sz="1800" kern="1200">
+                <a:solidFill>
+                  <a:schemeClr val="tx1"/>
+                </a:solidFill>
+                <a:latin typeface="+mn-lt"/>
+                <a:ea typeface="+mn-ea"/>
+                <a:cs typeface="+mn-cs"/>
+              </a:defRPr>
+            </a:lvl7pPr>
+            <a:lvl8pPr marL="3429000" indent="-228600" algn="l" defTabSz="914400" rtl="0" eaLnBrk="1" latinLnBrk="0" hangingPunct="1">
+              <a:lnSpc>
+                <a:spcPct val="90000"/>
+              </a:lnSpc>
+              <a:spcBef>
+                <a:spcPts val="500"/>
+              </a:spcBef>
+              <a:buFont typeface="Arial" panose="020B0604020202020204" pitchFamily="34" charset="0"/>
+              <a:buChar char="•"/>
+              <a:defRPr sz="1800" kern="1200">
+                <a:solidFill>
+                  <a:schemeClr val="tx1"/>
+                </a:solidFill>
+                <a:latin typeface="+mn-lt"/>
+                <a:ea typeface="+mn-ea"/>
+                <a:cs typeface="+mn-cs"/>
+              </a:defRPr>
+            </a:lvl8pPr>
+            <a:lvl9pPr marL="3886200" indent="-228600" algn="l" defTabSz="914400" rtl="0" eaLnBrk="1" latinLnBrk="0" hangingPunct="1">
+              <a:lnSpc>
+                <a:spcPct val="90000"/>
+              </a:lnSpc>
+              <a:spcBef>
+                <a:spcPts val="500"/>
+              </a:spcBef>
+              <a:buFont typeface="Arial" panose="020B0604020202020204" pitchFamily="34" charset="0"/>
+              <a:buChar char="•"/>
+              <a:defRPr sz="1800" kern="1200">
+                <a:solidFill>
+                  <a:schemeClr val="tx1"/>
+                </a:solidFill>
+                <a:latin typeface="+mn-lt"/>
+                <a:ea typeface="+mn-ea"/>
+                <a:cs typeface="+mn-cs"/>
+              </a:defRPr>
+            </a:lvl9pPr>
+          </a:lstStyle>
+          <a:p>
+            <a:pPr marL="0" indent="0">
+              <a:buFont typeface="+mj-lt"/>
+              <a:buNone/>
+            </a:pPr>
+            <a:r>
+              <a:rPr lang="zh-CN" altLang="en-US"/>
+              <a:t>长轮询的精髓就在于</a:t>
+            </a:r>
             <a:r>
               <a:rPr lang="en-US" altLang="zh-CN"/>
-              <a:t>clint </a:t>
-            </a:r>
-            <a:endParaRPr lang="en-US" altLang="zh-CN"/>
-          </a:p>
-        </p:txBody>
-      </p:sp>
-      <p:sp>
-        <p:nvSpPr>
-          <p:cNvPr id="7" name="矩形 6"/>
-          <p:cNvSpPr/>
+              <a:t>request</a:t>
+            </a:r>
+            <a:r>
+              <a:rPr lang="zh-CN" altLang="en-US"/>
+              <a:t>的回调函数，继续再次调用请求（不间断的原理就在这里，成功返回后立即再次调用）</a:t>
+            </a:r>
+            <a:endParaRPr lang="zh-CN" altLang="en-US"/>
+          </a:p>
+        </p:txBody>
+      </p:sp>
+      <p:sp>
+        <p:nvSpPr>
+          <p:cNvPr id="8" name="内容占位符 2"/>
+          <p:cNvSpPr>
+            <a:spLocks noGrp="1"/>
+          </p:cNvSpPr>
           <p:nvPr/>
         </p:nvSpPr>
         <p:spPr>
           <a:xfrm>
-            <a:off x="8444865" y="300355"/>
-            <a:ext cx="2066290" cy="450850"/>
+            <a:off x="7919085" y="1825625"/>
+            <a:ext cx="4406265" cy="4351655"/>
           </a:xfrm>
           <a:prstGeom prst="rect">
             <a:avLst/>
           </a:prstGeom>
         </p:spPr>
-        <p:style>
-          <a:lnRef idx="2">
-            <a:schemeClr val="accent6"/>
-          </a:lnRef>
-          <a:fillRef idx="1">
-            <a:schemeClr val="lt1"/>
-          </a:fillRef>
-          <a:effectRef idx="0">
-            <a:schemeClr val="accent6"/>
-          </a:effectRef>
-          <a:fontRef idx="minor">
-            <a:schemeClr val="dk1"/>
-          </a:fontRef>
-        </p:style>
-        <p:txBody>
-          <a:bodyPr rtlCol="0" anchor="ctr"/>
-          <a:p>
-            <a:pPr algn="ctr"/>
-            <a:r>
-              <a:rPr lang="en-US" altLang="zh-CN"/>
-              <a:t>Server</a:t>
-            </a:r>
-            <a:endParaRPr lang="en-US" altLang="zh-CN"/>
-          </a:p>
-        </p:txBody>
-      </p:sp>
-      <p:sp>
-        <p:nvSpPr>
-          <p:cNvPr id="8" name="矩形 7"/>
-          <p:cNvSpPr/>
-          <p:nvPr/>
-        </p:nvSpPr>
-        <p:spPr>
-          <a:xfrm>
-            <a:off x="1967865" y="1377950"/>
-            <a:ext cx="2066290" cy="450850"/>
-          </a:xfrm>
-          <a:prstGeom prst="rect">
-            <a:avLst/>
-          </a:prstGeom>
-        </p:spPr>
-        <p:style>
-          <a:lnRef idx="2">
-            <a:schemeClr val="accent6"/>
-          </a:lnRef>
-          <a:fillRef idx="1">
-            <a:schemeClr val="lt1"/>
-          </a:fillRef>
-          <a:effectRef idx="0">
-            <a:schemeClr val="accent6"/>
-          </a:effectRef>
-          <a:fontRef idx="minor">
-            <a:schemeClr val="dk1"/>
-          </a:fontRef>
-        </p:style>
-        <p:txBody>
-          <a:bodyPr rtlCol="0" anchor="ctr"/>
-          <a:p>
-            <a:pPr algn="ctr"/>
-            <a:r>
-              <a:rPr lang="en-US" altLang="zh-CN"/>
-              <a:t>socket </a:t>
-            </a:r>
-            <a:endParaRPr lang="en-US" altLang="zh-CN"/>
-          </a:p>
-        </p:txBody>
-      </p:sp>
-      <p:sp>
-        <p:nvSpPr>
-          <p:cNvPr id="9" name="矩形 8"/>
-          <p:cNvSpPr/>
-          <p:nvPr/>
-        </p:nvSpPr>
-        <p:spPr>
-          <a:xfrm>
-            <a:off x="8444865" y="1377950"/>
-            <a:ext cx="2066290" cy="450850"/>
-          </a:xfrm>
-          <a:prstGeom prst="rect">
-            <a:avLst/>
-          </a:prstGeom>
-        </p:spPr>
-        <p:style>
-          <a:lnRef idx="2">
-            <a:schemeClr val="accent6"/>
-          </a:lnRef>
-          <a:fillRef idx="1">
-            <a:schemeClr val="lt1"/>
-          </a:fillRef>
-          <a:effectRef idx="0">
-            <a:schemeClr val="accent6"/>
-          </a:effectRef>
-          <a:fontRef idx="minor">
-            <a:schemeClr val="dk1"/>
-          </a:fontRef>
-        </p:style>
-        <p:txBody>
-          <a:bodyPr rtlCol="0" anchor="ctr"/>
-          <a:p>
-            <a:pPr algn="ctr"/>
-            <a:r>
-              <a:rPr lang="en-US" altLang="zh-CN"/>
-              <a:t>io</a:t>
-            </a:r>
-            <a:endParaRPr lang="en-US" altLang="zh-CN"/>
+        <p:txBody>
+          <a:bodyPr vert="horz" lIns="91440" tIns="45720" rIns="91440" bIns="45720" rtlCol="0">
+            <a:normAutofit/>
+          </a:bodyPr>
+          <a:lstStyle>
+            <a:lvl1pPr marL="228600" indent="-228600" algn="l" defTabSz="914400" rtl="0" eaLnBrk="1" latinLnBrk="0" hangingPunct="1">
+              <a:lnSpc>
+                <a:spcPct val="90000"/>
+              </a:lnSpc>
+              <a:spcBef>
+                <a:spcPts val="1000"/>
+              </a:spcBef>
+              <a:buFont typeface="Arial" panose="020B0604020202020204" pitchFamily="34" charset="0"/>
+              <a:buChar char="•"/>
+              <a:defRPr sz="2800" kern="1200">
+                <a:solidFill>
+                  <a:schemeClr val="tx1"/>
+                </a:solidFill>
+                <a:latin typeface="+mn-lt"/>
+                <a:ea typeface="+mn-ea"/>
+                <a:cs typeface="+mn-cs"/>
+              </a:defRPr>
+            </a:lvl1pPr>
+            <a:lvl2pPr marL="685800" indent="-228600" algn="l" defTabSz="914400" rtl="0" eaLnBrk="1" latinLnBrk="0" hangingPunct="1">
+              <a:lnSpc>
+                <a:spcPct val="90000"/>
+              </a:lnSpc>
+              <a:spcBef>
+                <a:spcPts val="500"/>
+              </a:spcBef>
+              <a:buFont typeface="Arial" panose="020B0604020202020204" pitchFamily="34" charset="0"/>
+              <a:buChar char="•"/>
+              <a:defRPr sz="2400" kern="1200">
+                <a:solidFill>
+                  <a:schemeClr val="tx1"/>
+                </a:solidFill>
+                <a:latin typeface="+mn-lt"/>
+                <a:ea typeface="+mn-ea"/>
+                <a:cs typeface="+mn-cs"/>
+              </a:defRPr>
+            </a:lvl2pPr>
+            <a:lvl3pPr marL="1143000" indent="-228600" algn="l" defTabSz="914400" rtl="0" eaLnBrk="1" latinLnBrk="0" hangingPunct="1">
+              <a:lnSpc>
+                <a:spcPct val="90000"/>
+              </a:lnSpc>
+              <a:spcBef>
+                <a:spcPts val="500"/>
+              </a:spcBef>
+              <a:buFont typeface="Arial" panose="020B0604020202020204" pitchFamily="34" charset="0"/>
+              <a:buChar char="•"/>
+              <a:defRPr sz="2000" kern="1200">
+                <a:solidFill>
+                  <a:schemeClr val="tx1"/>
+                </a:solidFill>
+                <a:latin typeface="+mn-lt"/>
+                <a:ea typeface="+mn-ea"/>
+                <a:cs typeface="+mn-cs"/>
+              </a:defRPr>
+            </a:lvl3pPr>
+            <a:lvl4pPr marL="1600200" indent="-228600" algn="l" defTabSz="914400" rtl="0" eaLnBrk="1" latinLnBrk="0" hangingPunct="1">
+              <a:lnSpc>
+                <a:spcPct val="90000"/>
+              </a:lnSpc>
+              <a:spcBef>
+                <a:spcPts val="500"/>
+              </a:spcBef>
+              <a:buFont typeface="Arial" panose="020B0604020202020204" pitchFamily="34" charset="0"/>
+              <a:buChar char="•"/>
+              <a:defRPr sz="1800" kern="1200">
+                <a:solidFill>
+                  <a:schemeClr val="tx1"/>
+                </a:solidFill>
+                <a:latin typeface="+mn-lt"/>
+                <a:ea typeface="+mn-ea"/>
+                <a:cs typeface="+mn-cs"/>
+              </a:defRPr>
+            </a:lvl4pPr>
+            <a:lvl5pPr marL="2057400" indent="-228600" algn="l" defTabSz="914400" rtl="0" eaLnBrk="1" latinLnBrk="0" hangingPunct="1">
+              <a:lnSpc>
+                <a:spcPct val="90000"/>
+              </a:lnSpc>
+              <a:spcBef>
+                <a:spcPts val="500"/>
+              </a:spcBef>
+              <a:buFont typeface="Arial" panose="020B0604020202020204" pitchFamily="34" charset="0"/>
+              <a:buChar char="•"/>
+              <a:defRPr sz="1800" kern="1200">
+                <a:solidFill>
+                  <a:schemeClr val="tx1"/>
+                </a:solidFill>
+                <a:latin typeface="+mn-lt"/>
+                <a:ea typeface="+mn-ea"/>
+                <a:cs typeface="+mn-cs"/>
+              </a:defRPr>
+            </a:lvl5pPr>
+            <a:lvl6pPr marL="2514600" indent="-228600" algn="l" defTabSz="914400" rtl="0" eaLnBrk="1" latinLnBrk="0" hangingPunct="1">
+              <a:lnSpc>
+                <a:spcPct val="90000"/>
+              </a:lnSpc>
+              <a:spcBef>
+                <a:spcPts val="500"/>
+              </a:spcBef>
+              <a:buFont typeface="Arial" panose="020B0604020202020204" pitchFamily="34" charset="0"/>
+              <a:buChar char="•"/>
+              <a:defRPr sz="1800" kern="1200">
+                <a:solidFill>
+                  <a:schemeClr val="tx1"/>
+                </a:solidFill>
+                <a:latin typeface="+mn-lt"/>
+                <a:ea typeface="+mn-ea"/>
+                <a:cs typeface="+mn-cs"/>
+              </a:defRPr>
+            </a:lvl6pPr>
+            <a:lvl7pPr marL="2971800" indent="-228600" algn="l" defTabSz="914400" rtl="0" eaLnBrk="1" latinLnBrk="0" hangingPunct="1">
+              <a:lnSpc>
+                <a:spcPct val="90000"/>
+              </a:lnSpc>
+              <a:spcBef>
+                <a:spcPts val="500"/>
+              </a:spcBef>
+              <a:buFont typeface="Arial" panose="020B0604020202020204" pitchFamily="34" charset="0"/>
+              <a:buChar char="•"/>
+              <a:defRPr sz="1800" kern="1200">
+                <a:solidFill>
+                  <a:schemeClr val="tx1"/>
+                </a:solidFill>
+                <a:latin typeface="+mn-lt"/>
+                <a:ea typeface="+mn-ea"/>
+                <a:cs typeface="+mn-cs"/>
+              </a:defRPr>
+            </a:lvl7pPr>
+            <a:lvl8pPr marL="3429000" indent="-228600" algn="l" defTabSz="914400" rtl="0" eaLnBrk="1" latinLnBrk="0" hangingPunct="1">
+              <a:lnSpc>
+                <a:spcPct val="90000"/>
+              </a:lnSpc>
+              <a:spcBef>
+                <a:spcPts val="500"/>
+              </a:spcBef>
+              <a:buFont typeface="Arial" panose="020B0604020202020204" pitchFamily="34" charset="0"/>
+              <a:buChar char="•"/>
+              <a:defRPr sz="1800" kern="1200">
+                <a:solidFill>
+                  <a:schemeClr val="tx1"/>
+                </a:solidFill>
+                <a:latin typeface="+mn-lt"/>
+                <a:ea typeface="+mn-ea"/>
+                <a:cs typeface="+mn-cs"/>
+              </a:defRPr>
+            </a:lvl8pPr>
+            <a:lvl9pPr marL="3886200" indent="-228600" algn="l" defTabSz="914400" rtl="0" eaLnBrk="1" latinLnBrk="0" hangingPunct="1">
+              <a:lnSpc>
+                <a:spcPct val="90000"/>
+              </a:lnSpc>
+              <a:spcBef>
+                <a:spcPts val="500"/>
+              </a:spcBef>
+              <a:buFont typeface="Arial" panose="020B0604020202020204" pitchFamily="34" charset="0"/>
+              <a:buChar char="•"/>
+              <a:defRPr sz="1800" kern="1200">
+                <a:solidFill>
+                  <a:schemeClr val="tx1"/>
+                </a:solidFill>
+                <a:latin typeface="+mn-lt"/>
+                <a:ea typeface="+mn-ea"/>
+                <a:cs typeface="+mn-cs"/>
+              </a:defRPr>
+            </a:lvl9pPr>
+          </a:lstStyle>
+          <a:p>
+            <a:pPr marL="0" indent="0">
+              <a:buFont typeface="+mj-lt"/>
+              <a:buNone/>
+            </a:pPr>
+            <a:endParaRPr lang="zh-CN" altLang="en-US"/>
           </a:p>
         </p:txBody>
       </p:sp>
       <p:pic>
         <p:nvPicPr>
-          <p:cNvPr id="11" name="图片 10"/>
+          <p:cNvPr id="9" name="图片 8"/>
           <p:cNvPicPr>
             <a:picLocks noChangeAspect="1"/>
           </p:cNvPicPr>
@@ -3768,152 +4779,8 @@
         </p:blipFill>
         <p:spPr>
           <a:xfrm>
-            <a:off x="1967865" y="2086610"/>
-            <a:ext cx="2066290" cy="672465"/>
-          </a:xfrm>
-          <a:prstGeom prst="rect">
-            <a:avLst/>
-          </a:prstGeom>
-        </p:spPr>
-      </p:pic>
-      <p:pic>
-        <p:nvPicPr>
-          <p:cNvPr id="12" name="图片 11"/>
-          <p:cNvPicPr>
-            <a:picLocks noChangeAspect="1"/>
-          </p:cNvPicPr>
-          <p:nvPr/>
-        </p:nvPicPr>
-        <p:blipFill>
-          <a:blip r:embed="rId2"/>
-          <a:stretch>
-            <a:fillRect/>
-          </a:stretch>
-        </p:blipFill>
-        <p:spPr>
-          <a:xfrm>
-            <a:off x="8444230" y="2209800"/>
-            <a:ext cx="2067560" cy="793115"/>
-          </a:xfrm>
-          <a:prstGeom prst="rect">
-            <a:avLst/>
-          </a:prstGeom>
-        </p:spPr>
-      </p:pic>
-      <p:pic>
-        <p:nvPicPr>
-          <p:cNvPr id="13" name="图片 12"/>
-          <p:cNvPicPr>
-            <a:picLocks noChangeAspect="1"/>
-          </p:cNvPicPr>
-          <p:nvPr/>
-        </p:nvPicPr>
-        <p:blipFill>
-          <a:blip r:embed="rId3"/>
-          <a:stretch>
-            <a:fillRect/>
-          </a:stretch>
-        </p:blipFill>
-        <p:spPr>
-          <a:xfrm>
-            <a:off x="8444230" y="4908550"/>
-            <a:ext cx="2066290" cy="786130"/>
-          </a:xfrm>
-          <a:prstGeom prst="rect">
-            <a:avLst/>
-          </a:prstGeom>
-        </p:spPr>
-      </p:pic>
-      <p:pic>
-        <p:nvPicPr>
-          <p:cNvPr id="14" name="图片 13"/>
-          <p:cNvPicPr>
-            <a:picLocks noChangeAspect="1"/>
-          </p:cNvPicPr>
-          <p:nvPr/>
-        </p:nvPicPr>
-        <p:blipFill>
-          <a:blip r:embed="rId4"/>
-          <a:stretch>
-            <a:fillRect/>
-          </a:stretch>
-        </p:blipFill>
-        <p:spPr>
-          <a:xfrm>
-            <a:off x="1971675" y="3009265"/>
-            <a:ext cx="2066290" cy="676275"/>
-          </a:xfrm>
-          <a:prstGeom prst="rect">
-            <a:avLst/>
-          </a:prstGeom>
-        </p:spPr>
-      </p:pic>
-      <p:pic>
-        <p:nvPicPr>
-          <p:cNvPr id="15" name="图片 14"/>
-          <p:cNvPicPr>
-            <a:picLocks noChangeAspect="1"/>
-          </p:cNvPicPr>
-          <p:nvPr/>
-        </p:nvPicPr>
-        <p:blipFill>
-          <a:blip r:embed="rId5"/>
-          <a:stretch>
-            <a:fillRect/>
-          </a:stretch>
-        </p:blipFill>
-        <p:spPr>
-          <a:xfrm>
-            <a:off x="8444865" y="3246120"/>
-            <a:ext cx="2065655" cy="773430"/>
-          </a:xfrm>
-          <a:prstGeom prst="rect">
-            <a:avLst/>
-          </a:prstGeom>
-        </p:spPr>
-      </p:pic>
-      <p:pic>
-        <p:nvPicPr>
-          <p:cNvPr id="16" name="图片 15"/>
-          <p:cNvPicPr>
-            <a:picLocks noChangeAspect="1"/>
-          </p:cNvPicPr>
-          <p:nvPr/>
-        </p:nvPicPr>
-        <p:blipFill>
-          <a:blip r:embed="rId6"/>
-          <a:stretch>
-            <a:fillRect/>
-          </a:stretch>
-        </p:blipFill>
-        <p:spPr>
-          <a:xfrm>
-            <a:off x="8444230" y="4236085"/>
-            <a:ext cx="2067560" cy="638175"/>
-          </a:xfrm>
-          <a:prstGeom prst="rect">
-            <a:avLst/>
-          </a:prstGeom>
-        </p:spPr>
-      </p:pic>
-      <p:pic>
-        <p:nvPicPr>
-          <p:cNvPr id="17" name="图片 16"/>
-          <p:cNvPicPr>
-            <a:picLocks noChangeAspect="1"/>
-          </p:cNvPicPr>
-          <p:nvPr/>
-        </p:nvPicPr>
-        <p:blipFill>
-          <a:blip r:embed="rId7"/>
-          <a:stretch>
-            <a:fillRect/>
-          </a:stretch>
-        </p:blipFill>
-        <p:spPr>
-          <a:xfrm>
-            <a:off x="1967865" y="4236085"/>
-            <a:ext cx="2066290" cy="803910"/>
+            <a:off x="6054090" y="3402330"/>
+            <a:ext cx="4980940" cy="3152140"/>
           </a:xfrm>
           <a:prstGeom prst="rect">
             <a:avLst/>
@@ -3940,6 +4807,785 @@
       <p:grpSpPr/>
       <p:sp>
         <p:nvSpPr>
+          <p:cNvPr id="2" name="标题 1"/>
+          <p:cNvSpPr>
+            <a:spLocks noGrp="1"/>
+          </p:cNvSpPr>
+          <p:nvPr>
+            <p:ph type="title"/>
+          </p:nvPr>
+        </p:nvSpPr>
+        <p:spPr/>
+        <p:txBody>
+          <a:bodyPr/>
+          <a:p>
+            <a:r>
+              <a:rPr lang="en-US" altLang="zh-CN"/>
+              <a:t>WS(WebSocket)-全双工通信</a:t>
+            </a:r>
+            <a:endParaRPr lang="en-US" altLang="zh-CN"/>
+          </a:p>
+        </p:txBody>
+      </p:sp>
+      <p:sp>
+        <p:nvSpPr>
+          <p:cNvPr id="3" name="内容占位符 2"/>
+          <p:cNvSpPr>
+            <a:spLocks noGrp="1"/>
+          </p:cNvSpPr>
+          <p:nvPr>
+            <p:ph idx="1"/>
+          </p:nvPr>
+        </p:nvSpPr>
+        <p:spPr/>
+        <p:txBody>
+          <a:bodyPr>
+            <a:normAutofit/>
+          </a:bodyPr>
+          <a:p>
+            <a:pPr marL="457200" indent="-457200">
+              <a:buFont typeface="+mj-lt"/>
+              <a:buAutoNum type="arabicPeriod"/>
+            </a:pPr>
+            <a:r>
+              <a:rPr lang="zh-CN" altLang="en-US"/>
+              <a:t>这也是一个HTML5标准中的一项内容，他要求浏览器可以通过JavaScript脚本手动创建一个TCP连接与服务端进行通讯。WebSocket使用了ws和wss协议，需要服务器有与之握手的算法才能将连接打开。即可以满足"问"+"答"的响应机制，也可以实现主动推送的功能。</a:t>
+            </a:r>
+            <a:endParaRPr lang="zh-CN" altLang="en-US"/>
+          </a:p>
+          <a:p>
+            <a:pPr marL="0" indent="0">
+              <a:buFont typeface="+mj-lt"/>
+              <a:buNone/>
+            </a:pPr>
+            <a:endParaRPr lang="zh-CN" altLang="en-US"/>
+          </a:p>
+          <a:p>
+            <a:pPr marL="0" indent="0">
+              <a:buFont typeface="+mj-lt"/>
+              <a:buNone/>
+            </a:pPr>
+            <a:r>
+              <a:rPr lang="zh-CN" altLang="en-US"/>
+              <a:t>特点:省流量，客户端什么时候想发就发，服务器端什么时候想回就回，两边都有监听者socket在负责。可以实现服务端消息的实时推送。</a:t>
+            </a:r>
+            <a:endParaRPr lang="zh-CN" altLang="en-US"/>
+          </a:p>
+        </p:txBody>
+      </p:sp>
+    </p:spTree>
+  </p:cSld>
+  <p:clrMapOvr>
+    <a:masterClrMapping/>
+  </p:clrMapOvr>
+</p:sld>
+</file>
+
+<file path=ppt/slides/slide4.xml><?xml version="1.0" encoding="utf-8"?>
+<p:sld xmlns:a="http://schemas.openxmlformats.org/drawingml/2006/main" xmlns:r="http://schemas.openxmlformats.org/officeDocument/2006/relationships" xmlns:p="http://schemas.openxmlformats.org/presentationml/2006/main">
+  <p:cSld>
+    <p:spTree>
+      <p:nvGrpSpPr>
+        <p:cNvPr id="1" name=""/>
+        <p:cNvGrpSpPr/>
+        <p:nvPr/>
+      </p:nvGrpSpPr>
+      <p:grpSpPr/>
+      <p:sp>
+        <p:nvSpPr>
+          <p:cNvPr id="3" name="内容占位符 2"/>
+          <p:cNvSpPr>
+            <a:spLocks noGrp="1"/>
+          </p:cNvSpPr>
+          <p:nvPr>
+            <p:ph idx="1"/>
+          </p:nvPr>
+        </p:nvSpPr>
+        <p:spPr>
+          <a:xfrm>
+            <a:off x="457200" y="365125"/>
+            <a:ext cx="11237595" cy="2933065"/>
+          </a:xfrm>
+        </p:spPr>
+        <p:txBody>
+          <a:bodyPr>
+            <a:normAutofit fontScale="90000"/>
+          </a:bodyPr>
+          <a:p>
+            <a:r>
+              <a:rPr lang="zh-CN" altLang="en-US"/>
+              <a:t>WebSocket 协议</a:t>
+            </a:r>
+            <a:endParaRPr lang="zh-CN" altLang="en-US"/>
+          </a:p>
+          <a:p>
+            <a:endParaRPr lang="zh-CN" altLang="en-US"/>
+          </a:p>
+          <a:p>
+            <a:r>
+              <a:rPr lang="zh-CN" altLang="en-US"/>
+              <a:t>首先，WebSocket 是基于 HTTP 协议的，或者说借用了 HTTP 协议来完成连接的握手部分。其次，WebSocket 是一个持久化协议，相对于 HTTP 这种非持久的协议来说，一个 HTTP 请求在收到服务端回复后会直接断开连接，下次获取消息需要重新发送 HTTP 请求，而 WebSocket 在连接成功后可以保持连接状态。下图应该能体现两者的关系：</a:t>
+            </a:r>
+            <a:endParaRPr lang="zh-CN" altLang="en-US"/>
+          </a:p>
+        </p:txBody>
+      </p:sp>
+      <p:pic>
+        <p:nvPicPr>
+          <p:cNvPr id="5" name="图片 4"/>
+          <p:cNvPicPr>
+            <a:picLocks noChangeAspect="1"/>
+          </p:cNvPicPr>
+          <p:nvPr/>
+        </p:nvPicPr>
+        <p:blipFill>
+          <a:blip r:embed="rId1"/>
+          <a:stretch>
+            <a:fillRect/>
+          </a:stretch>
+        </p:blipFill>
+        <p:spPr>
+          <a:xfrm>
+            <a:off x="3280410" y="3028950"/>
+            <a:ext cx="5590540" cy="2561590"/>
+          </a:xfrm>
+          <a:prstGeom prst="rect">
+            <a:avLst/>
+          </a:prstGeom>
+        </p:spPr>
+      </p:pic>
+      <p:sp>
+        <p:nvSpPr>
+          <p:cNvPr id="6" name="文本框 5"/>
+          <p:cNvSpPr txBox="1"/>
+          <p:nvPr/>
+        </p:nvSpPr>
+        <p:spPr>
+          <a:xfrm>
+            <a:off x="927100" y="5976620"/>
+            <a:ext cx="10482580" cy="368300"/>
+          </a:xfrm>
+          <a:prstGeom prst="rect">
+            <a:avLst/>
+          </a:prstGeom>
+          <a:noFill/>
+        </p:spPr>
+        <p:txBody>
+          <a:bodyPr wrap="square" rtlCol="0">
+            <a:spAutoFit/>
+          </a:bodyPr>
+          <a:p>
+            <a:r>
+              <a:rPr lang="zh-CN" altLang="en-US"/>
+              <a:t>在发起 WebSocket 请求时需要先通过 HTTP 请求告诉服务端需要将协议升级为 WebSocket。</a:t>
+            </a:r>
+            <a:endParaRPr lang="zh-CN" altLang="en-US"/>
+          </a:p>
+        </p:txBody>
+      </p:sp>
+    </p:spTree>
+  </p:cSld>
+  <p:clrMapOvr>
+    <a:masterClrMapping/>
+  </p:clrMapOvr>
+</p:sld>
+</file>
+
+<file path=ppt/slides/slide5.xml><?xml version="1.0" encoding="utf-8"?>
+<p:sld xmlns:a="http://schemas.openxmlformats.org/drawingml/2006/main" xmlns:r="http://schemas.openxmlformats.org/officeDocument/2006/relationships" xmlns:p="http://schemas.openxmlformats.org/presentationml/2006/main">
+  <p:cSld>
+    <p:spTree>
+      <p:nvGrpSpPr>
+        <p:cNvPr id="1" name=""/>
+        <p:cNvGrpSpPr/>
+        <p:nvPr/>
+      </p:nvGrpSpPr>
+      <p:grpSpPr/>
+      <p:sp>
+        <p:nvSpPr>
+          <p:cNvPr id="6" name="文本框 5"/>
+          <p:cNvSpPr txBox="1"/>
+          <p:nvPr/>
+        </p:nvSpPr>
+        <p:spPr>
+          <a:xfrm>
+            <a:off x="523240" y="2945130"/>
+            <a:ext cx="11144885" cy="6185535"/>
+          </a:xfrm>
+          <a:prstGeom prst="rect">
+            <a:avLst/>
+          </a:prstGeom>
+          <a:noFill/>
+        </p:spPr>
+        <p:txBody>
+          <a:bodyPr wrap="square" rtlCol="0" anchor="t">
+            <a:spAutoFit/>
+          </a:bodyPr>
+          <a:p>
+            <a:r>
+              <a:rPr lang="zh-CN" altLang="en-US"/>
+              <a:t>在请求头中核心的部分是 Connection 和 Upgrade ，通过这两个字段服务端会将 HTTP 升级为 WebSocket 协议。服务端返回对应信息后连接成功，客户端和服务端就可以正常通信了。</a:t>
+            </a:r>
+            <a:endParaRPr lang="zh-CN" altLang="en-US"/>
+          </a:p>
+          <a:p>
+            <a:endParaRPr lang="zh-CN" altLang="en-US"/>
+          </a:p>
+          <a:p>
+            <a:r>
+              <a:rPr lang="zh-CN" altLang="en-US"/>
+              <a:t>Sec-WebSocket-Key是客户端也就是浏览器或者其他终端随机生成一组16位的随机base64编码的串</a:t>
+            </a:r>
+            <a:endParaRPr lang="zh-CN" altLang="en-US"/>
+          </a:p>
+          <a:p>
+            <a:endParaRPr lang="zh-CN" altLang="en-US"/>
+          </a:p>
+          <a:p>
+            <a:r>
+              <a:rPr lang="zh-CN" altLang="en-US"/>
+              <a:t>Sec-WebSocket-Version就是当前使用协议的版本号</a:t>
+            </a:r>
+            <a:endParaRPr lang="zh-CN" altLang="en-US"/>
+          </a:p>
+          <a:p>
+            <a:endParaRPr lang="zh-CN" altLang="en-US"/>
+          </a:p>
+          <a:p>
+            <a:r>
+              <a:rPr lang="zh-CN" altLang="en-US"/>
+              <a:t>请求包说明： </a:t>
+            </a:r>
+            <a:endParaRPr lang="zh-CN" altLang="en-US"/>
+          </a:p>
+          <a:p>
+            <a:r>
+              <a:rPr lang="zh-CN" altLang="en-US"/>
+              <a:t>* 必须是有效的http request 格式； </a:t>
+            </a:r>
+            <a:endParaRPr lang="zh-CN" altLang="en-US"/>
+          </a:p>
+          <a:p>
+            <a:r>
+              <a:rPr lang="zh-CN" altLang="en-US"/>
+              <a:t>* HTTP request method 必须是GET，协议应不小于1.1 如： Get / HTTP/1.1； </a:t>
+            </a:r>
+            <a:endParaRPr lang="zh-CN" altLang="en-US"/>
+          </a:p>
+          <a:p>
+            <a:r>
+              <a:rPr lang="zh-CN" altLang="en-US"/>
+              <a:t>* 必须包括Upgrade头域，并且其值为”websocket”; </a:t>
+            </a:r>
+            <a:endParaRPr lang="zh-CN" altLang="en-US"/>
+          </a:p>
+          <a:p>
+            <a:r>
+              <a:rPr lang="zh-CN" altLang="en-US"/>
+              <a:t>* 必须包括”Connection” 头域，并且其值为”Upgrade”; </a:t>
+            </a:r>
+            <a:endParaRPr lang="zh-CN" altLang="en-US"/>
+          </a:p>
+          <a:p>
+            <a:r>
+              <a:rPr lang="zh-CN" altLang="en-US"/>
+              <a:t>* 必须包括”Sec-WebSocket-Key”头域，其值采用base64编码的随机16字节长的字符序列; </a:t>
+            </a:r>
+            <a:endParaRPr lang="zh-CN" altLang="en-US"/>
+          </a:p>
+          <a:p>
+            <a:r>
+              <a:rPr lang="zh-CN" altLang="en-US"/>
+              <a:t>* 如果请求来自浏览器客户端，还必须包括Origin头域 。 该头域用于防止未授权的跨域脚本攻击，服务器可以从Origin决定是否接受该WebSocket连接; </a:t>
+            </a:r>
+            <a:endParaRPr lang="zh-CN" altLang="en-US"/>
+          </a:p>
+          <a:p>
+            <a:r>
+              <a:rPr lang="zh-CN" altLang="en-US"/>
+              <a:t>* 必须包括”Sec-webSocket-Version” 头域，当前值必须是13; </a:t>
+            </a:r>
+            <a:endParaRPr lang="zh-CN" altLang="en-US"/>
+          </a:p>
+          <a:p>
+            <a:r>
+              <a:rPr lang="zh-CN" altLang="en-US"/>
+              <a:t>* 可能包括”Sec-WebSocket-Protocol”，表示client（应用程序）支持的协议列表，server选择一个或者没有可接受的协议响应之; </a:t>
+            </a:r>
+            <a:endParaRPr lang="zh-CN" altLang="en-US"/>
+          </a:p>
+          <a:p>
+            <a:r>
+              <a:rPr lang="zh-CN" altLang="en-US"/>
+              <a:t>* 可能包括”Sec-WebSocket-Extensions”， 协议扩展， 某类协议可能支持多个扩展，通过它可以实现协议增强; </a:t>
+            </a:r>
+            <a:endParaRPr lang="zh-CN" altLang="en-US"/>
+          </a:p>
+          <a:p>
+            <a:r>
+              <a:rPr lang="zh-CN" altLang="en-US"/>
+              <a:t>* 可能包括任意其他域，如cookie.</a:t>
+            </a:r>
+            <a:endParaRPr lang="zh-CN" altLang="en-US"/>
+          </a:p>
+          <a:p>
+            <a:endParaRPr lang="zh-CN" altLang="en-US"/>
+          </a:p>
+        </p:txBody>
+      </p:sp>
+      <p:pic>
+        <p:nvPicPr>
+          <p:cNvPr id="7" name="图片 6"/>
+          <p:cNvPicPr>
+            <a:picLocks noChangeAspect="1"/>
+          </p:cNvPicPr>
+          <p:nvPr/>
+        </p:nvPicPr>
+        <p:blipFill>
+          <a:blip r:embed="rId1"/>
+          <a:stretch>
+            <a:fillRect/>
+          </a:stretch>
+        </p:blipFill>
+        <p:spPr>
+          <a:xfrm>
+            <a:off x="523240" y="424180"/>
+            <a:ext cx="11144885" cy="2409825"/>
+          </a:xfrm>
+          <a:prstGeom prst="rect">
+            <a:avLst/>
+          </a:prstGeom>
+        </p:spPr>
+      </p:pic>
+    </p:spTree>
+  </p:cSld>
+  <p:clrMapOvr>
+    <a:masterClrMapping/>
+  </p:clrMapOvr>
+</p:sld>
+</file>
+
+<file path=ppt/slides/slide6.xml><?xml version="1.0" encoding="utf-8"?>
+<p:sld xmlns:a="http://schemas.openxmlformats.org/drawingml/2006/main" xmlns:r="http://schemas.openxmlformats.org/officeDocument/2006/relationships" xmlns:p="http://schemas.openxmlformats.org/presentationml/2006/main">
+  <p:cSld>
+    <p:spTree>
+      <p:nvGrpSpPr>
+        <p:cNvPr id="1" name=""/>
+        <p:cNvGrpSpPr/>
+        <p:nvPr/>
+      </p:nvGrpSpPr>
+      <p:grpSpPr/>
+      <p:sp>
+        <p:nvSpPr>
+          <p:cNvPr id="2" name="标题 1"/>
+          <p:cNvSpPr>
+            <a:spLocks noGrp="1"/>
+          </p:cNvSpPr>
+          <p:nvPr>
+            <p:ph type="title"/>
+          </p:nvPr>
+        </p:nvSpPr>
+        <p:spPr/>
+        <p:txBody>
+          <a:bodyPr/>
+          <a:p>
+            <a:endParaRPr lang="zh-CN" altLang="en-US"/>
+          </a:p>
+        </p:txBody>
+      </p:sp>
+      <p:pic>
+        <p:nvPicPr>
+          <p:cNvPr id="4" name="内容占位符 3"/>
+          <p:cNvPicPr>
+            <a:picLocks noChangeAspect="1"/>
+          </p:cNvPicPr>
+          <p:nvPr>
+            <p:ph idx="1"/>
+          </p:nvPr>
+        </p:nvPicPr>
+        <p:blipFill>
+          <a:blip r:embed="rId1"/>
+          <a:stretch>
+            <a:fillRect/>
+          </a:stretch>
+        </p:blipFill>
+        <p:spPr>
+          <a:xfrm>
+            <a:off x="329565" y="365125"/>
+            <a:ext cx="11300460" cy="1910080"/>
+          </a:xfrm>
+          <a:prstGeom prst="rect">
+            <a:avLst/>
+          </a:prstGeom>
+        </p:spPr>
+      </p:pic>
+      <p:sp>
+        <p:nvSpPr>
+          <p:cNvPr id="5" name="文本框 4"/>
+          <p:cNvSpPr txBox="1"/>
+          <p:nvPr/>
+        </p:nvSpPr>
+        <p:spPr>
+          <a:xfrm>
+            <a:off x="328930" y="2974975"/>
+            <a:ext cx="11301095" cy="2584450"/>
+          </a:xfrm>
+          <a:prstGeom prst="rect">
+            <a:avLst/>
+          </a:prstGeom>
+          <a:noFill/>
+        </p:spPr>
+        <p:txBody>
+          <a:bodyPr wrap="square" rtlCol="0" anchor="t">
+            <a:spAutoFit/>
+          </a:bodyPr>
+          <a:p>
+            <a:r>
+              <a:rPr lang="en-US" altLang="zh-CN"/>
+              <a:t>      </a:t>
+            </a:r>
+            <a:r>
+              <a:rPr lang="zh-CN" altLang="en-US"/>
+              <a:t>/*</a:t>
+            </a:r>
+            <a:endParaRPr lang="zh-CN" altLang="en-US"/>
+          </a:p>
+          <a:p>
+            <a:r>
+              <a:rPr lang="zh-CN" altLang="en-US"/>
+              <a:t>        </a:t>
+            </a:r>
+            <a:r>
+              <a:rPr lang="en-US" altLang="zh-CN"/>
+              <a:t>*</a:t>
+            </a:r>
+            <a:r>
+              <a:rPr lang="zh-CN" altLang="en-US"/>
+              <a:t>应答包说明： </a:t>
+            </a:r>
+            <a:endParaRPr lang="zh-CN" altLang="en-US"/>
+          </a:p>
+          <a:p>
+            <a:r>
+              <a:rPr lang="zh-CN" altLang="en-US"/>
+              <a:t>        *必须包括"Upgrade"头域，其值为WebSocket； </a:t>
+            </a:r>
+            <a:endParaRPr lang="zh-CN" altLang="en-US"/>
+          </a:p>
+          <a:p>
+            <a:r>
+              <a:rPr lang="zh-CN" altLang="en-US"/>
+              <a:t>        *必须包括"Connection"头域，其值为Upgrade； </a:t>
+            </a:r>
+            <a:endParaRPr lang="zh-CN" altLang="en-US"/>
+          </a:p>
+          <a:p>
+            <a:r>
+              <a:rPr lang="zh-CN" altLang="en-US"/>
+              <a:t>        *必须包括"Sec - WebSocket - Origin"头域； </a:t>
+            </a:r>
+            <a:endParaRPr lang="zh-CN" altLang="en-US"/>
+          </a:p>
+          <a:p>
+            <a:r>
+              <a:rPr lang="zh-CN" altLang="en-US"/>
+              <a:t>        *必须包括"Sec - WebSocket - Location"头域; </a:t>
+            </a:r>
+            <a:endParaRPr lang="zh-CN" altLang="en-US"/>
+          </a:p>
+          <a:p>
+            <a:r>
+              <a:rPr lang="zh-CN" altLang="en-US"/>
+              <a:t>        *应答正文的上一行是一行空行; </a:t>
+            </a:r>
+            <a:endParaRPr lang="zh-CN" altLang="en-US"/>
+          </a:p>
+          <a:p>
+            <a:r>
+              <a:rPr lang="zh-CN" altLang="en-US"/>
+              <a:t>        *应答正文后面没有任何结束符或者换行符。</a:t>
+            </a:r>
+            <a:endParaRPr lang="zh-CN" altLang="en-US"/>
+          </a:p>
+          <a:p>
+            <a:r>
+              <a:rPr lang="zh-CN" altLang="en-US"/>
+              <a:t>        */</a:t>
+            </a:r>
+            <a:endParaRPr lang="zh-CN" altLang="en-US"/>
+          </a:p>
+        </p:txBody>
+      </p:sp>
+    </p:spTree>
+  </p:cSld>
+  <p:clrMapOvr>
+    <a:masterClrMapping/>
+  </p:clrMapOvr>
+</p:sld>
+</file>
+
+<file path=ppt/slides/slide7.xml><?xml version="1.0" encoding="utf-8"?>
+<p:sld xmlns:a="http://schemas.openxmlformats.org/drawingml/2006/main" xmlns:r="http://schemas.openxmlformats.org/officeDocument/2006/relationships" xmlns:p="http://schemas.openxmlformats.org/presentationml/2006/main">
+  <p:cSld>
+    <p:spTree>
+      <p:nvGrpSpPr>
+        <p:cNvPr id="1" name=""/>
+        <p:cNvGrpSpPr/>
+        <p:nvPr/>
+      </p:nvGrpSpPr>
+      <p:grpSpPr/>
+      <p:pic>
+        <p:nvPicPr>
+          <p:cNvPr id="4" name="图片 3"/>
+          <p:cNvPicPr>
+            <a:picLocks noChangeAspect="1"/>
+          </p:cNvPicPr>
+          <p:nvPr/>
+        </p:nvPicPr>
+        <p:blipFill>
+          <a:blip r:embed="rId1"/>
+          <a:stretch>
+            <a:fillRect/>
+          </a:stretch>
+        </p:blipFill>
+        <p:spPr>
+          <a:xfrm>
+            <a:off x="24765" y="3175"/>
+            <a:ext cx="12129770" cy="2438400"/>
+          </a:xfrm>
+          <a:prstGeom prst="rect">
+            <a:avLst/>
+          </a:prstGeom>
+        </p:spPr>
+      </p:pic>
+      <p:pic>
+        <p:nvPicPr>
+          <p:cNvPr id="5" name="图片 4"/>
+          <p:cNvPicPr>
+            <a:picLocks noChangeAspect="1"/>
+          </p:cNvPicPr>
+          <p:nvPr/>
+        </p:nvPicPr>
+        <p:blipFill>
+          <a:blip r:embed="rId2"/>
+          <a:stretch>
+            <a:fillRect/>
+          </a:stretch>
+        </p:blipFill>
+        <p:spPr>
+          <a:xfrm>
+            <a:off x="31115" y="2272665"/>
+            <a:ext cx="12130405" cy="2914015"/>
+          </a:xfrm>
+          <a:prstGeom prst="rect">
+            <a:avLst/>
+          </a:prstGeom>
+        </p:spPr>
+      </p:pic>
+      <p:pic>
+        <p:nvPicPr>
+          <p:cNvPr id="6" name="图片 5"/>
+          <p:cNvPicPr>
+            <a:picLocks noChangeAspect="1"/>
+          </p:cNvPicPr>
+          <p:nvPr/>
+        </p:nvPicPr>
+        <p:blipFill>
+          <a:blip r:embed="rId3"/>
+          <a:stretch>
+            <a:fillRect/>
+          </a:stretch>
+        </p:blipFill>
+        <p:spPr>
+          <a:xfrm>
+            <a:off x="31115" y="5186680"/>
+            <a:ext cx="12129770" cy="1728470"/>
+          </a:xfrm>
+          <a:prstGeom prst="rect">
+            <a:avLst/>
+          </a:prstGeom>
+        </p:spPr>
+      </p:pic>
+    </p:spTree>
+  </p:cSld>
+  <p:clrMapOvr>
+    <a:masterClrMapping/>
+  </p:clrMapOvr>
+</p:sld>
+</file>
+
+<file path=ppt/slides/slide8.xml><?xml version="1.0" encoding="utf-8"?>
+<p:sld xmlns:a="http://schemas.openxmlformats.org/drawingml/2006/main" xmlns:r="http://schemas.openxmlformats.org/officeDocument/2006/relationships" xmlns:p="http://schemas.openxmlformats.org/presentationml/2006/main">
+  <p:cSld>
+    <p:spTree>
+      <p:nvGrpSpPr>
+        <p:cNvPr id="1" name=""/>
+        <p:cNvGrpSpPr/>
+        <p:nvPr/>
+      </p:nvGrpSpPr>
+      <p:grpSpPr/>
+      <p:sp>
+        <p:nvSpPr>
+          <p:cNvPr id="2" name="标题 1"/>
+          <p:cNvSpPr>
+            <a:spLocks noGrp="1"/>
+          </p:cNvSpPr>
+          <p:nvPr>
+            <p:ph type="title"/>
+          </p:nvPr>
+        </p:nvSpPr>
+        <p:spPr/>
+        <p:txBody>
+          <a:bodyPr/>
+          <a:p>
+            <a:r>
+              <a:rPr lang="en-US" altLang="zh-CN"/>
+              <a:t>socket.io</a:t>
+            </a:r>
+            <a:endParaRPr lang="en-US" altLang="zh-CN"/>
+          </a:p>
+        </p:txBody>
+      </p:sp>
+      <p:sp>
+        <p:nvSpPr>
+          <p:cNvPr id="3" name="内容占位符 2"/>
+          <p:cNvSpPr>
+            <a:spLocks noGrp="1"/>
+          </p:cNvSpPr>
+          <p:nvPr>
+            <p:ph idx="1"/>
+          </p:nvPr>
+        </p:nvSpPr>
+        <p:spPr/>
+        <p:txBody>
+          <a:bodyPr>
+            <a:normAutofit fontScale="90000"/>
+          </a:bodyPr>
+          <a:p>
+            <a:pPr marL="457200" indent="-457200">
+              <a:buFont typeface="+mj-lt"/>
+              <a:buAutoNum type="arabicPeriod"/>
+            </a:pPr>
+            <a:r>
+              <a:rPr lang="en-US" altLang="zh-CN"/>
+              <a:t>JavaScript </a:t>
+            </a:r>
+            <a:r>
+              <a:rPr lang="zh-CN" altLang="en-US"/>
+              <a:t>库</a:t>
+            </a:r>
+            <a:endParaRPr lang="zh-CN" altLang="en-US"/>
+          </a:p>
+          <a:p>
+            <a:pPr marL="457200" indent="-457200">
+              <a:buFont typeface="+mj-lt"/>
+              <a:buAutoNum type="arabicPeriod"/>
+            </a:pPr>
+            <a:endParaRPr lang="zh-CN" altLang="en-US"/>
+          </a:p>
+          <a:p>
+            <a:pPr marL="457200" indent="-457200">
+              <a:buFont typeface="+mj-lt"/>
+              <a:buAutoNum type="arabicPeriod"/>
+            </a:pPr>
+            <a:r>
+              <a:rPr lang="zh-CN" altLang="en-US"/>
+              <a:t>面向</a:t>
+            </a:r>
+            <a:r>
+              <a:rPr lang="en-US" altLang="zh-CN"/>
+              <a:t>web</a:t>
+            </a:r>
+            <a:r>
+              <a:rPr lang="zh-CN" altLang="en-US"/>
+              <a:t>应用</a:t>
+            </a:r>
+            <a:endParaRPr lang="zh-CN" altLang="en-US"/>
+          </a:p>
+          <a:p>
+            <a:pPr marL="457200" indent="-457200">
+              <a:buFont typeface="+mj-lt"/>
+              <a:buAutoNum type="arabicPeriod"/>
+            </a:pPr>
+            <a:endParaRPr lang="zh-CN" altLang="en-US"/>
+          </a:p>
+          <a:p>
+            <a:pPr marL="457200" indent="-457200">
+              <a:buFont typeface="+mj-lt"/>
+              <a:buAutoNum type="arabicPeriod"/>
+            </a:pPr>
+            <a:r>
+              <a:rPr lang="zh-CN" altLang="en-US"/>
+              <a:t>服务端和客户端的双向通信</a:t>
+            </a:r>
+            <a:endParaRPr lang="zh-CN" altLang="en-US"/>
+          </a:p>
+          <a:p>
+            <a:pPr marL="457200" indent="-457200">
+              <a:buFont typeface="+mj-lt"/>
+              <a:buAutoNum type="arabicPeriod"/>
+            </a:pPr>
+            <a:endParaRPr lang="zh-CN" altLang="en-US"/>
+          </a:p>
+          <a:p>
+            <a:pPr marL="457200" indent="-457200">
+              <a:buFont typeface="+mj-lt"/>
+              <a:buAutoNum type="arabicPeriod"/>
+            </a:pPr>
+            <a:r>
+              <a:rPr lang="zh-CN" altLang="en-US"/>
+              <a:t>主要使用 </a:t>
+            </a:r>
+            <a:r>
+              <a:rPr lang="en-US" altLang="zh-CN"/>
+              <a:t>WebSocket </a:t>
+            </a:r>
+            <a:r>
+              <a:rPr lang="zh-CN" altLang="en-US"/>
+              <a:t>协议</a:t>
+            </a:r>
+            <a:endParaRPr lang="zh-CN" altLang="en-US"/>
+          </a:p>
+          <a:p>
+            <a:pPr marL="457200" indent="-457200">
+              <a:buFont typeface="+mj-lt"/>
+              <a:buAutoNum type="arabicPeriod"/>
+            </a:pPr>
+            <a:endParaRPr lang="zh-CN" altLang="en-US"/>
+          </a:p>
+          <a:p>
+            <a:pPr marL="457200" indent="-457200">
+              <a:buFont typeface="+mj-lt"/>
+              <a:buAutoNum type="arabicPeriod"/>
+            </a:pPr>
+            <a:r>
+              <a:rPr lang="zh-CN" altLang="en-US"/>
+              <a:t>事件驱动</a:t>
+            </a:r>
+            <a:endParaRPr lang="zh-CN" altLang="en-US"/>
+          </a:p>
+        </p:txBody>
+      </p:sp>
+    </p:spTree>
+  </p:cSld>
+  <p:clrMapOvr>
+    <a:masterClrMapping/>
+  </p:clrMapOvr>
+</p:sld>
+</file>
+
+<file path=ppt/slides/slide9.xml><?xml version="1.0" encoding="utf-8"?>
+<p:sld xmlns:a="http://schemas.openxmlformats.org/drawingml/2006/main" xmlns:r="http://schemas.openxmlformats.org/officeDocument/2006/relationships" xmlns:p="http://schemas.openxmlformats.org/presentationml/2006/main">
+  <p:cSld>
+    <p:spTree>
+      <p:nvGrpSpPr>
+        <p:cNvPr id="1" name=""/>
+        <p:cNvGrpSpPr/>
+        <p:nvPr/>
+      </p:nvGrpSpPr>
+      <p:grpSpPr/>
+      <p:sp>
+        <p:nvSpPr>
           <p:cNvPr id="4" name="矩形 3"/>
           <p:cNvSpPr/>
           <p:nvPr/>
@@ -3947,7 +5593,7 @@
         <p:spPr>
           <a:xfrm>
             <a:off x="1480820" y="972185"/>
-            <a:ext cx="4367530" cy="5648325"/>
+            <a:ext cx="3048000" cy="4913630"/>
           </a:xfrm>
           <a:prstGeom prst="rect">
             <a:avLst/>
@@ -3983,8 +5629,8 @@
         </p:nvSpPr>
         <p:spPr>
           <a:xfrm>
-            <a:off x="6349365" y="972185"/>
-            <a:ext cx="4652645" cy="5648325"/>
+            <a:off x="7954010" y="972185"/>
+            <a:ext cx="3048000" cy="4913630"/>
           </a:xfrm>
           <a:prstGeom prst="rect">
             <a:avLst/>
@@ -4176,193 +5822,174 @@
           </a:p>
         </p:txBody>
       </p:sp>
-      <p:sp>
-        <p:nvSpPr>
-          <p:cNvPr id="2" name="文本框 1"/>
-          <p:cNvSpPr txBox="1"/>
+      <p:pic>
+        <p:nvPicPr>
+          <p:cNvPr id="11" name="图片 10"/>
+          <p:cNvPicPr>
+            <a:picLocks noChangeAspect="1"/>
+          </p:cNvPicPr>
           <p:nvPr/>
-        </p:nvSpPr>
-        <p:spPr>
-          <a:xfrm>
-            <a:off x="6560185" y="2188845"/>
-            <a:ext cx="4250055" cy="3692525"/>
+        </p:nvPicPr>
+        <p:blipFill>
+          <a:blip r:embed="rId1"/>
+          <a:stretch>
+            <a:fillRect/>
+          </a:stretch>
+        </p:blipFill>
+        <p:spPr>
+          <a:xfrm>
+            <a:off x="1967865" y="2086610"/>
+            <a:ext cx="2066290" cy="672465"/>
           </a:xfrm>
           <a:prstGeom prst="rect">
             <a:avLst/>
           </a:prstGeom>
-          <a:noFill/>
-        </p:spPr>
-        <p:txBody>
-          <a:bodyPr wrap="square" rtlCol="0">
-            <a:spAutoFit/>
-          </a:bodyPr>
-          <a:p>
-            <a:r>
-              <a:rPr lang="en-US" altLang="zh-CN"/>
-              <a:t>io.on('connection', function (socket) {</a:t>
-            </a:r>
-            <a:endParaRPr lang="en-US" altLang="zh-CN"/>
-          </a:p>
-          <a:p>
-            <a:r>
-              <a:rPr lang="en-US" altLang="zh-CN"/>
-              <a:t>      console.log('connected')</a:t>
-            </a:r>
-            <a:endParaRPr lang="en-US" altLang="zh-CN"/>
-          </a:p>
-          <a:p>
-            <a:endParaRPr lang="en-US" altLang="zh-CN"/>
-          </a:p>
-          <a:p>
-            <a:r>
-              <a:rPr lang="en-US" altLang="zh-CN"/>
-              <a:t>       socket.on('input', msg =&gt;  {</a:t>
-            </a:r>
-            <a:endParaRPr lang="en-US" altLang="zh-CN"/>
-          </a:p>
-          <a:p>
-            <a:r>
-              <a:rPr lang="en-US" altLang="zh-CN"/>
-              <a:t>	  console.log(msg + ' </a:t>
-            </a:r>
-            <a:r>
-              <a:rPr lang="zh-CN" altLang="en-US"/>
-              <a:t>来自客户端</a:t>
-            </a:r>
-            <a:r>
-              <a:rPr lang="en-US" altLang="zh-CN"/>
-              <a:t>	  </a:t>
-            </a:r>
-            <a:r>
-              <a:rPr lang="zh-CN" altLang="en-US"/>
-              <a:t>的自定义消息</a:t>
-            </a:r>
-            <a:r>
-              <a:rPr lang="en-US" altLang="zh-CN"/>
-              <a:t> ');</a:t>
-            </a:r>
-            <a:endParaRPr lang="en-US" altLang="zh-CN"/>
-          </a:p>
-          <a:p>
-            <a:r>
-              <a:rPr lang="en-US" altLang="zh-CN"/>
-              <a:t>        });</a:t>
-            </a:r>
-            <a:endParaRPr lang="en-US" altLang="zh-CN"/>
-          </a:p>
-          <a:p>
-            <a:r>
-              <a:rPr lang="en-US" altLang="zh-CN"/>
-              <a:t>	</a:t>
-            </a:r>
-            <a:endParaRPr lang="en-US" altLang="zh-CN"/>
-          </a:p>
-          <a:p>
-            <a:r>
-              <a:rPr lang="en-US" altLang="zh-CN"/>
-              <a:t>        io.emit('output', data);</a:t>
-            </a:r>
-            <a:endParaRPr lang="en-US" altLang="zh-CN"/>
-          </a:p>
-          <a:p>
-            <a:r>
-              <a:rPr lang="en-US" altLang="zh-CN"/>
-              <a:t>	// </a:t>
-            </a:r>
-            <a:r>
-              <a:rPr lang="zh-CN" altLang="en-US"/>
-              <a:t>此时的</a:t>
-            </a:r>
-            <a:r>
-              <a:rPr lang="en-US" altLang="zh-CN"/>
-              <a:t>data </a:t>
-            </a:r>
-            <a:r>
-              <a:rPr lang="zh-CN" altLang="en-US"/>
-              <a:t>是 来自客户端</a:t>
-            </a:r>
-            <a:r>
-              <a:rPr lang="en-US" altLang="zh-CN"/>
-              <a:t>msg </a:t>
-            </a:r>
-            <a:r>
-              <a:rPr lang="zh-CN" altLang="en-US"/>
-              <a:t>打包处理后的数据， 通过自定义事件发送给客户端</a:t>
-            </a:r>
-            <a:endParaRPr lang="en-US" altLang="zh-CN"/>
-          </a:p>
-          <a:p>
-            <a:r>
-              <a:rPr lang="en-US" altLang="zh-CN"/>
-              <a:t>})</a:t>
-            </a:r>
-            <a:endParaRPr lang="en-US" altLang="zh-CN"/>
-          </a:p>
-        </p:txBody>
-      </p:sp>
-      <p:sp>
-        <p:nvSpPr>
-          <p:cNvPr id="3" name="文本框 2"/>
-          <p:cNvSpPr txBox="1"/>
+        </p:spPr>
+      </p:pic>
+      <p:pic>
+        <p:nvPicPr>
+          <p:cNvPr id="12" name="图片 11"/>
+          <p:cNvPicPr>
+            <a:picLocks noChangeAspect="1"/>
+          </p:cNvPicPr>
           <p:nvPr/>
-        </p:nvSpPr>
-        <p:spPr>
-          <a:xfrm>
-            <a:off x="1493520" y="2378710"/>
-            <a:ext cx="4354195" cy="2030095"/>
+        </p:nvPicPr>
+        <p:blipFill>
+          <a:blip r:embed="rId2"/>
+          <a:stretch>
+            <a:fillRect/>
+          </a:stretch>
+        </p:blipFill>
+        <p:spPr>
+          <a:xfrm>
+            <a:off x="8444230" y="2209800"/>
+            <a:ext cx="2067560" cy="793115"/>
           </a:xfrm>
           <a:prstGeom prst="rect">
             <a:avLst/>
           </a:prstGeom>
-          <a:noFill/>
-        </p:spPr>
-        <p:txBody>
-          <a:bodyPr wrap="square" rtlCol="0">
-            <a:spAutoFit/>
-          </a:bodyPr>
-          <a:p>
-            <a:r>
-              <a:rPr lang="en-US" altLang="zh-CN"/>
-              <a:t>const socket = io();</a:t>
-            </a:r>
-            <a:endParaRPr lang="en-US" altLang="zh-CN"/>
-          </a:p>
-          <a:p>
-            <a:endParaRPr lang="en-US" altLang="zh-CN"/>
-          </a:p>
-          <a:p>
-            <a:r>
-              <a:rPr lang="en-US" altLang="zh-CN"/>
-              <a:t>socket.emit('input', msg)</a:t>
-            </a:r>
-            <a:endParaRPr lang="en-US" altLang="zh-CN"/>
-          </a:p>
-          <a:p>
-            <a:endParaRPr lang="en-US" altLang="zh-CN"/>
-          </a:p>
-          <a:p>
-            <a:r>
-              <a:rPr lang="en-US" altLang="zh-CN"/>
-              <a:t>socket.on ('output', data =&gt; {</a:t>
-            </a:r>
-            <a:endParaRPr lang="en-US" altLang="zh-CN"/>
-          </a:p>
-          <a:p>
-            <a:r>
-              <a:rPr lang="en-US" altLang="zh-CN"/>
-              <a:t>	// do something</a:t>
-            </a:r>
-            <a:endParaRPr lang="en-US" altLang="zh-CN"/>
-          </a:p>
-          <a:p>
-            <a:r>
-              <a:rPr lang="en-US" altLang="zh-CN"/>
-              <a:t>})</a:t>
-            </a:r>
-            <a:endParaRPr lang="en-US" altLang="zh-CN"/>
-          </a:p>
-        </p:txBody>
-      </p:sp>
+        </p:spPr>
+      </p:pic>
+      <p:pic>
+        <p:nvPicPr>
+          <p:cNvPr id="13" name="图片 12"/>
+          <p:cNvPicPr>
+            <a:picLocks noChangeAspect="1"/>
+          </p:cNvPicPr>
+          <p:nvPr/>
+        </p:nvPicPr>
+        <p:blipFill>
+          <a:blip r:embed="rId3"/>
+          <a:stretch>
+            <a:fillRect/>
+          </a:stretch>
+        </p:blipFill>
+        <p:spPr>
+          <a:xfrm>
+            <a:off x="8444230" y="4908550"/>
+            <a:ext cx="2066290" cy="786130"/>
+          </a:xfrm>
+          <a:prstGeom prst="rect">
+            <a:avLst/>
+          </a:prstGeom>
+        </p:spPr>
+      </p:pic>
+      <p:pic>
+        <p:nvPicPr>
+          <p:cNvPr id="14" name="图片 13"/>
+          <p:cNvPicPr>
+            <a:picLocks noChangeAspect="1"/>
+          </p:cNvPicPr>
+          <p:nvPr/>
+        </p:nvPicPr>
+        <p:blipFill>
+          <a:blip r:embed="rId4"/>
+          <a:stretch>
+            <a:fillRect/>
+          </a:stretch>
+        </p:blipFill>
+        <p:spPr>
+          <a:xfrm>
+            <a:off x="1971675" y="3009265"/>
+            <a:ext cx="2066290" cy="676275"/>
+          </a:xfrm>
+          <a:prstGeom prst="rect">
+            <a:avLst/>
+          </a:prstGeom>
+        </p:spPr>
+      </p:pic>
+      <p:pic>
+        <p:nvPicPr>
+          <p:cNvPr id="15" name="图片 14"/>
+          <p:cNvPicPr>
+            <a:picLocks noChangeAspect="1"/>
+          </p:cNvPicPr>
+          <p:nvPr/>
+        </p:nvPicPr>
+        <p:blipFill>
+          <a:blip r:embed="rId5"/>
+          <a:stretch>
+            <a:fillRect/>
+          </a:stretch>
+        </p:blipFill>
+        <p:spPr>
+          <a:xfrm>
+            <a:off x="8444865" y="3246120"/>
+            <a:ext cx="2065655" cy="773430"/>
+          </a:xfrm>
+          <a:prstGeom prst="rect">
+            <a:avLst/>
+          </a:prstGeom>
+        </p:spPr>
+      </p:pic>
+      <p:pic>
+        <p:nvPicPr>
+          <p:cNvPr id="16" name="图片 15"/>
+          <p:cNvPicPr>
+            <a:picLocks noChangeAspect="1"/>
+          </p:cNvPicPr>
+          <p:nvPr/>
+        </p:nvPicPr>
+        <p:blipFill>
+          <a:blip r:embed="rId6"/>
+          <a:stretch>
+            <a:fillRect/>
+          </a:stretch>
+        </p:blipFill>
+        <p:spPr>
+          <a:xfrm>
+            <a:off x="8444230" y="4236085"/>
+            <a:ext cx="2067560" cy="638175"/>
+          </a:xfrm>
+          <a:prstGeom prst="rect">
+            <a:avLst/>
+          </a:prstGeom>
+        </p:spPr>
+      </p:pic>
+      <p:pic>
+        <p:nvPicPr>
+          <p:cNvPr id="17" name="图片 16"/>
+          <p:cNvPicPr>
+            <a:picLocks noChangeAspect="1"/>
+          </p:cNvPicPr>
+          <p:nvPr/>
+        </p:nvPicPr>
+        <p:blipFill>
+          <a:blip r:embed="rId7"/>
+          <a:stretch>
+            <a:fillRect/>
+          </a:stretch>
+        </p:blipFill>
+        <p:spPr>
+          <a:xfrm>
+            <a:off x="1967865" y="4236085"/>
+            <a:ext cx="2066290" cy="803910"/>
+          </a:xfrm>
+          <a:prstGeom prst="rect">
+            <a:avLst/>
+          </a:prstGeom>
+        </p:spPr>
+      </p:pic>
     </p:spTree>
   </p:cSld>
   <p:clrMapOvr>

--- a/webSocket && socket.io.pptx
+++ b/webSocket && socket.io.pptx
@@ -5,19 +5,20 @@
     <p:sldMasterId id="2147483648" r:id="rId1"/>
   </p:sldMasterIdLst>
   <p:notesMasterIdLst>
-    <p:notesMasterId r:id="rId12"/>
+    <p:notesMasterId r:id="rId13"/>
   </p:notesMasterIdLst>
   <p:sldIdLst>
-    <p:sldId id="260" r:id="rId3"/>
-    <p:sldId id="261" r:id="rId4"/>
-    <p:sldId id="262" r:id="rId5"/>
-    <p:sldId id="265" r:id="rId6"/>
-    <p:sldId id="263" r:id="rId7"/>
-    <p:sldId id="264" r:id="rId8"/>
-    <p:sldId id="266" r:id="rId9"/>
-    <p:sldId id="257" r:id="rId10"/>
-    <p:sldId id="256" r:id="rId11"/>
-    <p:sldId id="258" r:id="rId13"/>
+    <p:sldId id="272" r:id="rId3"/>
+    <p:sldId id="260" r:id="rId4"/>
+    <p:sldId id="261" r:id="rId5"/>
+    <p:sldId id="262" r:id="rId6"/>
+    <p:sldId id="265" r:id="rId7"/>
+    <p:sldId id="263" r:id="rId8"/>
+    <p:sldId id="264" r:id="rId9"/>
+    <p:sldId id="266" r:id="rId10"/>
+    <p:sldId id="257" r:id="rId11"/>
+    <p:sldId id="256" r:id="rId12"/>
+    <p:sldId id="258" r:id="rId14"/>
   </p:sldIdLst>
   <p:sldSz cx="12192000" cy="6858000"/>
   <p:notesSz cx="6858000" cy="9144000"/>
@@ -3371,73 +3372,45 @@
             <p:ph type="title"/>
           </p:nvPr>
         </p:nvSpPr>
-        <p:spPr/>
+        <p:spPr>
+          <a:xfrm>
+            <a:off x="838200" y="2868930"/>
+            <a:ext cx="10515600" cy="1459865"/>
+          </a:xfrm>
+        </p:spPr>
         <p:txBody>
           <a:bodyPr/>
           <a:p>
             <a:pPr algn="ctr"/>
             <a:r>
-              <a:rPr lang="en-US" altLang="zh-CN"/>
+              <a:rPr lang="en-US" altLang="zh-CN" sz="8800">
+                <a:ln/>
+                <a:solidFill>
+                  <a:schemeClr val="tx1"/>
+                </a:solidFill>
+                <a:effectLst>
+                  <a:outerShdw blurRad="38100" dist="19050" dir="2700000" algn="tl" rotWithShape="0">
+                    <a:schemeClr val="dk1">
+                      <a:alpha val="40000"/>
+                    </a:schemeClr>
+                  </a:outerShdw>
+                </a:effectLst>
+              </a:rPr>
               <a:t>WebSocket</a:t>
             </a:r>
-            <a:endParaRPr lang="en-US" altLang="zh-CN"/>
-          </a:p>
-        </p:txBody>
-      </p:sp>
-      <p:sp>
-        <p:nvSpPr>
-          <p:cNvPr id="3" name="内容占位符 2"/>
-          <p:cNvSpPr>
-            <a:spLocks noGrp="1"/>
-          </p:cNvSpPr>
-          <p:nvPr>
-            <p:ph idx="1"/>
-          </p:nvPr>
-        </p:nvSpPr>
-        <p:spPr/>
-        <p:txBody>
-          <a:bodyPr>
-            <a:normAutofit fontScale="90000" lnSpcReduction="10000"/>
-          </a:bodyPr>
-          <a:p>
-            <a:pPr marL="457200" indent="-457200">
-              <a:buFont typeface="+mj-lt"/>
-              <a:buAutoNum type="arabicPeriod"/>
-            </a:pPr>
-            <a:r>
-              <a:rPr lang="zh-CN" altLang="en-US"/>
-              <a:t>WebSocket 是 HTML5 中提出的一种协议。它的出现是为了解决客户端和服务端的实时通信问题。在 WebSocket 出现之前，如果想实现实时消息传递一般有两种方式：</a:t>
-            </a:r>
-            <a:endParaRPr lang="zh-CN" altLang="en-US"/>
-          </a:p>
-          <a:p>
-            <a:pPr marL="457200" indent="-457200">
-              <a:buFont typeface="+mj-lt"/>
-              <a:buAutoNum type="arabicPeriod"/>
-            </a:pPr>
-            <a:endParaRPr lang="zh-CN" altLang="en-US"/>
-          </a:p>
-          <a:p>
-            <a:pPr marL="457200" indent="-457200">
-              <a:buFont typeface="+mj-lt"/>
-              <a:buAutoNum type="arabicPeriod"/>
-            </a:pPr>
-            <a:r>
-              <a:rPr lang="zh-CN" altLang="en-US"/>
-              <a:t>客户端通过轮询不停的向服务端发送请求，如果有新消息客户端进行更新。这种方式的缺点很明显，客户端需要不停向服务器发送请求，然而 HTTP 请求可能包含较长的头部，其中真正有效的数据可能只是很小的一部分，显然这样会浪费很多带宽资源</a:t>
-            </a:r>
-            <a:endParaRPr lang="zh-CN" altLang="en-US"/>
-          </a:p>
-          <a:p>
-            <a:pPr marL="457200" indent="-457200">
-              <a:buFont typeface="+mj-lt"/>
-              <a:buAutoNum type="arabicPeriod"/>
-            </a:pPr>
-            <a:r>
-              <a:rPr lang="zh-CN" altLang="en-US"/>
-              <a:t>HTTP 长连接，客户端通过 HTTP 请求连接到服务端后， 底层的 TCP 连接不会马上断开，后续的信息还是可以通过同一个连接来传输。这种方式有一个问题是每个连接会占用服务端资源，在收到消息后连接断开，就需要重新发送请求。如此循环往复。</a:t>
-            </a:r>
-            <a:endParaRPr lang="zh-CN" altLang="en-US"/>
+            <a:endParaRPr lang="en-US" altLang="zh-CN" sz="8800">
+              <a:ln/>
+              <a:solidFill>
+                <a:schemeClr val="tx1"/>
+              </a:solidFill>
+              <a:effectLst>
+                <a:outerShdw blurRad="38100" dist="19050" dir="2700000" algn="tl" rotWithShape="0">
+                  <a:schemeClr val="dk1">
+                    <a:alpha val="40000"/>
+                  </a:schemeClr>
+                </a:outerShdw>
+              </a:effectLst>
+            </a:endParaRPr>
           </a:p>
         </p:txBody>
       </p:sp>
@@ -3468,6 +3441,430 @@
         <p:spPr>
           <a:xfrm>
             <a:off x="1480820" y="972185"/>
+            <a:ext cx="3048000" cy="4913630"/>
+          </a:xfrm>
+          <a:prstGeom prst="rect">
+            <a:avLst/>
+          </a:prstGeom>
+        </p:spPr>
+        <p:style>
+          <a:lnRef idx="2">
+            <a:schemeClr val="accent6"/>
+          </a:lnRef>
+          <a:fillRef idx="1">
+            <a:schemeClr val="lt1"/>
+          </a:fillRef>
+          <a:effectRef idx="0">
+            <a:schemeClr val="accent6"/>
+          </a:effectRef>
+          <a:fontRef idx="minor">
+            <a:schemeClr val="dk1"/>
+          </a:fontRef>
+        </p:style>
+        <p:txBody>
+          <a:bodyPr rtlCol="0" anchor="ctr"/>
+          <a:p>
+            <a:pPr algn="ctr"/>
+            <a:endParaRPr lang="zh-CN" altLang="en-US"/>
+          </a:p>
+        </p:txBody>
+      </p:sp>
+      <p:sp>
+        <p:nvSpPr>
+          <p:cNvPr id="5" name="矩形 4"/>
+          <p:cNvSpPr/>
+          <p:nvPr/>
+        </p:nvSpPr>
+        <p:spPr>
+          <a:xfrm>
+            <a:off x="7954010" y="972185"/>
+            <a:ext cx="3048000" cy="4913630"/>
+          </a:xfrm>
+          <a:prstGeom prst="rect">
+            <a:avLst/>
+          </a:prstGeom>
+        </p:spPr>
+        <p:style>
+          <a:lnRef idx="2">
+            <a:schemeClr val="accent6"/>
+          </a:lnRef>
+          <a:fillRef idx="1">
+            <a:schemeClr val="lt1"/>
+          </a:fillRef>
+          <a:effectRef idx="0">
+            <a:schemeClr val="accent6"/>
+          </a:effectRef>
+          <a:fontRef idx="minor">
+            <a:schemeClr val="dk1"/>
+          </a:fontRef>
+        </p:style>
+        <p:txBody>
+          <a:bodyPr rtlCol="0" anchor="ctr"/>
+          <a:p>
+            <a:pPr algn="ctr"/>
+            <a:endParaRPr lang="zh-CN" altLang="en-US"/>
+          </a:p>
+        </p:txBody>
+      </p:sp>
+      <p:sp>
+        <p:nvSpPr>
+          <p:cNvPr id="6" name="矩形 5"/>
+          <p:cNvSpPr/>
+          <p:nvPr/>
+        </p:nvSpPr>
+        <p:spPr>
+          <a:xfrm>
+            <a:off x="1971675" y="394335"/>
+            <a:ext cx="2066290" cy="450850"/>
+          </a:xfrm>
+          <a:prstGeom prst="rect">
+            <a:avLst/>
+          </a:prstGeom>
+        </p:spPr>
+        <p:style>
+          <a:lnRef idx="2">
+            <a:schemeClr val="accent6"/>
+          </a:lnRef>
+          <a:fillRef idx="1">
+            <a:schemeClr val="lt1"/>
+          </a:fillRef>
+          <a:effectRef idx="0">
+            <a:schemeClr val="accent6"/>
+          </a:effectRef>
+          <a:fontRef idx="minor">
+            <a:schemeClr val="dk1"/>
+          </a:fontRef>
+        </p:style>
+        <p:txBody>
+          <a:bodyPr rtlCol="0" anchor="ctr"/>
+          <a:p>
+            <a:pPr algn="ctr"/>
+            <a:r>
+              <a:rPr lang="en-US" altLang="zh-CN"/>
+              <a:t>clint </a:t>
+            </a:r>
+            <a:endParaRPr lang="en-US" altLang="zh-CN"/>
+          </a:p>
+        </p:txBody>
+      </p:sp>
+      <p:sp>
+        <p:nvSpPr>
+          <p:cNvPr id="7" name="矩形 6"/>
+          <p:cNvSpPr/>
+          <p:nvPr/>
+        </p:nvSpPr>
+        <p:spPr>
+          <a:xfrm>
+            <a:off x="8444865" y="300355"/>
+            <a:ext cx="2066290" cy="450850"/>
+          </a:xfrm>
+          <a:prstGeom prst="rect">
+            <a:avLst/>
+          </a:prstGeom>
+        </p:spPr>
+        <p:style>
+          <a:lnRef idx="2">
+            <a:schemeClr val="accent6"/>
+          </a:lnRef>
+          <a:fillRef idx="1">
+            <a:schemeClr val="lt1"/>
+          </a:fillRef>
+          <a:effectRef idx="0">
+            <a:schemeClr val="accent6"/>
+          </a:effectRef>
+          <a:fontRef idx="minor">
+            <a:schemeClr val="dk1"/>
+          </a:fontRef>
+        </p:style>
+        <p:txBody>
+          <a:bodyPr rtlCol="0" anchor="ctr"/>
+          <a:p>
+            <a:pPr algn="ctr"/>
+            <a:r>
+              <a:rPr lang="en-US" altLang="zh-CN"/>
+              <a:t>Server</a:t>
+            </a:r>
+            <a:endParaRPr lang="en-US" altLang="zh-CN"/>
+          </a:p>
+        </p:txBody>
+      </p:sp>
+      <p:sp>
+        <p:nvSpPr>
+          <p:cNvPr id="8" name="矩形 7"/>
+          <p:cNvSpPr/>
+          <p:nvPr/>
+        </p:nvSpPr>
+        <p:spPr>
+          <a:xfrm>
+            <a:off x="1967865" y="1377950"/>
+            <a:ext cx="2066290" cy="450850"/>
+          </a:xfrm>
+          <a:prstGeom prst="rect">
+            <a:avLst/>
+          </a:prstGeom>
+        </p:spPr>
+        <p:style>
+          <a:lnRef idx="2">
+            <a:schemeClr val="accent6"/>
+          </a:lnRef>
+          <a:fillRef idx="1">
+            <a:schemeClr val="lt1"/>
+          </a:fillRef>
+          <a:effectRef idx="0">
+            <a:schemeClr val="accent6"/>
+          </a:effectRef>
+          <a:fontRef idx="minor">
+            <a:schemeClr val="dk1"/>
+          </a:fontRef>
+        </p:style>
+        <p:txBody>
+          <a:bodyPr rtlCol="0" anchor="ctr"/>
+          <a:p>
+            <a:pPr algn="ctr"/>
+            <a:r>
+              <a:rPr lang="en-US" altLang="zh-CN"/>
+              <a:t>socket </a:t>
+            </a:r>
+            <a:endParaRPr lang="en-US" altLang="zh-CN"/>
+          </a:p>
+        </p:txBody>
+      </p:sp>
+      <p:sp>
+        <p:nvSpPr>
+          <p:cNvPr id="9" name="矩形 8"/>
+          <p:cNvSpPr/>
+          <p:nvPr/>
+        </p:nvSpPr>
+        <p:spPr>
+          <a:xfrm>
+            <a:off x="8444865" y="1377950"/>
+            <a:ext cx="2066290" cy="450850"/>
+          </a:xfrm>
+          <a:prstGeom prst="rect">
+            <a:avLst/>
+          </a:prstGeom>
+        </p:spPr>
+        <p:style>
+          <a:lnRef idx="2">
+            <a:schemeClr val="accent6"/>
+          </a:lnRef>
+          <a:fillRef idx="1">
+            <a:schemeClr val="lt1"/>
+          </a:fillRef>
+          <a:effectRef idx="0">
+            <a:schemeClr val="accent6"/>
+          </a:effectRef>
+          <a:fontRef idx="minor">
+            <a:schemeClr val="dk1"/>
+          </a:fontRef>
+        </p:style>
+        <p:txBody>
+          <a:bodyPr rtlCol="0" anchor="ctr"/>
+          <a:p>
+            <a:pPr algn="ctr"/>
+            <a:r>
+              <a:rPr lang="en-US" altLang="zh-CN"/>
+              <a:t>io</a:t>
+            </a:r>
+            <a:endParaRPr lang="en-US" altLang="zh-CN"/>
+          </a:p>
+        </p:txBody>
+      </p:sp>
+      <p:pic>
+        <p:nvPicPr>
+          <p:cNvPr id="11" name="图片 10"/>
+          <p:cNvPicPr>
+            <a:picLocks noChangeAspect="1"/>
+          </p:cNvPicPr>
+          <p:nvPr/>
+        </p:nvPicPr>
+        <p:blipFill>
+          <a:blip r:embed="rId1"/>
+          <a:stretch>
+            <a:fillRect/>
+          </a:stretch>
+        </p:blipFill>
+        <p:spPr>
+          <a:xfrm>
+            <a:off x="1967865" y="2086610"/>
+            <a:ext cx="2066290" cy="672465"/>
+          </a:xfrm>
+          <a:prstGeom prst="rect">
+            <a:avLst/>
+          </a:prstGeom>
+        </p:spPr>
+      </p:pic>
+      <p:pic>
+        <p:nvPicPr>
+          <p:cNvPr id="12" name="图片 11"/>
+          <p:cNvPicPr>
+            <a:picLocks noChangeAspect="1"/>
+          </p:cNvPicPr>
+          <p:nvPr/>
+        </p:nvPicPr>
+        <p:blipFill>
+          <a:blip r:embed="rId2"/>
+          <a:stretch>
+            <a:fillRect/>
+          </a:stretch>
+        </p:blipFill>
+        <p:spPr>
+          <a:xfrm>
+            <a:off x="8444230" y="2209800"/>
+            <a:ext cx="2067560" cy="793115"/>
+          </a:xfrm>
+          <a:prstGeom prst="rect">
+            <a:avLst/>
+          </a:prstGeom>
+        </p:spPr>
+      </p:pic>
+      <p:pic>
+        <p:nvPicPr>
+          <p:cNvPr id="13" name="图片 12"/>
+          <p:cNvPicPr>
+            <a:picLocks noChangeAspect="1"/>
+          </p:cNvPicPr>
+          <p:nvPr/>
+        </p:nvPicPr>
+        <p:blipFill>
+          <a:blip r:embed="rId3"/>
+          <a:stretch>
+            <a:fillRect/>
+          </a:stretch>
+        </p:blipFill>
+        <p:spPr>
+          <a:xfrm>
+            <a:off x="8444230" y="4908550"/>
+            <a:ext cx="2066290" cy="786130"/>
+          </a:xfrm>
+          <a:prstGeom prst="rect">
+            <a:avLst/>
+          </a:prstGeom>
+        </p:spPr>
+      </p:pic>
+      <p:pic>
+        <p:nvPicPr>
+          <p:cNvPr id="14" name="图片 13"/>
+          <p:cNvPicPr>
+            <a:picLocks noChangeAspect="1"/>
+          </p:cNvPicPr>
+          <p:nvPr/>
+        </p:nvPicPr>
+        <p:blipFill>
+          <a:blip r:embed="rId4"/>
+          <a:stretch>
+            <a:fillRect/>
+          </a:stretch>
+        </p:blipFill>
+        <p:spPr>
+          <a:xfrm>
+            <a:off x="1971675" y="3009265"/>
+            <a:ext cx="2066290" cy="676275"/>
+          </a:xfrm>
+          <a:prstGeom prst="rect">
+            <a:avLst/>
+          </a:prstGeom>
+        </p:spPr>
+      </p:pic>
+      <p:pic>
+        <p:nvPicPr>
+          <p:cNvPr id="15" name="图片 14"/>
+          <p:cNvPicPr>
+            <a:picLocks noChangeAspect="1"/>
+          </p:cNvPicPr>
+          <p:nvPr/>
+        </p:nvPicPr>
+        <p:blipFill>
+          <a:blip r:embed="rId5"/>
+          <a:stretch>
+            <a:fillRect/>
+          </a:stretch>
+        </p:blipFill>
+        <p:spPr>
+          <a:xfrm>
+            <a:off x="8444865" y="3246120"/>
+            <a:ext cx="2065655" cy="773430"/>
+          </a:xfrm>
+          <a:prstGeom prst="rect">
+            <a:avLst/>
+          </a:prstGeom>
+        </p:spPr>
+      </p:pic>
+      <p:pic>
+        <p:nvPicPr>
+          <p:cNvPr id="16" name="图片 15"/>
+          <p:cNvPicPr>
+            <a:picLocks noChangeAspect="1"/>
+          </p:cNvPicPr>
+          <p:nvPr/>
+        </p:nvPicPr>
+        <p:blipFill>
+          <a:blip r:embed="rId6"/>
+          <a:stretch>
+            <a:fillRect/>
+          </a:stretch>
+        </p:blipFill>
+        <p:spPr>
+          <a:xfrm>
+            <a:off x="8444230" y="4236085"/>
+            <a:ext cx="2067560" cy="638175"/>
+          </a:xfrm>
+          <a:prstGeom prst="rect">
+            <a:avLst/>
+          </a:prstGeom>
+        </p:spPr>
+      </p:pic>
+      <p:pic>
+        <p:nvPicPr>
+          <p:cNvPr id="17" name="图片 16"/>
+          <p:cNvPicPr>
+            <a:picLocks noChangeAspect="1"/>
+          </p:cNvPicPr>
+          <p:nvPr/>
+        </p:nvPicPr>
+        <p:blipFill>
+          <a:blip r:embed="rId7"/>
+          <a:stretch>
+            <a:fillRect/>
+          </a:stretch>
+        </p:blipFill>
+        <p:spPr>
+          <a:xfrm>
+            <a:off x="1967865" y="4236085"/>
+            <a:ext cx="2066290" cy="803910"/>
+          </a:xfrm>
+          <a:prstGeom prst="rect">
+            <a:avLst/>
+          </a:prstGeom>
+        </p:spPr>
+      </p:pic>
+    </p:spTree>
+  </p:cSld>
+  <p:clrMapOvr>
+    <a:masterClrMapping/>
+  </p:clrMapOvr>
+</p:sld>
+</file>
+
+<file path=ppt/slides/slide11.xml><?xml version="1.0" encoding="utf-8"?>
+<p:sld xmlns:a="http://schemas.openxmlformats.org/drawingml/2006/main" xmlns:r="http://schemas.openxmlformats.org/officeDocument/2006/relationships" xmlns:p="http://schemas.openxmlformats.org/presentationml/2006/main">
+  <p:cSld>
+    <p:spTree>
+      <p:nvGrpSpPr>
+        <p:cNvPr id="1" name=""/>
+        <p:cNvGrpSpPr/>
+        <p:nvPr/>
+      </p:nvGrpSpPr>
+      <p:grpSpPr/>
+      <p:sp>
+        <p:nvSpPr>
+          <p:cNvPr id="4" name="矩形 3"/>
+          <p:cNvSpPr/>
+          <p:nvPr/>
+        </p:nvSpPr>
+        <p:spPr>
+          <a:xfrm>
+            <a:off x="1480820" y="972185"/>
             <a:ext cx="4367530" cy="5648325"/>
           </a:xfrm>
           <a:prstGeom prst="rect">
@@ -3904,6 +4301,79 @@
       <p:grpSpPr/>
       <p:sp>
         <p:nvSpPr>
+          <p:cNvPr id="3" name="内容占位符 2"/>
+          <p:cNvSpPr>
+            <a:spLocks noGrp="1"/>
+          </p:cNvSpPr>
+          <p:nvPr>
+            <p:ph idx="1"/>
+          </p:nvPr>
+        </p:nvSpPr>
+        <p:spPr>
+          <a:xfrm>
+            <a:off x="838200" y="573405"/>
+            <a:ext cx="10515600" cy="4754880"/>
+          </a:xfrm>
+        </p:spPr>
+        <p:txBody>
+          <a:bodyPr>
+            <a:normAutofit fontScale="90000"/>
+          </a:bodyPr>
+          <a:p>
+            <a:pPr marL="0" indent="0">
+              <a:buFont typeface="+mj-lt"/>
+              <a:buNone/>
+            </a:pPr>
+            <a:r>
+              <a:rPr lang="zh-CN" altLang="en-US"/>
+              <a:t>WebSocket 是 HTML5 中提出的一种协议。它的出现是为了解决客户端和服务端的实时通信问题。在 WebSocket 出现之前，如果想实现实时消息传递一般有两种方式：</a:t>
+            </a:r>
+            <a:endParaRPr lang="zh-CN" altLang="en-US"/>
+          </a:p>
+          <a:p>
+            <a:pPr marL="457200" indent="-457200">
+              <a:buFont typeface="+mj-lt"/>
+              <a:buAutoNum type="arabicPeriod"/>
+            </a:pPr>
+            <a:r>
+              <a:rPr lang="zh-CN" altLang="en-US"/>
+              <a:t>客户端通过轮询不停的向服务端发送请求，如果有新消息客户端进行更新。这种方式的缺点很明显，客户端需要不停向服务器发送请求，然而 HTTP 请求可能包含较长的头部，其中真正有效的数据可能只是很小的一部分，显然这样会浪费很多带宽资源</a:t>
+            </a:r>
+            <a:endParaRPr lang="zh-CN" altLang="en-US"/>
+          </a:p>
+          <a:p>
+            <a:pPr marL="457200" indent="-457200">
+              <a:buFont typeface="+mj-lt"/>
+              <a:buAutoNum type="arabicPeriod"/>
+            </a:pPr>
+            <a:r>
+              <a:rPr lang="zh-CN" altLang="en-US"/>
+              <a:t>HTTP 长连接，客户端通过 HTTP 请求连接到服务端后， 底层的 TCP 连接不会马上断开，后续的信息还是可以通过同一个连接来传输。这种方式有一个问题是每个连接会占用服务端资源，在收到消息后连接断开，就需要重新发送请求。如此循环往复。</a:t>
+            </a:r>
+            <a:endParaRPr lang="zh-CN" altLang="en-US"/>
+          </a:p>
+        </p:txBody>
+      </p:sp>
+    </p:spTree>
+  </p:cSld>
+  <p:clrMapOvr>
+    <a:masterClrMapping/>
+  </p:clrMapOvr>
+</p:sld>
+</file>
+
+<file path=ppt/slides/slide3.xml><?xml version="1.0" encoding="utf-8"?>
+<p:sld xmlns:a="http://schemas.openxmlformats.org/drawingml/2006/main" xmlns:r="http://schemas.openxmlformats.org/officeDocument/2006/relationships" xmlns:p="http://schemas.openxmlformats.org/presentationml/2006/main">
+  <p:cSld>
+    <p:spTree>
+      <p:nvGrpSpPr>
+        <p:cNvPr id="1" name=""/>
+        <p:cNvGrpSpPr/>
+        <p:nvPr/>
+      </p:nvGrpSpPr>
+      <p:grpSpPr/>
+      <p:sp>
+        <p:nvSpPr>
           <p:cNvPr id="2" name="标题 1"/>
           <p:cNvSpPr>
             <a:spLocks noGrp="1"/>
@@ -3936,16 +4406,19 @@
         </p:nvSpPr>
         <p:spPr>
           <a:xfrm>
-            <a:off x="837565" y="1825625"/>
-            <a:ext cx="4116705" cy="4351655"/>
+            <a:off x="420370" y="1477645"/>
+            <a:ext cx="5659755" cy="4699635"/>
           </a:xfrm>
         </p:spPr>
         <p:txBody>
           <a:bodyPr>
-            <a:normAutofit fontScale="90000" lnSpcReduction="20000"/>
+            <a:normAutofit fontScale="90000"/>
           </a:bodyPr>
           <a:p>
             <a:pPr marL="0" indent="0">
+              <a:lnSpc>
+                <a:spcPct val="150000"/>
+              </a:lnSpc>
               <a:buFont typeface="+mj-lt"/>
               <a:buNone/>
             </a:pPr>
@@ -4779,7 +5252,7 @@
         </p:blipFill>
         <p:spPr>
           <a:xfrm>
-            <a:off x="6054090" y="3402330"/>
+            <a:off x="6485890" y="3514090"/>
             <a:ext cx="4980940" cy="3152140"/>
           </a:xfrm>
           <a:prstGeom prst="rect">
@@ -4787,92 +5260,6 @@
           </a:prstGeom>
         </p:spPr>
       </p:pic>
-    </p:spTree>
-  </p:cSld>
-  <p:clrMapOvr>
-    <a:masterClrMapping/>
-  </p:clrMapOvr>
-</p:sld>
-</file>
-
-<file path=ppt/slides/slide3.xml><?xml version="1.0" encoding="utf-8"?>
-<p:sld xmlns:a="http://schemas.openxmlformats.org/drawingml/2006/main" xmlns:r="http://schemas.openxmlformats.org/officeDocument/2006/relationships" xmlns:p="http://schemas.openxmlformats.org/presentationml/2006/main">
-  <p:cSld>
-    <p:spTree>
-      <p:nvGrpSpPr>
-        <p:cNvPr id="1" name=""/>
-        <p:cNvGrpSpPr/>
-        <p:nvPr/>
-      </p:nvGrpSpPr>
-      <p:grpSpPr/>
-      <p:sp>
-        <p:nvSpPr>
-          <p:cNvPr id="2" name="标题 1"/>
-          <p:cNvSpPr>
-            <a:spLocks noGrp="1"/>
-          </p:cNvSpPr>
-          <p:nvPr>
-            <p:ph type="title"/>
-          </p:nvPr>
-        </p:nvSpPr>
-        <p:spPr/>
-        <p:txBody>
-          <a:bodyPr/>
-          <a:p>
-            <a:r>
-              <a:rPr lang="en-US" altLang="zh-CN"/>
-              <a:t>WS(WebSocket)-全双工通信</a:t>
-            </a:r>
-            <a:endParaRPr lang="en-US" altLang="zh-CN"/>
-          </a:p>
-        </p:txBody>
-      </p:sp>
-      <p:sp>
-        <p:nvSpPr>
-          <p:cNvPr id="3" name="内容占位符 2"/>
-          <p:cNvSpPr>
-            <a:spLocks noGrp="1"/>
-          </p:cNvSpPr>
-          <p:nvPr>
-            <p:ph idx="1"/>
-          </p:nvPr>
-        </p:nvSpPr>
-        <p:spPr/>
-        <p:txBody>
-          <a:bodyPr>
-            <a:normAutofit/>
-          </a:bodyPr>
-          <a:p>
-            <a:pPr marL="457200" indent="-457200">
-              <a:buFont typeface="+mj-lt"/>
-              <a:buAutoNum type="arabicPeriod"/>
-            </a:pPr>
-            <a:r>
-              <a:rPr lang="zh-CN" altLang="en-US"/>
-              <a:t>这也是一个HTML5标准中的一项内容，他要求浏览器可以通过JavaScript脚本手动创建一个TCP连接与服务端进行通讯。WebSocket使用了ws和wss协议，需要服务器有与之握手的算法才能将连接打开。即可以满足"问"+"答"的响应机制，也可以实现主动推送的功能。</a:t>
-            </a:r>
-            <a:endParaRPr lang="zh-CN" altLang="en-US"/>
-          </a:p>
-          <a:p>
-            <a:pPr marL="0" indent="0">
-              <a:buFont typeface="+mj-lt"/>
-              <a:buNone/>
-            </a:pPr>
-            <a:endParaRPr lang="zh-CN" altLang="en-US"/>
-          </a:p>
-          <a:p>
-            <a:pPr marL="0" indent="0">
-              <a:buFont typeface="+mj-lt"/>
-              <a:buNone/>
-            </a:pPr>
-            <a:r>
-              <a:rPr lang="zh-CN" altLang="en-US"/>
-              <a:t>特点:省流量，客户端什么时候想发就发，服务器端什么时候想回就回，两边都有监听者socket在负责。可以实现服务端消息的实时推送。</a:t>
-            </a:r>
-            <a:endParaRPr lang="zh-CN" altLang="en-US"/>
-          </a:p>
-        </p:txBody>
-      </p:sp>
     </p:spTree>
   </p:cSld>
   <p:clrMapOvr>
@@ -4893,6 +5280,33 @@
       <p:grpSpPr/>
       <p:sp>
         <p:nvSpPr>
+          <p:cNvPr id="2" name="标题 1"/>
+          <p:cNvSpPr>
+            <a:spLocks noGrp="1"/>
+          </p:cNvSpPr>
+          <p:nvPr>
+            <p:ph type="title"/>
+          </p:nvPr>
+        </p:nvSpPr>
+        <p:spPr>
+          <a:xfrm>
+            <a:off x="838200" y="128270"/>
+            <a:ext cx="10515600" cy="1325563"/>
+          </a:xfrm>
+        </p:spPr>
+        <p:txBody>
+          <a:bodyPr/>
+          <a:p>
+            <a:r>
+              <a:rPr lang="en-US" altLang="zh-CN"/>
+              <a:t>WS(WebSocket)-全双工通信</a:t>
+            </a:r>
+            <a:endParaRPr lang="en-US" altLang="zh-CN"/>
+          </a:p>
+        </p:txBody>
+      </p:sp>
+      <p:sp>
+        <p:nvSpPr>
           <p:cNvPr id="3" name="内容占位符 2"/>
           <p:cNvSpPr>
             <a:spLocks noGrp="1"/>
@@ -4903,83 +5317,266 @@
         </p:nvSpPr>
         <p:spPr>
           <a:xfrm>
-            <a:off x="457200" y="365125"/>
-            <a:ext cx="11237595" cy="2933065"/>
+            <a:off x="838200" y="1032510"/>
+            <a:ext cx="10515600" cy="5241290"/>
           </a:xfrm>
         </p:spPr>
         <p:txBody>
           <a:bodyPr>
-            <a:normAutofit fontScale="90000"/>
+            <a:normAutofit fontScale="35000"/>
           </a:bodyPr>
           <a:p>
-            <a:r>
-              <a:rPr lang="zh-CN" altLang="en-US"/>
-              <a:t>WebSocket 协议</a:t>
-            </a:r>
-            <a:endParaRPr lang="zh-CN" altLang="en-US"/>
-          </a:p>
-          <a:p>
-            <a:endParaRPr lang="zh-CN" altLang="en-US"/>
-          </a:p>
-          <a:p>
-            <a:r>
-              <a:rPr lang="zh-CN" altLang="en-US"/>
-              <a:t>首先，WebSocket 是基于 HTTP 协议的，或者说借用了 HTTP 协议来完成连接的握手部分。其次，WebSocket 是一个持久化协议，相对于 HTTP 这种非持久的协议来说，一个 HTTP 请求在收到服务端回复后会直接断开连接，下次获取消息需要重新发送 HTTP 请求，而 WebSocket 在连接成功后可以保持连接状态。下图应该能体现两者的关系：</a:t>
-            </a:r>
-            <a:endParaRPr lang="zh-CN" altLang="en-US"/>
-          </a:p>
-        </p:txBody>
-      </p:sp>
-      <p:pic>
-        <p:nvPicPr>
-          <p:cNvPr id="5" name="图片 4"/>
-          <p:cNvPicPr>
-            <a:picLocks noChangeAspect="1"/>
-          </p:cNvPicPr>
-          <p:nvPr/>
-        </p:nvPicPr>
-        <p:blipFill>
-          <a:blip r:embed="rId1"/>
-          <a:stretch>
-            <a:fillRect/>
-          </a:stretch>
-        </p:blipFill>
-        <p:spPr>
-          <a:xfrm>
-            <a:off x="3280410" y="3028950"/>
-            <a:ext cx="5590540" cy="2561590"/>
-          </a:xfrm>
-          <a:prstGeom prst="rect">
-            <a:avLst/>
-          </a:prstGeom>
-        </p:spPr>
-      </p:pic>
-      <p:sp>
-        <p:nvSpPr>
-          <p:cNvPr id="6" name="文本框 5"/>
-          <p:cNvSpPr txBox="1"/>
-          <p:nvPr/>
-        </p:nvSpPr>
-        <p:spPr>
-          <a:xfrm>
-            <a:off x="927100" y="5976620"/>
-            <a:ext cx="10482580" cy="368300"/>
-          </a:xfrm>
-          <a:prstGeom prst="rect">
-            <a:avLst/>
-          </a:prstGeom>
-          <a:noFill/>
-        </p:spPr>
-        <p:txBody>
-          <a:bodyPr wrap="square" rtlCol="0">
-            <a:spAutoFit/>
-          </a:bodyPr>
-          <a:p>
-            <a:r>
-              <a:rPr lang="zh-CN" altLang="en-US"/>
-              <a:t>在发起 WebSocket 请求时需要先通过 HTTP 请求告诉服务端需要将协议升级为 WebSocket。</a:t>
-            </a:r>
-            <a:endParaRPr lang="zh-CN" altLang="en-US"/>
+            <a:pPr marL="0" indent="0">
+              <a:buFont typeface="+mj-lt"/>
+              <a:buNone/>
+            </a:pPr>
+            <a:endParaRPr lang="zh-CN" altLang="en-US" sz="6000"/>
+          </a:p>
+          <a:p>
+            <a:pPr marL="0" indent="0">
+              <a:buFont typeface="+mj-lt"/>
+              <a:buNone/>
+            </a:pPr>
+            <a:r>
+              <a:rPr lang="zh-CN" altLang="en-US" sz="6000"/>
+              <a:t>这也是一个HTML5标准中的一项内容，他要求浏览器可以通过JavaScript脚本手动创建一个TCP连接与服务端进行通讯。WebSocket使用了ws和wss协议，需要服务器有与之握手的算法才能将连接打开。即可以满足"问"+"答"的响应机制，也可以实现主动推送的功能。</a:t>
+            </a:r>
+            <a:endParaRPr lang="zh-CN" altLang="en-US" sz="6000"/>
+          </a:p>
+          <a:p>
+            <a:pPr marL="0" indent="0">
+              <a:buFont typeface="+mj-lt"/>
+              <a:buNone/>
+            </a:pPr>
+            <a:endParaRPr lang="zh-CN" altLang="en-US" sz="6000"/>
+          </a:p>
+          <a:p>
+            <a:pPr marL="0" indent="0">
+              <a:buFont typeface="+mj-lt"/>
+              <a:buNone/>
+            </a:pPr>
+            <a:r>
+              <a:rPr lang="zh-CN" altLang="en-US" sz="6000"/>
+              <a:t>特点:省流量，客户端什么时候想发就发，服务器端什么时候想回就回，两边都有监听者socket在负责。可以实现服务端消息的实时推送。</a:t>
+            </a:r>
+            <a:endParaRPr lang="zh-CN" altLang="en-US" sz="6000"/>
+          </a:p>
+          <a:p>
+            <a:pPr marL="0" indent="0">
+              <a:buFont typeface="+mj-lt"/>
+              <a:buNone/>
+            </a:pPr>
+            <a:endParaRPr lang="zh-CN" altLang="en-US" sz="6000"/>
+          </a:p>
+          <a:p>
+            <a:pPr marL="0" indent="0">
+              <a:buFont typeface="+mj-lt"/>
+              <a:buNone/>
+            </a:pPr>
+            <a:r>
+              <a:rPr lang="zh-CN" altLang="en-US" sz="4400">
+                <a:ln/>
+                <a:solidFill>
+                  <a:schemeClr val="tx1"/>
+                </a:solidFill>
+                <a:effectLst>
+                  <a:outerShdw blurRad="38100" dist="19050" dir="2700000" algn="tl" rotWithShape="0">
+                    <a:schemeClr val="dk1">
+                      <a:alpha val="40000"/>
+                    </a:schemeClr>
+                  </a:outerShdw>
+                </a:effectLst>
+              </a:rPr>
+              <a:t>（1）建立在 TCP 协议之上，服务器端的实现比较容易。</a:t>
+            </a:r>
+            <a:endParaRPr lang="zh-CN" altLang="en-US" sz="4400">
+              <a:ln/>
+              <a:solidFill>
+                <a:schemeClr val="tx1"/>
+              </a:solidFill>
+              <a:effectLst>
+                <a:outerShdw blurRad="38100" dist="19050" dir="2700000" algn="tl" rotWithShape="0">
+                  <a:schemeClr val="dk1">
+                    <a:alpha val="40000"/>
+                  </a:schemeClr>
+                </a:outerShdw>
+              </a:effectLst>
+            </a:endParaRPr>
+          </a:p>
+          <a:p>
+            <a:pPr marL="0" indent="0">
+              <a:buFont typeface="+mj-lt"/>
+              <a:buNone/>
+            </a:pPr>
+            <a:r>
+              <a:rPr lang="zh-CN" altLang="en-US" sz="4400">
+                <a:ln/>
+                <a:solidFill>
+                  <a:schemeClr val="tx1"/>
+                </a:solidFill>
+                <a:effectLst>
+                  <a:outerShdw blurRad="38100" dist="19050" dir="2700000" algn="tl" rotWithShape="0">
+                    <a:schemeClr val="dk1">
+                      <a:alpha val="40000"/>
+                    </a:schemeClr>
+                  </a:outerShdw>
+                </a:effectLst>
+              </a:rPr>
+              <a:t>（2）与 HTTP 协议有着良好的兼容性。握手阶段采用 HTTP 协议，因此握手时不容易屏蔽，能通过各种 HTTP 代理服务器。</a:t>
+            </a:r>
+            <a:endParaRPr lang="zh-CN" altLang="en-US" sz="4400">
+              <a:ln/>
+              <a:solidFill>
+                <a:schemeClr val="tx1"/>
+              </a:solidFill>
+              <a:effectLst>
+                <a:outerShdw blurRad="38100" dist="19050" dir="2700000" algn="tl" rotWithShape="0">
+                  <a:schemeClr val="dk1">
+                    <a:alpha val="40000"/>
+                  </a:schemeClr>
+                </a:outerShdw>
+              </a:effectLst>
+            </a:endParaRPr>
+          </a:p>
+          <a:p>
+            <a:pPr marL="0" indent="0">
+              <a:buFont typeface="+mj-lt"/>
+              <a:buNone/>
+            </a:pPr>
+            <a:r>
+              <a:rPr lang="zh-CN" altLang="en-US" sz="4400">
+                <a:ln/>
+                <a:solidFill>
+                  <a:schemeClr val="tx1"/>
+                </a:solidFill>
+                <a:effectLst>
+                  <a:outerShdw blurRad="38100" dist="19050" dir="2700000" algn="tl" rotWithShape="0">
+                    <a:schemeClr val="dk1">
+                      <a:alpha val="40000"/>
+                    </a:schemeClr>
+                  </a:outerShdw>
+                </a:effectLst>
+              </a:rPr>
+              <a:t>（3）数据格式比较轻量，性能开销小，通信高效。</a:t>
+            </a:r>
+            <a:endParaRPr lang="zh-CN" altLang="en-US" sz="4400">
+              <a:ln/>
+              <a:solidFill>
+                <a:schemeClr val="tx1"/>
+              </a:solidFill>
+              <a:effectLst>
+                <a:outerShdw blurRad="38100" dist="19050" dir="2700000" algn="tl" rotWithShape="0">
+                  <a:schemeClr val="dk1">
+                    <a:alpha val="40000"/>
+                  </a:schemeClr>
+                </a:outerShdw>
+              </a:effectLst>
+            </a:endParaRPr>
+          </a:p>
+          <a:p>
+            <a:pPr marL="0" indent="0">
+              <a:buFont typeface="+mj-lt"/>
+              <a:buNone/>
+            </a:pPr>
+            <a:r>
+              <a:rPr lang="zh-CN" altLang="en-US" sz="4400">
+                <a:ln/>
+                <a:solidFill>
+                  <a:schemeClr val="tx1"/>
+                </a:solidFill>
+                <a:effectLst>
+                  <a:outerShdw blurRad="38100" dist="19050" dir="2700000" algn="tl" rotWithShape="0">
+                    <a:schemeClr val="dk1">
+                      <a:alpha val="40000"/>
+                    </a:schemeClr>
+                  </a:outerShdw>
+                </a:effectLst>
+              </a:rPr>
+              <a:t>（4）可以发送文本，也可以发送二进制数据。</a:t>
+            </a:r>
+            <a:endParaRPr lang="zh-CN" altLang="en-US" sz="4400">
+              <a:ln/>
+              <a:solidFill>
+                <a:schemeClr val="tx1"/>
+              </a:solidFill>
+              <a:effectLst>
+                <a:outerShdw blurRad="38100" dist="19050" dir="2700000" algn="tl" rotWithShape="0">
+                  <a:schemeClr val="dk1">
+                    <a:alpha val="40000"/>
+                  </a:schemeClr>
+                </a:outerShdw>
+              </a:effectLst>
+            </a:endParaRPr>
+          </a:p>
+          <a:p>
+            <a:pPr marL="0" indent="0">
+              <a:buFont typeface="+mj-lt"/>
+              <a:buNone/>
+            </a:pPr>
+            <a:r>
+              <a:rPr lang="zh-CN" altLang="en-US" sz="4400">
+                <a:ln/>
+                <a:solidFill>
+                  <a:schemeClr val="tx1"/>
+                </a:solidFill>
+                <a:effectLst>
+                  <a:outerShdw blurRad="38100" dist="19050" dir="2700000" algn="tl" rotWithShape="0">
+                    <a:schemeClr val="dk1">
+                      <a:alpha val="40000"/>
+                    </a:schemeClr>
+                  </a:outerShdw>
+                </a:effectLst>
+              </a:rPr>
+              <a:t>（5）没有同源限制，客户端可以与任意服务器通信。</a:t>
+            </a:r>
+            <a:endParaRPr lang="zh-CN" altLang="en-US" sz="4400">
+              <a:ln/>
+              <a:solidFill>
+                <a:schemeClr val="tx1"/>
+              </a:solidFill>
+              <a:effectLst>
+                <a:outerShdw blurRad="38100" dist="19050" dir="2700000" algn="tl" rotWithShape="0">
+                  <a:schemeClr val="dk1">
+                    <a:alpha val="40000"/>
+                  </a:schemeClr>
+                </a:outerShdw>
+              </a:effectLst>
+            </a:endParaRPr>
+          </a:p>
+          <a:p>
+            <a:pPr marL="0" indent="0">
+              <a:buFont typeface="+mj-lt"/>
+              <a:buNone/>
+            </a:pPr>
+            <a:r>
+              <a:rPr lang="zh-CN" altLang="en-US" sz="4400">
+                <a:ln/>
+                <a:solidFill>
+                  <a:schemeClr val="tx1"/>
+                </a:solidFill>
+                <a:effectLst>
+                  <a:outerShdw blurRad="38100" dist="19050" dir="2700000" algn="tl" rotWithShape="0">
+                    <a:schemeClr val="dk1">
+                      <a:alpha val="40000"/>
+                    </a:schemeClr>
+                  </a:outerShdw>
+                </a:effectLst>
+              </a:rPr>
+              <a:t>（6）协议标识符是ws（如果加密，则为wss），服务器网址就是 URL</a:t>
+            </a:r>
+            <a:endParaRPr lang="zh-CN" altLang="en-US" sz="4400">
+              <a:ln/>
+              <a:solidFill>
+                <a:schemeClr val="tx1"/>
+              </a:solidFill>
+              <a:effectLst>
+                <a:outerShdw blurRad="38100" dist="19050" dir="2700000" algn="tl" rotWithShape="0">
+                  <a:schemeClr val="dk1">
+                    <a:alpha val="40000"/>
+                  </a:schemeClr>
+                </a:outerShdw>
+              </a:effectLst>
+            </a:endParaRPr>
           </a:p>
         </p:txBody>
       </p:sp>
@@ -5003,28 +5600,28 @@
       <p:grpSpPr/>
       <p:sp>
         <p:nvSpPr>
-          <p:cNvPr id="6" name="文本框 5"/>
-          <p:cNvSpPr txBox="1"/>
-          <p:nvPr/>
-        </p:nvSpPr>
-        <p:spPr>
-          <a:xfrm>
-            <a:off x="523240" y="2945130"/>
-            <a:ext cx="11144885" cy="6185535"/>
-          </a:xfrm>
-          <a:prstGeom prst="rect">
-            <a:avLst/>
-          </a:prstGeom>
-          <a:noFill/>
-        </p:spPr>
-        <p:txBody>
-          <a:bodyPr wrap="square" rtlCol="0" anchor="t">
-            <a:spAutoFit/>
+          <p:cNvPr id="3" name="内容占位符 2"/>
+          <p:cNvSpPr>
+            <a:spLocks noGrp="1"/>
+          </p:cNvSpPr>
+          <p:nvPr>
+            <p:ph idx="1"/>
+          </p:nvPr>
+        </p:nvSpPr>
+        <p:spPr>
+          <a:xfrm>
+            <a:off x="457200" y="365125"/>
+            <a:ext cx="11237595" cy="2933065"/>
+          </a:xfrm>
+        </p:spPr>
+        <p:txBody>
+          <a:bodyPr>
+            <a:normAutofit fontScale="90000"/>
           </a:bodyPr>
           <a:p>
             <a:r>
               <a:rPr lang="zh-CN" altLang="en-US"/>
-              <a:t>在请求头中核心的部分是 Connection 和 Upgrade ，通过这两个字段服务端会将 HTTP 升级为 WebSocket 协议。服务端返回对应信息后连接成功，客户端和服务端就可以正常通信了。</a:t>
+              <a:t>WebSocket 协议</a:t>
             </a:r>
             <a:endParaRPr lang="zh-CN" altLang="en-US"/>
           </a:p>
@@ -5034,108 +5631,15 @@
           <a:p>
             <a:r>
               <a:rPr lang="zh-CN" altLang="en-US"/>
-              <a:t>Sec-WebSocket-Key是客户端也就是浏览器或者其他终端随机生成一组16位的随机base64编码的串</a:t>
-            </a:r>
-            <a:endParaRPr lang="zh-CN" altLang="en-US"/>
-          </a:p>
-          <a:p>
-            <a:endParaRPr lang="zh-CN" altLang="en-US"/>
-          </a:p>
-          <a:p>
-            <a:r>
-              <a:rPr lang="zh-CN" altLang="en-US"/>
-              <a:t>Sec-WebSocket-Version就是当前使用协议的版本号</a:t>
-            </a:r>
-            <a:endParaRPr lang="zh-CN" altLang="en-US"/>
-          </a:p>
-          <a:p>
-            <a:endParaRPr lang="zh-CN" altLang="en-US"/>
-          </a:p>
-          <a:p>
-            <a:r>
-              <a:rPr lang="zh-CN" altLang="en-US"/>
-              <a:t>请求包说明： </a:t>
-            </a:r>
-            <a:endParaRPr lang="zh-CN" altLang="en-US"/>
-          </a:p>
-          <a:p>
-            <a:r>
-              <a:rPr lang="zh-CN" altLang="en-US"/>
-              <a:t>* 必须是有效的http request 格式； </a:t>
-            </a:r>
-            <a:endParaRPr lang="zh-CN" altLang="en-US"/>
-          </a:p>
-          <a:p>
-            <a:r>
-              <a:rPr lang="zh-CN" altLang="en-US"/>
-              <a:t>* HTTP request method 必须是GET，协议应不小于1.1 如： Get / HTTP/1.1； </a:t>
-            </a:r>
-            <a:endParaRPr lang="zh-CN" altLang="en-US"/>
-          </a:p>
-          <a:p>
-            <a:r>
-              <a:rPr lang="zh-CN" altLang="en-US"/>
-              <a:t>* 必须包括Upgrade头域，并且其值为”websocket”; </a:t>
-            </a:r>
-            <a:endParaRPr lang="zh-CN" altLang="en-US"/>
-          </a:p>
-          <a:p>
-            <a:r>
-              <a:rPr lang="zh-CN" altLang="en-US"/>
-              <a:t>* 必须包括”Connection” 头域，并且其值为”Upgrade”; </a:t>
-            </a:r>
-            <a:endParaRPr lang="zh-CN" altLang="en-US"/>
-          </a:p>
-          <a:p>
-            <a:r>
-              <a:rPr lang="zh-CN" altLang="en-US"/>
-              <a:t>* 必须包括”Sec-WebSocket-Key”头域，其值采用base64编码的随机16字节长的字符序列; </a:t>
-            </a:r>
-            <a:endParaRPr lang="zh-CN" altLang="en-US"/>
-          </a:p>
-          <a:p>
-            <a:r>
-              <a:rPr lang="zh-CN" altLang="en-US"/>
-              <a:t>* 如果请求来自浏览器客户端，还必须包括Origin头域 。 该头域用于防止未授权的跨域脚本攻击，服务器可以从Origin决定是否接受该WebSocket连接; </a:t>
-            </a:r>
-            <a:endParaRPr lang="zh-CN" altLang="en-US"/>
-          </a:p>
-          <a:p>
-            <a:r>
-              <a:rPr lang="zh-CN" altLang="en-US"/>
-              <a:t>* 必须包括”Sec-webSocket-Version” 头域，当前值必须是13; </a:t>
-            </a:r>
-            <a:endParaRPr lang="zh-CN" altLang="en-US"/>
-          </a:p>
-          <a:p>
-            <a:r>
-              <a:rPr lang="zh-CN" altLang="en-US"/>
-              <a:t>* 可能包括”Sec-WebSocket-Protocol”，表示client（应用程序）支持的协议列表，server选择一个或者没有可接受的协议响应之; </a:t>
-            </a:r>
-            <a:endParaRPr lang="zh-CN" altLang="en-US"/>
-          </a:p>
-          <a:p>
-            <a:r>
-              <a:rPr lang="zh-CN" altLang="en-US"/>
-              <a:t>* 可能包括”Sec-WebSocket-Extensions”， 协议扩展， 某类协议可能支持多个扩展，通过它可以实现协议增强; </a:t>
-            </a:r>
-            <a:endParaRPr lang="zh-CN" altLang="en-US"/>
-          </a:p>
-          <a:p>
-            <a:r>
-              <a:rPr lang="zh-CN" altLang="en-US"/>
-              <a:t>* 可能包括任意其他域，如cookie.</a:t>
-            </a:r>
-            <a:endParaRPr lang="zh-CN" altLang="en-US"/>
-          </a:p>
-          <a:p>
+              <a:t>首先，WebSocket 是基于 HTTP 协议的，或者说借用了 HTTP 协议来完成连接的握手部分。其次，WebSocket 是一个持久化协议，相对于 HTTP 这种非持久的协议来说，一个 HTTP 请求在收到服务端回复后会直接断开连接，下次获取消息需要重新发送 HTTP 请求，而 WebSocket 在连接成功后可以保持连接状态。下图应该能体现两者的关系：</a:t>
+            </a:r>
             <a:endParaRPr lang="zh-CN" altLang="en-US"/>
           </a:p>
         </p:txBody>
       </p:sp>
       <p:pic>
         <p:nvPicPr>
-          <p:cNvPr id="7" name="图片 6"/>
+          <p:cNvPr id="5" name="图片 4"/>
           <p:cNvPicPr>
             <a:picLocks noChangeAspect="1"/>
           </p:cNvPicPr>
@@ -5149,14 +5653,43 @@
         </p:blipFill>
         <p:spPr>
           <a:xfrm>
-            <a:off x="523240" y="424180"/>
-            <a:ext cx="11144885" cy="2409825"/>
+            <a:off x="3280410" y="3028950"/>
+            <a:ext cx="5590540" cy="2561590"/>
           </a:xfrm>
           <a:prstGeom prst="rect">
             <a:avLst/>
           </a:prstGeom>
         </p:spPr>
       </p:pic>
+      <p:sp>
+        <p:nvSpPr>
+          <p:cNvPr id="6" name="文本框 5"/>
+          <p:cNvSpPr txBox="1"/>
+          <p:nvPr/>
+        </p:nvSpPr>
+        <p:spPr>
+          <a:xfrm>
+            <a:off x="927100" y="5976620"/>
+            <a:ext cx="10482580" cy="368300"/>
+          </a:xfrm>
+          <a:prstGeom prst="rect">
+            <a:avLst/>
+          </a:prstGeom>
+          <a:noFill/>
+        </p:spPr>
+        <p:txBody>
+          <a:bodyPr wrap="square" rtlCol="0">
+            <a:spAutoFit/>
+          </a:bodyPr>
+          <a:p>
+            <a:r>
+              <a:rPr lang="zh-CN" altLang="en-US"/>
+              <a:t>在发起 WebSocket 请求时需要先通过 HTTP 请求告诉服务端需要将协议升级为 WebSocket。</a:t>
+            </a:r>
+            <a:endParaRPr lang="zh-CN" altLang="en-US"/>
+          </a:p>
+        </p:txBody>
+      </p:sp>
     </p:spTree>
   </p:cSld>
   <p:clrMapOvr>
@@ -5177,17 +5710,131 @@
       <p:grpSpPr/>
       <p:sp>
         <p:nvSpPr>
-          <p:cNvPr id="2" name="标题 1"/>
-          <p:cNvSpPr>
-            <a:spLocks noGrp="1"/>
-          </p:cNvSpPr>
-          <p:nvPr>
-            <p:ph type="title"/>
-          </p:nvPr>
-        </p:nvSpPr>
-        <p:spPr/>
-        <p:txBody>
-          <a:bodyPr/>
+          <p:cNvPr id="6" name="文本框 5"/>
+          <p:cNvSpPr txBox="1"/>
+          <p:nvPr/>
+        </p:nvSpPr>
+        <p:spPr>
+          <a:xfrm>
+            <a:off x="523240" y="2945130"/>
+            <a:ext cx="11144885" cy="6185535"/>
+          </a:xfrm>
+          <a:prstGeom prst="rect">
+            <a:avLst/>
+          </a:prstGeom>
+          <a:noFill/>
+        </p:spPr>
+        <p:txBody>
+          <a:bodyPr wrap="square" rtlCol="0" anchor="t">
+            <a:spAutoFit/>
+          </a:bodyPr>
+          <a:p>
+            <a:r>
+              <a:rPr lang="zh-CN" altLang="en-US"/>
+              <a:t>在请求头中核心的部分是 Connection 和 Upgrade ，通过这两个字段服务端会将 HTTP 升级为 WebSocket 协议。服务端返回对应信息后连接成功，客户端和服务端就可以正常通信了。</a:t>
+            </a:r>
+            <a:endParaRPr lang="zh-CN" altLang="en-US"/>
+          </a:p>
+          <a:p>
+            <a:endParaRPr lang="zh-CN" altLang="en-US"/>
+          </a:p>
+          <a:p>
+            <a:r>
+              <a:rPr lang="zh-CN" altLang="en-US"/>
+              <a:t>Sec-WebSocket-Key是客户端也就是浏览器或者其他终端随机生成一组16位的随机base64编码的串</a:t>
+            </a:r>
+            <a:endParaRPr lang="zh-CN" altLang="en-US"/>
+          </a:p>
+          <a:p>
+            <a:endParaRPr lang="zh-CN" altLang="en-US"/>
+          </a:p>
+          <a:p>
+            <a:r>
+              <a:rPr lang="zh-CN" altLang="en-US"/>
+              <a:t>Sec-WebSocket-Version就是当前使用协议的版本号</a:t>
+            </a:r>
+            <a:endParaRPr lang="zh-CN" altLang="en-US"/>
+          </a:p>
+          <a:p>
+            <a:endParaRPr lang="zh-CN" altLang="en-US"/>
+          </a:p>
+          <a:p>
+            <a:r>
+              <a:rPr lang="zh-CN" altLang="en-US"/>
+              <a:t>请求包说明： </a:t>
+            </a:r>
+            <a:endParaRPr lang="zh-CN" altLang="en-US"/>
+          </a:p>
+          <a:p>
+            <a:r>
+              <a:rPr lang="zh-CN" altLang="en-US"/>
+              <a:t>* 必须是有效的http request 格式； </a:t>
+            </a:r>
+            <a:endParaRPr lang="zh-CN" altLang="en-US"/>
+          </a:p>
+          <a:p>
+            <a:r>
+              <a:rPr lang="zh-CN" altLang="en-US"/>
+              <a:t>* HTTP request method 必须是GET，协议应不小于1.1 如： Get / HTTP/1.1； </a:t>
+            </a:r>
+            <a:endParaRPr lang="zh-CN" altLang="en-US"/>
+          </a:p>
+          <a:p>
+            <a:r>
+              <a:rPr lang="zh-CN" altLang="en-US"/>
+              <a:t>* 必须包括Upgrade头域，并且其值为”websocket”; </a:t>
+            </a:r>
+            <a:endParaRPr lang="zh-CN" altLang="en-US"/>
+          </a:p>
+          <a:p>
+            <a:r>
+              <a:rPr lang="zh-CN" altLang="en-US"/>
+              <a:t>* 必须包括”Connection” 头域，并且其值为”Upgrade”; </a:t>
+            </a:r>
+            <a:endParaRPr lang="zh-CN" altLang="en-US"/>
+          </a:p>
+          <a:p>
+            <a:r>
+              <a:rPr lang="zh-CN" altLang="en-US"/>
+              <a:t>* 必须包括”Sec-WebSocket-Key”头域，其值采用base64编码的随机16字节长的字符序列; </a:t>
+            </a:r>
+            <a:endParaRPr lang="zh-CN" altLang="en-US"/>
+          </a:p>
+          <a:p>
+            <a:r>
+              <a:rPr lang="zh-CN" altLang="en-US"/>
+              <a:t>* 如果请求来自浏览器客户端，还必须包括Origin头域 。 该头域用于防止未授权的跨域脚本攻击，服务器可以从Origin决定是否接受该WebSocket连接; </a:t>
+            </a:r>
+            <a:endParaRPr lang="zh-CN" altLang="en-US"/>
+          </a:p>
+          <a:p>
+            <a:r>
+              <a:rPr lang="zh-CN" altLang="en-US"/>
+              <a:t>* 必须包括”Sec-webSocket-Version” 头域，当前值必须是13; </a:t>
+            </a:r>
+            <a:endParaRPr lang="zh-CN" altLang="en-US"/>
+          </a:p>
+          <a:p>
+            <a:r>
+              <a:rPr lang="zh-CN" altLang="en-US"/>
+              <a:t>* 可能包括”Sec-WebSocket-Protocol”，表示client（应用程序）支持的协议列表，server选择一个或者没有可接受的协议响应之; </a:t>
+            </a:r>
+            <a:endParaRPr lang="zh-CN" altLang="en-US"/>
+          </a:p>
+          <a:p>
+            <a:r>
+              <a:rPr lang="zh-CN" altLang="en-US"/>
+              <a:t>* 可能包括”Sec-WebSocket-Extensions”， 协议扩展， 某类协议可能支持多个扩展，通过它可以实现协议增强; </a:t>
+            </a:r>
+            <a:endParaRPr lang="zh-CN" altLang="en-US"/>
+          </a:p>
+          <a:p>
+            <a:r>
+              <a:rPr lang="zh-CN" altLang="en-US"/>
+              <a:t>* 可能包括任意其他域，如cookie.</a:t>
+            </a:r>
+            <a:endParaRPr lang="zh-CN" altLang="en-US"/>
+          </a:p>
           <a:p>
             <a:endParaRPr lang="zh-CN" altLang="en-US"/>
           </a:p>
@@ -5195,13 +5842,11 @@
       </p:sp>
       <p:pic>
         <p:nvPicPr>
-          <p:cNvPr id="4" name="内容占位符 3"/>
+          <p:cNvPr id="7" name="图片 6"/>
           <p:cNvPicPr>
             <a:picLocks noChangeAspect="1"/>
           </p:cNvPicPr>
-          <p:nvPr>
-            <p:ph idx="1"/>
-          </p:nvPr>
+          <p:nvPr/>
         </p:nvPicPr>
         <p:blipFill>
           <a:blip r:embed="rId1"/>
@@ -5211,111 +5856,14 @@
         </p:blipFill>
         <p:spPr>
           <a:xfrm>
-            <a:off x="329565" y="365125"/>
-            <a:ext cx="11300460" cy="1910080"/>
+            <a:off x="523240" y="424180"/>
+            <a:ext cx="11144885" cy="2409825"/>
           </a:xfrm>
           <a:prstGeom prst="rect">
             <a:avLst/>
           </a:prstGeom>
         </p:spPr>
       </p:pic>
-      <p:sp>
-        <p:nvSpPr>
-          <p:cNvPr id="5" name="文本框 4"/>
-          <p:cNvSpPr txBox="1"/>
-          <p:nvPr/>
-        </p:nvSpPr>
-        <p:spPr>
-          <a:xfrm>
-            <a:off x="328930" y="2974975"/>
-            <a:ext cx="11301095" cy="2584450"/>
-          </a:xfrm>
-          <a:prstGeom prst="rect">
-            <a:avLst/>
-          </a:prstGeom>
-          <a:noFill/>
-        </p:spPr>
-        <p:txBody>
-          <a:bodyPr wrap="square" rtlCol="0" anchor="t">
-            <a:spAutoFit/>
-          </a:bodyPr>
-          <a:p>
-            <a:r>
-              <a:rPr lang="en-US" altLang="zh-CN"/>
-              <a:t>      </a:t>
-            </a:r>
-            <a:r>
-              <a:rPr lang="zh-CN" altLang="en-US"/>
-              <a:t>/*</a:t>
-            </a:r>
-            <a:endParaRPr lang="zh-CN" altLang="en-US"/>
-          </a:p>
-          <a:p>
-            <a:r>
-              <a:rPr lang="zh-CN" altLang="en-US"/>
-              <a:t>        </a:t>
-            </a:r>
-            <a:r>
-              <a:rPr lang="en-US" altLang="zh-CN"/>
-              <a:t>*</a:t>
-            </a:r>
-            <a:r>
-              <a:rPr lang="zh-CN" altLang="en-US"/>
-              <a:t>应答包说明： </a:t>
-            </a:r>
-            <a:endParaRPr lang="zh-CN" altLang="en-US"/>
-          </a:p>
-          <a:p>
-            <a:r>
-              <a:rPr lang="zh-CN" altLang="en-US"/>
-              <a:t>        *必须包括"Upgrade"头域，其值为WebSocket； </a:t>
-            </a:r>
-            <a:endParaRPr lang="zh-CN" altLang="en-US"/>
-          </a:p>
-          <a:p>
-            <a:r>
-              <a:rPr lang="zh-CN" altLang="en-US"/>
-              <a:t>        *必须包括"Connection"头域，其值为Upgrade； </a:t>
-            </a:r>
-            <a:endParaRPr lang="zh-CN" altLang="en-US"/>
-          </a:p>
-          <a:p>
-            <a:r>
-              <a:rPr lang="zh-CN" altLang="en-US"/>
-              <a:t>        *必须包括"Sec - WebSocket - Origin"头域； </a:t>
-            </a:r>
-            <a:endParaRPr lang="zh-CN" altLang="en-US"/>
-          </a:p>
-          <a:p>
-            <a:r>
-              <a:rPr lang="zh-CN" altLang="en-US"/>
-              <a:t>        *必须包括"Sec - WebSocket - Location"头域; </a:t>
-            </a:r>
-            <a:endParaRPr lang="zh-CN" altLang="en-US"/>
-          </a:p>
-          <a:p>
-            <a:r>
-              <a:rPr lang="zh-CN" altLang="en-US"/>
-              <a:t>        *应答正文的上一行是一行空行; </a:t>
-            </a:r>
-            <a:endParaRPr lang="zh-CN" altLang="en-US"/>
-          </a:p>
-          <a:p>
-            <a:r>
-              <a:rPr lang="zh-CN" altLang="en-US"/>
-              <a:t>        *应答正文后面没有任何结束符或者换行符。</a:t>
-            </a:r>
-            <a:endParaRPr lang="zh-CN" altLang="en-US"/>
-          </a:p>
-          <a:p>
-            <a:r>
-              <a:rPr lang="zh-CN" altLang="en-US"/>
-              <a:t>        */</a:t>
-            </a:r>
-            <a:endParaRPr lang="zh-CN" altLang="en-US"/>
-          </a:p>
-        </p:txBody>
-      </p:sp>
     </p:spTree>
   </p:cSld>
   <p:clrMapOvr>
@@ -5325,6 +5873,165 @@
 </file>
 
 <file path=ppt/slides/slide7.xml><?xml version="1.0" encoding="utf-8"?>
+<p:sld xmlns:a="http://schemas.openxmlformats.org/drawingml/2006/main" xmlns:r="http://schemas.openxmlformats.org/officeDocument/2006/relationships" xmlns:p="http://schemas.openxmlformats.org/presentationml/2006/main">
+  <p:cSld>
+    <p:spTree>
+      <p:nvGrpSpPr>
+        <p:cNvPr id="1" name=""/>
+        <p:cNvGrpSpPr/>
+        <p:nvPr/>
+      </p:nvGrpSpPr>
+      <p:grpSpPr/>
+      <p:sp>
+        <p:nvSpPr>
+          <p:cNvPr id="2" name="标题 1"/>
+          <p:cNvSpPr>
+            <a:spLocks noGrp="1"/>
+          </p:cNvSpPr>
+          <p:nvPr>
+            <p:ph type="title"/>
+          </p:nvPr>
+        </p:nvSpPr>
+        <p:spPr/>
+        <p:txBody>
+          <a:bodyPr/>
+          <a:p>
+            <a:endParaRPr lang="zh-CN" altLang="en-US"/>
+          </a:p>
+        </p:txBody>
+      </p:sp>
+      <p:pic>
+        <p:nvPicPr>
+          <p:cNvPr id="4" name="内容占位符 3"/>
+          <p:cNvPicPr>
+            <a:picLocks noChangeAspect="1"/>
+          </p:cNvPicPr>
+          <p:nvPr>
+            <p:ph idx="1"/>
+          </p:nvPr>
+        </p:nvPicPr>
+        <p:blipFill>
+          <a:blip r:embed="rId1"/>
+          <a:stretch>
+            <a:fillRect/>
+          </a:stretch>
+        </p:blipFill>
+        <p:spPr>
+          <a:xfrm>
+            <a:off x="329565" y="365125"/>
+            <a:ext cx="11300460" cy="1910080"/>
+          </a:xfrm>
+          <a:prstGeom prst="rect">
+            <a:avLst/>
+          </a:prstGeom>
+        </p:spPr>
+      </p:pic>
+      <p:sp>
+        <p:nvSpPr>
+          <p:cNvPr id="5" name="文本框 4"/>
+          <p:cNvSpPr txBox="1"/>
+          <p:nvPr/>
+        </p:nvSpPr>
+        <p:spPr>
+          <a:xfrm>
+            <a:off x="328930" y="2974975"/>
+            <a:ext cx="11301095" cy="2584450"/>
+          </a:xfrm>
+          <a:prstGeom prst="rect">
+            <a:avLst/>
+          </a:prstGeom>
+          <a:noFill/>
+        </p:spPr>
+        <p:txBody>
+          <a:bodyPr wrap="square" rtlCol="0" anchor="t">
+            <a:spAutoFit/>
+          </a:bodyPr>
+          <a:p>
+            <a:r>
+              <a:rPr lang="en-US" altLang="zh-CN"/>
+              <a:t>      </a:t>
+            </a:r>
+            <a:r>
+              <a:rPr lang="zh-CN" altLang="en-US"/>
+              <a:t>/*</a:t>
+            </a:r>
+            <a:endParaRPr lang="zh-CN" altLang="en-US"/>
+          </a:p>
+          <a:p>
+            <a:r>
+              <a:rPr lang="zh-CN" altLang="en-US"/>
+              <a:t>        </a:t>
+            </a:r>
+            <a:r>
+              <a:rPr lang="en-US" altLang="zh-CN"/>
+              <a:t>*</a:t>
+            </a:r>
+            <a:r>
+              <a:rPr lang="zh-CN" altLang="en-US"/>
+              <a:t>应答包说明： </a:t>
+            </a:r>
+            <a:endParaRPr lang="zh-CN" altLang="en-US"/>
+          </a:p>
+          <a:p>
+            <a:r>
+              <a:rPr lang="zh-CN" altLang="en-US"/>
+              <a:t>        *必须包括"Upgrade"头域，其值为WebSocket； </a:t>
+            </a:r>
+            <a:endParaRPr lang="zh-CN" altLang="en-US"/>
+          </a:p>
+          <a:p>
+            <a:r>
+              <a:rPr lang="zh-CN" altLang="en-US"/>
+              <a:t>        *必须包括"Connection"头域，其值为Upgrade； </a:t>
+            </a:r>
+            <a:endParaRPr lang="zh-CN" altLang="en-US"/>
+          </a:p>
+          <a:p>
+            <a:r>
+              <a:rPr lang="zh-CN" altLang="en-US"/>
+              <a:t>        *必须包括"Sec - WebSocket - Origin"头域； </a:t>
+            </a:r>
+            <a:endParaRPr lang="zh-CN" altLang="en-US"/>
+          </a:p>
+          <a:p>
+            <a:r>
+              <a:rPr lang="zh-CN" altLang="en-US"/>
+              <a:t>        *必须包括"Sec - WebSocket - Location"头域; </a:t>
+            </a:r>
+            <a:endParaRPr lang="zh-CN" altLang="en-US"/>
+          </a:p>
+          <a:p>
+            <a:r>
+              <a:rPr lang="zh-CN" altLang="en-US"/>
+              <a:t>        *应答正文的上一行是一行空行; </a:t>
+            </a:r>
+            <a:endParaRPr lang="zh-CN" altLang="en-US"/>
+          </a:p>
+          <a:p>
+            <a:r>
+              <a:rPr lang="zh-CN" altLang="en-US"/>
+              <a:t>        *应答正文后面没有任何结束符或者换行符。</a:t>
+            </a:r>
+            <a:endParaRPr lang="zh-CN" altLang="en-US"/>
+          </a:p>
+          <a:p>
+            <a:r>
+              <a:rPr lang="zh-CN" altLang="en-US"/>
+              <a:t>        */</a:t>
+            </a:r>
+            <a:endParaRPr lang="zh-CN" altLang="en-US"/>
+          </a:p>
+        </p:txBody>
+      </p:sp>
+    </p:spTree>
+  </p:cSld>
+  <p:clrMapOvr>
+    <a:masterClrMapping/>
+  </p:clrMapOvr>
+</p:sld>
+</file>
+
+<file path=ppt/slides/slide8.xml><?xml version="1.0" encoding="utf-8"?>
 <p:sld xmlns:a="http://schemas.openxmlformats.org/drawingml/2006/main" xmlns:r="http://schemas.openxmlformats.org/officeDocument/2006/relationships" xmlns:p="http://schemas.openxmlformats.org/presentationml/2006/main">
   <p:cSld>
     <p:spTree>
@@ -5414,166 +6121,6 @@
 </p:sld>
 </file>
 
-<file path=ppt/slides/slide8.xml><?xml version="1.0" encoding="utf-8"?>
-<p:sld xmlns:a="http://schemas.openxmlformats.org/drawingml/2006/main" xmlns:r="http://schemas.openxmlformats.org/officeDocument/2006/relationships" xmlns:p="http://schemas.openxmlformats.org/presentationml/2006/main">
-  <p:cSld>
-    <p:spTree>
-      <p:nvGrpSpPr>
-        <p:cNvPr id="1" name=""/>
-        <p:cNvGrpSpPr/>
-        <p:nvPr/>
-      </p:nvGrpSpPr>
-      <p:grpSpPr/>
-      <p:sp>
-        <p:nvSpPr>
-          <p:cNvPr id="2" name="标题 1"/>
-          <p:cNvSpPr>
-            <a:spLocks noGrp="1"/>
-          </p:cNvSpPr>
-          <p:nvPr>
-            <p:ph type="title"/>
-          </p:nvPr>
-        </p:nvSpPr>
-        <p:spPr/>
-        <p:txBody>
-          <a:bodyPr/>
-          <a:p>
-            <a:r>
-              <a:rPr lang="en-US" altLang="zh-CN"/>
-              <a:t>socket.io</a:t>
-            </a:r>
-            <a:endParaRPr lang="en-US" altLang="zh-CN"/>
-          </a:p>
-        </p:txBody>
-      </p:sp>
-      <p:sp>
-        <p:nvSpPr>
-          <p:cNvPr id="3" name="内容占位符 2"/>
-          <p:cNvSpPr>
-            <a:spLocks noGrp="1"/>
-          </p:cNvSpPr>
-          <p:nvPr>
-            <p:ph idx="1"/>
-          </p:nvPr>
-        </p:nvSpPr>
-        <p:spPr/>
-        <p:txBody>
-          <a:bodyPr>
-            <a:normAutofit fontScale="90000"/>
-          </a:bodyPr>
-          <a:p>
-            <a:pPr marL="457200" indent="-457200">
-              <a:buFont typeface="+mj-lt"/>
-              <a:buAutoNum type="arabicPeriod"/>
-            </a:pPr>
-            <a:r>
-              <a:rPr lang="en-US" altLang="zh-CN"/>
-              <a:t>JavaScript </a:t>
-            </a:r>
-            <a:r>
-              <a:rPr lang="zh-CN" altLang="en-US"/>
-              <a:t>库</a:t>
-            </a:r>
-            <a:endParaRPr lang="zh-CN" altLang="en-US"/>
-          </a:p>
-          <a:p>
-            <a:pPr marL="457200" indent="-457200">
-              <a:buFont typeface="+mj-lt"/>
-              <a:buAutoNum type="arabicPeriod"/>
-            </a:pPr>
-            <a:endParaRPr lang="zh-CN" altLang="en-US"/>
-          </a:p>
-          <a:p>
-            <a:pPr marL="457200" indent="-457200">
-              <a:buFont typeface="+mj-lt"/>
-              <a:buAutoNum type="arabicPeriod"/>
-            </a:pPr>
-            <a:r>
-              <a:rPr lang="zh-CN" altLang="en-US"/>
-              <a:t>面向</a:t>
-            </a:r>
-            <a:r>
-              <a:rPr lang="en-US" altLang="zh-CN"/>
-              <a:t>web</a:t>
-            </a:r>
-            <a:r>
-              <a:rPr lang="zh-CN" altLang="en-US"/>
-              <a:t>应用</a:t>
-            </a:r>
-            <a:endParaRPr lang="zh-CN" altLang="en-US"/>
-          </a:p>
-          <a:p>
-            <a:pPr marL="457200" indent="-457200">
-              <a:buFont typeface="+mj-lt"/>
-              <a:buAutoNum type="arabicPeriod"/>
-            </a:pPr>
-            <a:endParaRPr lang="zh-CN" altLang="en-US"/>
-          </a:p>
-          <a:p>
-            <a:pPr marL="457200" indent="-457200">
-              <a:buFont typeface="+mj-lt"/>
-              <a:buAutoNum type="arabicPeriod"/>
-            </a:pPr>
-            <a:r>
-              <a:rPr lang="zh-CN" altLang="en-US"/>
-              <a:t>服务端和客户端的双向通信</a:t>
-            </a:r>
-            <a:endParaRPr lang="zh-CN" altLang="en-US"/>
-          </a:p>
-          <a:p>
-            <a:pPr marL="457200" indent="-457200">
-              <a:buFont typeface="+mj-lt"/>
-              <a:buAutoNum type="arabicPeriod"/>
-            </a:pPr>
-            <a:endParaRPr lang="zh-CN" altLang="en-US"/>
-          </a:p>
-          <a:p>
-            <a:pPr marL="457200" indent="-457200">
-              <a:buFont typeface="+mj-lt"/>
-              <a:buAutoNum type="arabicPeriod"/>
-            </a:pPr>
-            <a:r>
-              <a:rPr lang="zh-CN" altLang="en-US"/>
-              <a:t>主要使用 </a:t>
-            </a:r>
-            <a:r>
-              <a:rPr lang="en-US" altLang="zh-CN"/>
-              <a:t>WebSocket </a:t>
-            </a:r>
-            <a:r>
-              <a:rPr lang="zh-CN" altLang="en-US"/>
-              <a:t>协议</a:t>
-            </a:r>
-            <a:endParaRPr lang="zh-CN" altLang="en-US"/>
-          </a:p>
-          <a:p>
-            <a:pPr marL="457200" indent="-457200">
-              <a:buFont typeface="+mj-lt"/>
-              <a:buAutoNum type="arabicPeriod"/>
-            </a:pPr>
-            <a:endParaRPr lang="zh-CN" altLang="en-US"/>
-          </a:p>
-          <a:p>
-            <a:pPr marL="457200" indent="-457200">
-              <a:buFont typeface="+mj-lt"/>
-              <a:buAutoNum type="arabicPeriod"/>
-            </a:pPr>
-            <a:r>
-              <a:rPr lang="zh-CN" altLang="en-US"/>
-              <a:t>事件驱动</a:t>
-            </a:r>
-            <a:endParaRPr lang="zh-CN" altLang="en-US"/>
-          </a:p>
-        </p:txBody>
-      </p:sp>
-    </p:spTree>
-  </p:cSld>
-  <p:clrMapOvr>
-    <a:masterClrMapping/>
-  </p:clrMapOvr>
-</p:sld>
-</file>
-
 <file path=ppt/slides/slide9.xml><?xml version="1.0" encoding="utf-8"?>
 <p:sld xmlns:a="http://schemas.openxmlformats.org/drawingml/2006/main" xmlns:r="http://schemas.openxmlformats.org/officeDocument/2006/relationships" xmlns:p="http://schemas.openxmlformats.org/presentationml/2006/main">
   <p:cSld>
@@ -5586,114 +6133,21 @@
       <p:grpSpPr/>
       <p:sp>
         <p:nvSpPr>
-          <p:cNvPr id="4" name="矩形 3"/>
-          <p:cNvSpPr/>
-          <p:nvPr/>
-        </p:nvSpPr>
-        <p:spPr>
-          <a:xfrm>
-            <a:off x="1480820" y="972185"/>
-            <a:ext cx="3048000" cy="4913630"/>
-          </a:xfrm>
-          <a:prstGeom prst="rect">
-            <a:avLst/>
-          </a:prstGeom>
-        </p:spPr>
-        <p:style>
-          <a:lnRef idx="2">
-            <a:schemeClr val="accent6"/>
-          </a:lnRef>
-          <a:fillRef idx="1">
-            <a:schemeClr val="lt1"/>
-          </a:fillRef>
-          <a:effectRef idx="0">
-            <a:schemeClr val="accent6"/>
-          </a:effectRef>
-          <a:fontRef idx="minor">
-            <a:schemeClr val="dk1"/>
-          </a:fontRef>
-        </p:style>
-        <p:txBody>
-          <a:bodyPr rtlCol="0" anchor="ctr"/>
-          <a:p>
-            <a:pPr algn="ctr"/>
-            <a:endParaRPr lang="zh-CN" altLang="en-US"/>
-          </a:p>
-        </p:txBody>
-      </p:sp>
-      <p:sp>
-        <p:nvSpPr>
-          <p:cNvPr id="5" name="矩形 4"/>
-          <p:cNvSpPr/>
-          <p:nvPr/>
-        </p:nvSpPr>
-        <p:spPr>
-          <a:xfrm>
-            <a:off x="7954010" y="972185"/>
-            <a:ext cx="3048000" cy="4913630"/>
-          </a:xfrm>
-          <a:prstGeom prst="rect">
-            <a:avLst/>
-          </a:prstGeom>
-        </p:spPr>
-        <p:style>
-          <a:lnRef idx="2">
-            <a:schemeClr val="accent6"/>
-          </a:lnRef>
-          <a:fillRef idx="1">
-            <a:schemeClr val="lt1"/>
-          </a:fillRef>
-          <a:effectRef idx="0">
-            <a:schemeClr val="accent6"/>
-          </a:effectRef>
-          <a:fontRef idx="minor">
-            <a:schemeClr val="dk1"/>
-          </a:fontRef>
-        </p:style>
-        <p:txBody>
-          <a:bodyPr rtlCol="0" anchor="ctr"/>
-          <a:p>
-            <a:pPr algn="ctr"/>
-            <a:endParaRPr lang="zh-CN" altLang="en-US"/>
-          </a:p>
-        </p:txBody>
-      </p:sp>
-      <p:sp>
-        <p:nvSpPr>
-          <p:cNvPr id="6" name="矩形 5"/>
-          <p:cNvSpPr/>
-          <p:nvPr/>
-        </p:nvSpPr>
-        <p:spPr>
-          <a:xfrm>
-            <a:off x="1971675" y="394335"/>
-            <a:ext cx="2066290" cy="450850"/>
-          </a:xfrm>
-          <a:prstGeom prst="rect">
-            <a:avLst/>
-          </a:prstGeom>
-        </p:spPr>
-        <p:style>
-          <a:lnRef idx="2">
-            <a:schemeClr val="accent6"/>
-          </a:lnRef>
-          <a:fillRef idx="1">
-            <a:schemeClr val="lt1"/>
-          </a:fillRef>
-          <a:effectRef idx="0">
-            <a:schemeClr val="accent6"/>
-          </a:effectRef>
-          <a:fontRef idx="minor">
-            <a:schemeClr val="dk1"/>
-          </a:fontRef>
-        </p:style>
-        <p:txBody>
-          <a:bodyPr rtlCol="0" anchor="ctr"/>
-          <a:p>
-            <a:pPr algn="ctr"/>
+          <p:cNvPr id="2" name="标题 1"/>
+          <p:cNvSpPr>
+            <a:spLocks noGrp="1"/>
+          </p:cNvSpPr>
+          <p:nvPr>
+            <p:ph type="title"/>
+          </p:nvPr>
+        </p:nvSpPr>
+        <p:spPr/>
+        <p:txBody>
+          <a:bodyPr/>
+          <a:p>
             <a:r>
               <a:rPr lang="en-US" altLang="zh-CN"/>
-              <a:t>clint </a:t>
+              <a:t>socket.io</a:t>
             </a:r>
             <a:endParaRPr lang="en-US" altLang="zh-CN"/>
           </a:p>
@@ -5701,295 +6155,124 @@
       </p:sp>
       <p:sp>
         <p:nvSpPr>
-          <p:cNvPr id="7" name="矩形 6"/>
-          <p:cNvSpPr/>
-          <p:nvPr/>
-        </p:nvSpPr>
-        <p:spPr>
-          <a:xfrm>
-            <a:off x="8444865" y="300355"/>
-            <a:ext cx="2066290" cy="450850"/>
-          </a:xfrm>
-          <a:prstGeom prst="rect">
-            <a:avLst/>
-          </a:prstGeom>
-        </p:spPr>
-        <p:style>
-          <a:lnRef idx="2">
-            <a:schemeClr val="accent6"/>
-          </a:lnRef>
-          <a:fillRef idx="1">
-            <a:schemeClr val="lt1"/>
-          </a:fillRef>
-          <a:effectRef idx="0">
-            <a:schemeClr val="accent6"/>
-          </a:effectRef>
-          <a:fontRef idx="minor">
-            <a:schemeClr val="dk1"/>
-          </a:fontRef>
-        </p:style>
-        <p:txBody>
-          <a:bodyPr rtlCol="0" anchor="ctr"/>
-          <a:p>
-            <a:pPr algn="ctr"/>
+          <p:cNvPr id="3" name="内容占位符 2"/>
+          <p:cNvSpPr>
+            <a:spLocks noGrp="1"/>
+          </p:cNvSpPr>
+          <p:nvPr>
+            <p:ph idx="1"/>
+          </p:nvPr>
+        </p:nvSpPr>
+        <p:spPr/>
+        <p:txBody>
+          <a:bodyPr>
+            <a:normAutofit fontScale="90000"/>
+          </a:bodyPr>
+          <a:p>
+            <a:pPr marL="457200" indent="-457200">
+              <a:buFont typeface="+mj-lt"/>
+              <a:buAutoNum type="arabicPeriod"/>
+            </a:pPr>
             <a:r>
               <a:rPr lang="en-US" altLang="zh-CN"/>
-              <a:t>Server</a:t>
-            </a:r>
-            <a:endParaRPr lang="en-US" altLang="zh-CN"/>
-          </a:p>
-        </p:txBody>
-      </p:sp>
-      <p:sp>
-        <p:nvSpPr>
-          <p:cNvPr id="8" name="矩形 7"/>
-          <p:cNvSpPr/>
-          <p:nvPr/>
-        </p:nvSpPr>
-        <p:spPr>
-          <a:xfrm>
-            <a:off x="1967865" y="1377950"/>
-            <a:ext cx="2066290" cy="450850"/>
-          </a:xfrm>
-          <a:prstGeom prst="rect">
-            <a:avLst/>
-          </a:prstGeom>
-        </p:spPr>
-        <p:style>
-          <a:lnRef idx="2">
-            <a:schemeClr val="accent6"/>
-          </a:lnRef>
-          <a:fillRef idx="1">
-            <a:schemeClr val="lt1"/>
-          </a:fillRef>
-          <a:effectRef idx="0">
-            <a:schemeClr val="accent6"/>
-          </a:effectRef>
-          <a:fontRef idx="minor">
-            <a:schemeClr val="dk1"/>
-          </a:fontRef>
-        </p:style>
-        <p:txBody>
-          <a:bodyPr rtlCol="0" anchor="ctr"/>
-          <a:p>
-            <a:pPr algn="ctr"/>
+              <a:t>JavaScript </a:t>
+            </a:r>
+            <a:r>
+              <a:rPr lang="zh-CN" altLang="en-US"/>
+              <a:t>库</a:t>
+            </a:r>
+            <a:endParaRPr lang="zh-CN" altLang="en-US"/>
+          </a:p>
+          <a:p>
+            <a:pPr marL="457200" indent="-457200">
+              <a:buFont typeface="+mj-lt"/>
+              <a:buAutoNum type="arabicPeriod"/>
+            </a:pPr>
+            <a:endParaRPr lang="zh-CN" altLang="en-US"/>
+          </a:p>
+          <a:p>
+            <a:pPr marL="457200" indent="-457200">
+              <a:buFont typeface="+mj-lt"/>
+              <a:buAutoNum type="arabicPeriod"/>
+            </a:pPr>
+            <a:r>
+              <a:rPr lang="zh-CN" altLang="en-US"/>
+              <a:t>面向</a:t>
+            </a:r>
             <a:r>
               <a:rPr lang="en-US" altLang="zh-CN"/>
-              <a:t>socket </a:t>
-            </a:r>
-            <a:endParaRPr lang="en-US" altLang="zh-CN"/>
-          </a:p>
-        </p:txBody>
-      </p:sp>
-      <p:sp>
-        <p:nvSpPr>
-          <p:cNvPr id="9" name="矩形 8"/>
-          <p:cNvSpPr/>
-          <p:nvPr/>
-        </p:nvSpPr>
-        <p:spPr>
-          <a:xfrm>
-            <a:off x="8444865" y="1377950"/>
-            <a:ext cx="2066290" cy="450850"/>
-          </a:xfrm>
-          <a:prstGeom prst="rect">
-            <a:avLst/>
-          </a:prstGeom>
-        </p:spPr>
-        <p:style>
-          <a:lnRef idx="2">
-            <a:schemeClr val="accent6"/>
-          </a:lnRef>
-          <a:fillRef idx="1">
-            <a:schemeClr val="lt1"/>
-          </a:fillRef>
-          <a:effectRef idx="0">
-            <a:schemeClr val="accent6"/>
-          </a:effectRef>
-          <a:fontRef idx="minor">
-            <a:schemeClr val="dk1"/>
-          </a:fontRef>
-        </p:style>
-        <p:txBody>
-          <a:bodyPr rtlCol="0" anchor="ctr"/>
-          <a:p>
-            <a:pPr algn="ctr"/>
+              <a:t>web</a:t>
+            </a:r>
+            <a:r>
+              <a:rPr lang="zh-CN" altLang="en-US"/>
+              <a:t>应用</a:t>
+            </a:r>
+            <a:endParaRPr lang="zh-CN" altLang="en-US"/>
+          </a:p>
+          <a:p>
+            <a:pPr marL="457200" indent="-457200">
+              <a:buFont typeface="+mj-lt"/>
+              <a:buAutoNum type="arabicPeriod"/>
+            </a:pPr>
+            <a:endParaRPr lang="zh-CN" altLang="en-US"/>
+          </a:p>
+          <a:p>
+            <a:pPr marL="457200" indent="-457200">
+              <a:buFont typeface="+mj-lt"/>
+              <a:buAutoNum type="arabicPeriod"/>
+            </a:pPr>
+            <a:r>
+              <a:rPr lang="zh-CN" altLang="en-US"/>
+              <a:t>服务端和客户端的双向通信</a:t>
+            </a:r>
+            <a:endParaRPr lang="zh-CN" altLang="en-US"/>
+          </a:p>
+          <a:p>
+            <a:pPr marL="457200" indent="-457200">
+              <a:buFont typeface="+mj-lt"/>
+              <a:buAutoNum type="arabicPeriod"/>
+            </a:pPr>
+            <a:endParaRPr lang="zh-CN" altLang="en-US"/>
+          </a:p>
+          <a:p>
+            <a:pPr marL="457200" indent="-457200">
+              <a:buFont typeface="+mj-lt"/>
+              <a:buAutoNum type="arabicPeriod"/>
+            </a:pPr>
+            <a:r>
+              <a:rPr lang="zh-CN" altLang="en-US"/>
+              <a:t>主要使用 </a:t>
+            </a:r>
             <a:r>
               <a:rPr lang="en-US" altLang="zh-CN"/>
-              <a:t>io</a:t>
-            </a:r>
-            <a:endParaRPr lang="en-US" altLang="zh-CN"/>
-          </a:p>
-        </p:txBody>
-      </p:sp>
-      <p:pic>
-        <p:nvPicPr>
-          <p:cNvPr id="11" name="图片 10"/>
-          <p:cNvPicPr>
-            <a:picLocks noChangeAspect="1"/>
-          </p:cNvPicPr>
-          <p:nvPr/>
-        </p:nvPicPr>
-        <p:blipFill>
-          <a:blip r:embed="rId1"/>
-          <a:stretch>
-            <a:fillRect/>
-          </a:stretch>
-        </p:blipFill>
-        <p:spPr>
-          <a:xfrm>
-            <a:off x="1967865" y="2086610"/>
-            <a:ext cx="2066290" cy="672465"/>
-          </a:xfrm>
-          <a:prstGeom prst="rect">
-            <a:avLst/>
-          </a:prstGeom>
-        </p:spPr>
-      </p:pic>
-      <p:pic>
-        <p:nvPicPr>
-          <p:cNvPr id="12" name="图片 11"/>
-          <p:cNvPicPr>
-            <a:picLocks noChangeAspect="1"/>
-          </p:cNvPicPr>
-          <p:nvPr/>
-        </p:nvPicPr>
-        <p:blipFill>
-          <a:blip r:embed="rId2"/>
-          <a:stretch>
-            <a:fillRect/>
-          </a:stretch>
-        </p:blipFill>
-        <p:spPr>
-          <a:xfrm>
-            <a:off x="8444230" y="2209800"/>
-            <a:ext cx="2067560" cy="793115"/>
-          </a:xfrm>
-          <a:prstGeom prst="rect">
-            <a:avLst/>
-          </a:prstGeom>
-        </p:spPr>
-      </p:pic>
-      <p:pic>
-        <p:nvPicPr>
-          <p:cNvPr id="13" name="图片 12"/>
-          <p:cNvPicPr>
-            <a:picLocks noChangeAspect="1"/>
-          </p:cNvPicPr>
-          <p:nvPr/>
-        </p:nvPicPr>
-        <p:blipFill>
-          <a:blip r:embed="rId3"/>
-          <a:stretch>
-            <a:fillRect/>
-          </a:stretch>
-        </p:blipFill>
-        <p:spPr>
-          <a:xfrm>
-            <a:off x="8444230" y="4908550"/>
-            <a:ext cx="2066290" cy="786130"/>
-          </a:xfrm>
-          <a:prstGeom prst="rect">
-            <a:avLst/>
-          </a:prstGeom>
-        </p:spPr>
-      </p:pic>
-      <p:pic>
-        <p:nvPicPr>
-          <p:cNvPr id="14" name="图片 13"/>
-          <p:cNvPicPr>
-            <a:picLocks noChangeAspect="1"/>
-          </p:cNvPicPr>
-          <p:nvPr/>
-        </p:nvPicPr>
-        <p:blipFill>
-          <a:blip r:embed="rId4"/>
-          <a:stretch>
-            <a:fillRect/>
-          </a:stretch>
-        </p:blipFill>
-        <p:spPr>
-          <a:xfrm>
-            <a:off x="1971675" y="3009265"/>
-            <a:ext cx="2066290" cy="676275"/>
-          </a:xfrm>
-          <a:prstGeom prst="rect">
-            <a:avLst/>
-          </a:prstGeom>
-        </p:spPr>
-      </p:pic>
-      <p:pic>
-        <p:nvPicPr>
-          <p:cNvPr id="15" name="图片 14"/>
-          <p:cNvPicPr>
-            <a:picLocks noChangeAspect="1"/>
-          </p:cNvPicPr>
-          <p:nvPr/>
-        </p:nvPicPr>
-        <p:blipFill>
-          <a:blip r:embed="rId5"/>
-          <a:stretch>
-            <a:fillRect/>
-          </a:stretch>
-        </p:blipFill>
-        <p:spPr>
-          <a:xfrm>
-            <a:off x="8444865" y="3246120"/>
-            <a:ext cx="2065655" cy="773430"/>
-          </a:xfrm>
-          <a:prstGeom prst="rect">
-            <a:avLst/>
-          </a:prstGeom>
-        </p:spPr>
-      </p:pic>
-      <p:pic>
-        <p:nvPicPr>
-          <p:cNvPr id="16" name="图片 15"/>
-          <p:cNvPicPr>
-            <a:picLocks noChangeAspect="1"/>
-          </p:cNvPicPr>
-          <p:nvPr/>
-        </p:nvPicPr>
-        <p:blipFill>
-          <a:blip r:embed="rId6"/>
-          <a:stretch>
-            <a:fillRect/>
-          </a:stretch>
-        </p:blipFill>
-        <p:spPr>
-          <a:xfrm>
-            <a:off x="8444230" y="4236085"/>
-            <a:ext cx="2067560" cy="638175"/>
-          </a:xfrm>
-          <a:prstGeom prst="rect">
-            <a:avLst/>
-          </a:prstGeom>
-        </p:spPr>
-      </p:pic>
-      <p:pic>
-        <p:nvPicPr>
-          <p:cNvPr id="17" name="图片 16"/>
-          <p:cNvPicPr>
-            <a:picLocks noChangeAspect="1"/>
-          </p:cNvPicPr>
-          <p:nvPr/>
-        </p:nvPicPr>
-        <p:blipFill>
-          <a:blip r:embed="rId7"/>
-          <a:stretch>
-            <a:fillRect/>
-          </a:stretch>
-        </p:blipFill>
-        <p:spPr>
-          <a:xfrm>
-            <a:off x="1967865" y="4236085"/>
-            <a:ext cx="2066290" cy="803910"/>
-          </a:xfrm>
-          <a:prstGeom prst="rect">
-            <a:avLst/>
-          </a:prstGeom>
-        </p:spPr>
-      </p:pic>
+              <a:t>WebSocket </a:t>
+            </a:r>
+            <a:r>
+              <a:rPr lang="zh-CN" altLang="en-US"/>
+              <a:t>协议</a:t>
+            </a:r>
+            <a:endParaRPr lang="zh-CN" altLang="en-US"/>
+          </a:p>
+          <a:p>
+            <a:pPr marL="457200" indent="-457200">
+              <a:buFont typeface="+mj-lt"/>
+              <a:buAutoNum type="arabicPeriod"/>
+            </a:pPr>
+            <a:endParaRPr lang="zh-CN" altLang="en-US"/>
+          </a:p>
+          <a:p>
+            <a:pPr marL="457200" indent="-457200">
+              <a:buFont typeface="+mj-lt"/>
+              <a:buAutoNum type="arabicPeriod"/>
+            </a:pPr>
+            <a:r>
+              <a:rPr lang="zh-CN" altLang="en-US"/>
+              <a:t>事件驱动</a:t>
+            </a:r>
+            <a:endParaRPr lang="zh-CN" altLang="en-US"/>
+          </a:p>
+        </p:txBody>
+      </p:sp>
     </p:spTree>
   </p:cSld>
   <p:clrMapOvr>

--- a/webSocket && socket.io.pptx
+++ b/webSocket && socket.io.pptx
@@ -5,20 +5,24 @@
     <p:sldMasterId id="2147483648" r:id="rId1"/>
   </p:sldMasterIdLst>
   <p:notesMasterIdLst>
-    <p:notesMasterId r:id="rId13"/>
+    <p:notesMasterId r:id="rId16"/>
   </p:notesMasterIdLst>
   <p:sldIdLst>
-    <p:sldId id="272" r:id="rId3"/>
-    <p:sldId id="260" r:id="rId4"/>
-    <p:sldId id="261" r:id="rId5"/>
-    <p:sldId id="262" r:id="rId6"/>
-    <p:sldId id="265" r:id="rId7"/>
-    <p:sldId id="263" r:id="rId8"/>
-    <p:sldId id="264" r:id="rId9"/>
-    <p:sldId id="266" r:id="rId10"/>
-    <p:sldId id="257" r:id="rId11"/>
-    <p:sldId id="256" r:id="rId12"/>
-    <p:sldId id="258" r:id="rId14"/>
+    <p:sldId id="284" r:id="rId3"/>
+    <p:sldId id="272" r:id="rId4"/>
+    <p:sldId id="260" r:id="rId5"/>
+    <p:sldId id="261" r:id="rId6"/>
+    <p:sldId id="262" r:id="rId7"/>
+    <p:sldId id="265" r:id="rId8"/>
+    <p:sldId id="263" r:id="rId9"/>
+    <p:sldId id="264" r:id="rId10"/>
+    <p:sldId id="266" r:id="rId11"/>
+    <p:sldId id="285" r:id="rId12"/>
+    <p:sldId id="257" r:id="rId13"/>
+    <p:sldId id="283" r:id="rId14"/>
+    <p:sldId id="256" r:id="rId15"/>
+    <p:sldId id="258" r:id="rId17"/>
+    <p:sldId id="286" r:id="rId18"/>
   </p:sldIdLst>
   <p:sldSz cx="12192000" cy="6858000"/>
   <p:notesSz cx="6858000" cy="9144000"/>
@@ -3374,7 +3378,7 @@
         </p:nvSpPr>
         <p:spPr>
           <a:xfrm>
-            <a:off x="838200" y="2868930"/>
+            <a:off x="838200" y="990600"/>
             <a:ext cx="10515600" cy="1459865"/>
           </a:xfrm>
         </p:spPr>
@@ -3383,7 +3387,59 @@
           <a:p>
             <a:pPr algn="ctr"/>
             <a:r>
-              <a:rPr lang="en-US" altLang="zh-CN" sz="8800">
+              <a:rPr lang="zh-CN" altLang="en-US" sz="8800">
+                <a:solidFill>
+                  <a:schemeClr val="tx1"/>
+                </a:solidFill>
+                <a:effectLst>
+                  <a:outerShdw blurRad="38100" dist="19050" dir="2700000" algn="tl" rotWithShape="0">
+                    <a:schemeClr val="dk1">
+                      <a:alpha val="40000"/>
+                    </a:schemeClr>
+                  </a:outerShdw>
+                </a:effectLst>
+              </a:rPr>
+              <a:t>网页即时通信</a:t>
+            </a:r>
+            <a:endParaRPr lang="zh-CN" altLang="en-US" sz="8800">
+              <a:solidFill>
+                <a:schemeClr val="tx1"/>
+              </a:solidFill>
+              <a:effectLst>
+                <a:outerShdw blurRad="38100" dist="19050" dir="2700000" algn="tl" rotWithShape="0">
+                  <a:schemeClr val="dk1">
+                    <a:alpha val="40000"/>
+                  </a:schemeClr>
+                </a:outerShdw>
+              </a:effectLst>
+            </a:endParaRPr>
+          </a:p>
+        </p:txBody>
+      </p:sp>
+      <p:sp>
+        <p:nvSpPr>
+          <p:cNvPr id="3" name="文本框 2"/>
+          <p:cNvSpPr txBox="1"/>
+          <p:nvPr/>
+        </p:nvSpPr>
+        <p:spPr>
+          <a:xfrm>
+            <a:off x="4176395" y="4518660"/>
+            <a:ext cx="3890010" cy="1076325"/>
+          </a:xfrm>
+          <a:prstGeom prst="rect">
+            <a:avLst/>
+          </a:prstGeom>
+          <a:noFill/>
+        </p:spPr>
+        <p:txBody>
+          <a:bodyPr wrap="square" rtlCol="0">
+            <a:spAutoFit/>
+          </a:bodyPr>
+          <a:p>
+            <a:pPr algn="ctr"/>
+            <a:r>
+              <a:rPr lang="zh-CN" altLang="en-US" sz="3200">
                 <a:ln/>
                 <a:solidFill>
                   <a:schemeClr val="tx1"/>
@@ -3396,9 +3452,41 @@
                   </a:outerShdw>
                 </a:effectLst>
               </a:rPr>
-              <a:t>WebSocket</a:t>
-            </a:r>
-            <a:endParaRPr lang="en-US" altLang="zh-CN" sz="8800">
+              <a:t>朱振江</a:t>
+            </a:r>
+            <a:endParaRPr lang="zh-CN" altLang="en-US" sz="3200">
+              <a:ln/>
+              <a:solidFill>
+                <a:schemeClr val="tx1"/>
+              </a:solidFill>
+              <a:effectLst>
+                <a:outerShdw blurRad="38100" dist="19050" dir="2700000" algn="tl" rotWithShape="0">
+                  <a:schemeClr val="dk1">
+                    <a:alpha val="40000"/>
+                  </a:schemeClr>
+                </a:outerShdw>
+              </a:effectLst>
+            </a:endParaRPr>
+          </a:p>
+          <a:p>
+            <a:pPr algn="ctr"/>
+            <a:r>
+              <a:rPr lang="en-US" altLang="zh-CN" sz="3200">
+                <a:ln/>
+                <a:solidFill>
+                  <a:schemeClr val="tx1"/>
+                </a:solidFill>
+                <a:effectLst>
+                  <a:outerShdw blurRad="38100" dist="19050" dir="2700000" algn="tl" rotWithShape="0">
+                    <a:schemeClr val="dk1">
+                      <a:alpha val="40000"/>
+                    </a:schemeClr>
+                  </a:outerShdw>
+                </a:effectLst>
+              </a:rPr>
+              <a:t>20190628</a:t>
+            </a:r>
+            <a:endParaRPr lang="en-US" altLang="zh-CN" sz="3200">
               <a:ln/>
               <a:solidFill>
                 <a:schemeClr val="tx1"/>
@@ -3434,410 +3522,57 @@
       <p:grpSpPr/>
       <p:sp>
         <p:nvSpPr>
-          <p:cNvPr id="4" name="矩形 3"/>
-          <p:cNvSpPr/>
-          <p:nvPr/>
-        </p:nvSpPr>
-        <p:spPr>
-          <a:xfrm>
-            <a:off x="1480820" y="972185"/>
-            <a:ext cx="3048000" cy="4913630"/>
-          </a:xfrm>
-          <a:prstGeom prst="rect">
-            <a:avLst/>
-          </a:prstGeom>
-        </p:spPr>
-        <p:style>
-          <a:lnRef idx="2">
-            <a:schemeClr val="accent6"/>
-          </a:lnRef>
-          <a:fillRef idx="1">
-            <a:schemeClr val="lt1"/>
-          </a:fillRef>
-          <a:effectRef idx="0">
-            <a:schemeClr val="accent6"/>
-          </a:effectRef>
-          <a:fontRef idx="minor">
-            <a:schemeClr val="dk1"/>
-          </a:fontRef>
-        </p:style>
-        <p:txBody>
-          <a:bodyPr rtlCol="0" anchor="ctr"/>
+          <p:cNvPr id="2" name="标题 1"/>
+          <p:cNvSpPr>
+            <a:spLocks noGrp="1"/>
+          </p:cNvSpPr>
+          <p:nvPr>
+            <p:ph type="title"/>
+          </p:nvPr>
+        </p:nvSpPr>
+        <p:spPr>
+          <a:xfrm>
+            <a:off x="10795" y="2365375"/>
+            <a:ext cx="12184380" cy="2126615"/>
+          </a:xfrm>
+        </p:spPr>
+        <p:txBody>
+          <a:bodyPr>
+            <a:normAutofit fontScale="90000"/>
+          </a:bodyPr>
           <a:p>
             <a:pPr algn="ctr"/>
-            <a:endParaRPr lang="zh-CN" altLang="en-US"/>
-          </a:p>
-        </p:txBody>
-      </p:sp>
-      <p:sp>
-        <p:nvSpPr>
-          <p:cNvPr id="5" name="矩形 4"/>
-          <p:cNvSpPr/>
-          <p:nvPr/>
-        </p:nvSpPr>
-        <p:spPr>
-          <a:xfrm>
-            <a:off x="7954010" y="972185"/>
-            <a:ext cx="3048000" cy="4913630"/>
-          </a:xfrm>
-          <a:prstGeom prst="rect">
-            <a:avLst/>
-          </a:prstGeom>
-        </p:spPr>
-        <p:style>
-          <a:lnRef idx="2">
-            <a:schemeClr val="accent6"/>
-          </a:lnRef>
-          <a:fillRef idx="1">
-            <a:schemeClr val="lt1"/>
-          </a:fillRef>
-          <a:effectRef idx="0">
-            <a:schemeClr val="accent6"/>
-          </a:effectRef>
-          <a:fontRef idx="minor">
-            <a:schemeClr val="dk1"/>
-          </a:fontRef>
-        </p:style>
-        <p:txBody>
-          <a:bodyPr rtlCol="0" anchor="ctr"/>
-          <a:p>
-            <a:pPr algn="ctr"/>
-            <a:endParaRPr lang="zh-CN" altLang="en-US"/>
-          </a:p>
-        </p:txBody>
-      </p:sp>
-      <p:sp>
-        <p:nvSpPr>
-          <p:cNvPr id="6" name="矩形 5"/>
-          <p:cNvSpPr/>
-          <p:nvPr/>
-        </p:nvSpPr>
-        <p:spPr>
-          <a:xfrm>
-            <a:off x="1971675" y="394335"/>
-            <a:ext cx="2066290" cy="450850"/>
-          </a:xfrm>
-          <a:prstGeom prst="rect">
-            <a:avLst/>
-          </a:prstGeom>
-        </p:spPr>
-        <p:style>
-          <a:lnRef idx="2">
-            <a:schemeClr val="accent6"/>
-          </a:lnRef>
-          <a:fillRef idx="1">
-            <a:schemeClr val="lt1"/>
-          </a:fillRef>
-          <a:effectRef idx="0">
-            <a:schemeClr val="accent6"/>
-          </a:effectRef>
-          <a:fontRef idx="minor">
-            <a:schemeClr val="dk1"/>
-          </a:fontRef>
-        </p:style>
-        <p:txBody>
-          <a:bodyPr rtlCol="0" anchor="ctr"/>
-          <a:p>
-            <a:pPr algn="ctr"/>
-            <a:r>
-              <a:rPr lang="en-US" altLang="zh-CN"/>
-              <a:t>clint </a:t>
-            </a:r>
-            <a:endParaRPr lang="en-US" altLang="zh-CN"/>
-          </a:p>
-        </p:txBody>
-      </p:sp>
-      <p:sp>
-        <p:nvSpPr>
-          <p:cNvPr id="7" name="矩形 6"/>
-          <p:cNvSpPr/>
-          <p:nvPr/>
-        </p:nvSpPr>
-        <p:spPr>
-          <a:xfrm>
-            <a:off x="8444865" y="300355"/>
-            <a:ext cx="2066290" cy="450850"/>
-          </a:xfrm>
-          <a:prstGeom prst="rect">
-            <a:avLst/>
-          </a:prstGeom>
-        </p:spPr>
-        <p:style>
-          <a:lnRef idx="2">
-            <a:schemeClr val="accent6"/>
-          </a:lnRef>
-          <a:fillRef idx="1">
-            <a:schemeClr val="lt1"/>
-          </a:fillRef>
-          <a:effectRef idx="0">
-            <a:schemeClr val="accent6"/>
-          </a:effectRef>
-          <a:fontRef idx="minor">
-            <a:schemeClr val="dk1"/>
-          </a:fontRef>
-        </p:style>
-        <p:txBody>
-          <a:bodyPr rtlCol="0" anchor="ctr"/>
-          <a:p>
-            <a:pPr algn="ctr"/>
-            <a:r>
-              <a:rPr lang="en-US" altLang="zh-CN"/>
-              <a:t>Server</a:t>
-            </a:r>
-            <a:endParaRPr lang="en-US" altLang="zh-CN"/>
-          </a:p>
-        </p:txBody>
-      </p:sp>
-      <p:sp>
-        <p:nvSpPr>
-          <p:cNvPr id="8" name="矩形 7"/>
-          <p:cNvSpPr/>
-          <p:nvPr/>
-        </p:nvSpPr>
-        <p:spPr>
-          <a:xfrm>
-            <a:off x="1967865" y="1377950"/>
-            <a:ext cx="2066290" cy="450850"/>
-          </a:xfrm>
-          <a:prstGeom prst="rect">
-            <a:avLst/>
-          </a:prstGeom>
-        </p:spPr>
-        <p:style>
-          <a:lnRef idx="2">
-            <a:schemeClr val="accent6"/>
-          </a:lnRef>
-          <a:fillRef idx="1">
-            <a:schemeClr val="lt1"/>
-          </a:fillRef>
-          <a:effectRef idx="0">
-            <a:schemeClr val="accent6"/>
-          </a:effectRef>
-          <a:fontRef idx="minor">
-            <a:schemeClr val="dk1"/>
-          </a:fontRef>
-        </p:style>
-        <p:txBody>
-          <a:bodyPr rtlCol="0" anchor="ctr"/>
-          <a:p>
-            <a:pPr algn="ctr"/>
-            <a:r>
-              <a:rPr lang="en-US" altLang="zh-CN"/>
-              <a:t>socket </a:t>
-            </a:r>
-            <a:endParaRPr lang="en-US" altLang="zh-CN"/>
-          </a:p>
-        </p:txBody>
-      </p:sp>
-      <p:sp>
-        <p:nvSpPr>
-          <p:cNvPr id="9" name="矩形 8"/>
-          <p:cNvSpPr/>
-          <p:nvPr/>
-        </p:nvSpPr>
-        <p:spPr>
-          <a:xfrm>
-            <a:off x="8444865" y="1377950"/>
-            <a:ext cx="2066290" cy="450850"/>
-          </a:xfrm>
-          <a:prstGeom prst="rect">
-            <a:avLst/>
-          </a:prstGeom>
-        </p:spPr>
-        <p:style>
-          <a:lnRef idx="2">
-            <a:schemeClr val="accent6"/>
-          </a:lnRef>
-          <a:fillRef idx="1">
-            <a:schemeClr val="lt1"/>
-          </a:fillRef>
-          <a:effectRef idx="0">
-            <a:schemeClr val="accent6"/>
-          </a:effectRef>
-          <a:fontRef idx="minor">
-            <a:schemeClr val="dk1"/>
-          </a:fontRef>
-        </p:style>
-        <p:txBody>
-          <a:bodyPr rtlCol="0" anchor="ctr"/>
-          <a:p>
-            <a:pPr algn="ctr"/>
-            <a:r>
-              <a:rPr lang="en-US" altLang="zh-CN"/>
-              <a:t>io</a:t>
-            </a:r>
-            <a:endParaRPr lang="en-US" altLang="zh-CN"/>
-          </a:p>
-        </p:txBody>
-      </p:sp>
-      <p:pic>
-        <p:nvPicPr>
-          <p:cNvPr id="11" name="图片 10"/>
-          <p:cNvPicPr>
-            <a:picLocks noChangeAspect="1"/>
-          </p:cNvPicPr>
-          <p:nvPr/>
-        </p:nvPicPr>
-        <p:blipFill>
-          <a:blip r:embed="rId1"/>
-          <a:stretch>
-            <a:fillRect/>
-          </a:stretch>
-        </p:blipFill>
-        <p:spPr>
-          <a:xfrm>
-            <a:off x="1967865" y="2086610"/>
-            <a:ext cx="2066290" cy="672465"/>
-          </a:xfrm>
-          <a:prstGeom prst="rect">
-            <a:avLst/>
-          </a:prstGeom>
-        </p:spPr>
-      </p:pic>
-      <p:pic>
-        <p:nvPicPr>
-          <p:cNvPr id="12" name="图片 11"/>
-          <p:cNvPicPr>
-            <a:picLocks noChangeAspect="1"/>
-          </p:cNvPicPr>
-          <p:nvPr/>
-        </p:nvPicPr>
-        <p:blipFill>
-          <a:blip r:embed="rId2"/>
-          <a:stretch>
-            <a:fillRect/>
-          </a:stretch>
-        </p:blipFill>
-        <p:spPr>
-          <a:xfrm>
-            <a:off x="8444230" y="2209800"/>
-            <a:ext cx="2067560" cy="793115"/>
-          </a:xfrm>
-          <a:prstGeom prst="rect">
-            <a:avLst/>
-          </a:prstGeom>
-        </p:spPr>
-      </p:pic>
-      <p:pic>
-        <p:nvPicPr>
-          <p:cNvPr id="13" name="图片 12"/>
-          <p:cNvPicPr>
-            <a:picLocks noChangeAspect="1"/>
-          </p:cNvPicPr>
-          <p:nvPr/>
-        </p:nvPicPr>
-        <p:blipFill>
-          <a:blip r:embed="rId3"/>
-          <a:stretch>
-            <a:fillRect/>
-          </a:stretch>
-        </p:blipFill>
-        <p:spPr>
-          <a:xfrm>
-            <a:off x="8444230" y="4908550"/>
-            <a:ext cx="2066290" cy="786130"/>
-          </a:xfrm>
-          <a:prstGeom prst="rect">
-            <a:avLst/>
-          </a:prstGeom>
-        </p:spPr>
-      </p:pic>
-      <p:pic>
-        <p:nvPicPr>
-          <p:cNvPr id="14" name="图片 13"/>
-          <p:cNvPicPr>
-            <a:picLocks noChangeAspect="1"/>
-          </p:cNvPicPr>
-          <p:nvPr/>
-        </p:nvPicPr>
-        <p:blipFill>
-          <a:blip r:embed="rId4"/>
-          <a:stretch>
-            <a:fillRect/>
-          </a:stretch>
-        </p:blipFill>
-        <p:spPr>
-          <a:xfrm>
-            <a:off x="1971675" y="3009265"/>
-            <a:ext cx="2066290" cy="676275"/>
-          </a:xfrm>
-          <a:prstGeom prst="rect">
-            <a:avLst/>
-          </a:prstGeom>
-        </p:spPr>
-      </p:pic>
-      <p:pic>
-        <p:nvPicPr>
-          <p:cNvPr id="15" name="图片 14"/>
-          <p:cNvPicPr>
-            <a:picLocks noChangeAspect="1"/>
-          </p:cNvPicPr>
-          <p:nvPr/>
-        </p:nvPicPr>
-        <p:blipFill>
-          <a:blip r:embed="rId5"/>
-          <a:stretch>
-            <a:fillRect/>
-          </a:stretch>
-        </p:blipFill>
-        <p:spPr>
-          <a:xfrm>
-            <a:off x="8444865" y="3246120"/>
-            <a:ext cx="2065655" cy="773430"/>
-          </a:xfrm>
-          <a:prstGeom prst="rect">
-            <a:avLst/>
-          </a:prstGeom>
-        </p:spPr>
-      </p:pic>
-      <p:pic>
-        <p:nvPicPr>
-          <p:cNvPr id="16" name="图片 15"/>
-          <p:cNvPicPr>
-            <a:picLocks noChangeAspect="1"/>
-          </p:cNvPicPr>
-          <p:nvPr/>
-        </p:nvPicPr>
-        <p:blipFill>
-          <a:blip r:embed="rId6"/>
-          <a:stretch>
-            <a:fillRect/>
-          </a:stretch>
-        </p:blipFill>
-        <p:spPr>
-          <a:xfrm>
-            <a:off x="8444230" y="4236085"/>
-            <a:ext cx="2067560" cy="638175"/>
-          </a:xfrm>
-          <a:prstGeom prst="rect">
-            <a:avLst/>
-          </a:prstGeom>
-        </p:spPr>
-      </p:pic>
-      <p:pic>
-        <p:nvPicPr>
-          <p:cNvPr id="17" name="图片 16"/>
-          <p:cNvPicPr>
-            <a:picLocks noChangeAspect="1"/>
-          </p:cNvPicPr>
-          <p:nvPr/>
-        </p:nvPicPr>
-        <p:blipFill>
-          <a:blip r:embed="rId7"/>
-          <a:stretch>
-            <a:fillRect/>
-          </a:stretch>
-        </p:blipFill>
-        <p:spPr>
-          <a:xfrm>
-            <a:off x="1967865" y="4236085"/>
-            <a:ext cx="2066290" cy="803910"/>
-          </a:xfrm>
-          <a:prstGeom prst="rect">
-            <a:avLst/>
-          </a:prstGeom>
-        </p:spPr>
-      </p:pic>
+            <a:r>
+              <a:rPr lang="en-US" altLang="zh-CN" sz="13800">
+                <a:effectLst>
+                  <a:outerShdw blurRad="38100" dist="19050" dir="2700000" algn="tl" rotWithShape="0">
+                    <a:schemeClr val="dk1">
+                      <a:alpha val="40000"/>
+                    </a:schemeClr>
+                  </a:outerShdw>
+                </a:effectLst>
+                <a:sym typeface="+mn-ea"/>
+              </a:rPr>
+              <a:t>socket.io</a:t>
+            </a:r>
+            <a:br>
+              <a:rPr lang="en-US" altLang="zh-CN">
+                <a:solidFill>
+                  <a:schemeClr val="tx1"/>
+                </a:solidFill>
+                <a:effectLst>
+                  <a:outerShdw blurRad="38100" dist="19050" dir="2700000" algn="tl" rotWithShape="0">
+                    <a:schemeClr val="dk1">
+                      <a:alpha val="40000"/>
+                    </a:schemeClr>
+                  </a:outerShdw>
+                </a:effectLst>
+              </a:rPr>
+            </a:br>
+            <a:endParaRPr lang="zh-CN" altLang="en-US"/>
+          </a:p>
+        </p:txBody>
+      </p:sp>
     </p:spTree>
   </p:cSld>
   <p:clrMapOvr>
@@ -3858,14 +3593,495 @@
       <p:grpSpPr/>
       <p:sp>
         <p:nvSpPr>
+          <p:cNvPr id="2" name="标题 1"/>
+          <p:cNvSpPr>
+            <a:spLocks noGrp="1"/>
+          </p:cNvSpPr>
+          <p:nvPr>
+            <p:ph type="title"/>
+          </p:nvPr>
+        </p:nvSpPr>
+        <p:spPr/>
+        <p:txBody>
+          <a:bodyPr/>
+          <a:p>
+            <a:r>
+              <a:rPr lang="en-US" altLang="zh-CN">
+                <a:ln/>
+                <a:solidFill>
+                  <a:schemeClr val="tx1"/>
+                </a:solidFill>
+                <a:effectLst>
+                  <a:outerShdw blurRad="38100" dist="19050" dir="2700000" algn="tl" rotWithShape="0">
+                    <a:schemeClr val="dk1">
+                      <a:alpha val="40000"/>
+                    </a:schemeClr>
+                  </a:outerShdw>
+                </a:effectLst>
+              </a:rPr>
+              <a:t>socket.io</a:t>
+            </a:r>
+            <a:endParaRPr lang="en-US" altLang="zh-CN">
+              <a:ln/>
+              <a:solidFill>
+                <a:schemeClr val="tx1"/>
+              </a:solidFill>
+              <a:effectLst>
+                <a:outerShdw blurRad="38100" dist="19050" dir="2700000" algn="tl" rotWithShape="0">
+                  <a:schemeClr val="dk1">
+                    <a:alpha val="40000"/>
+                  </a:schemeClr>
+                </a:outerShdw>
+              </a:effectLst>
+            </a:endParaRPr>
+          </a:p>
+        </p:txBody>
+      </p:sp>
+      <p:sp>
+        <p:nvSpPr>
+          <p:cNvPr id="3" name="内容占位符 2"/>
+          <p:cNvSpPr>
+            <a:spLocks noGrp="1"/>
+          </p:cNvSpPr>
+          <p:nvPr>
+            <p:ph idx="1"/>
+          </p:nvPr>
+        </p:nvSpPr>
+        <p:spPr/>
+        <p:txBody>
+          <a:bodyPr>
+            <a:normAutofit fontScale="90000"/>
+          </a:bodyPr>
+          <a:p>
+            <a:pPr marL="457200" indent="-457200">
+              <a:buFont typeface="+mj-lt"/>
+              <a:buAutoNum type="arabicPeriod"/>
+            </a:pPr>
+            <a:r>
+              <a:rPr lang="en-US" altLang="zh-CN"/>
+              <a:t>JavaScript </a:t>
+            </a:r>
+            <a:r>
+              <a:rPr lang="zh-CN" altLang="en-US"/>
+              <a:t>库</a:t>
+            </a:r>
+            <a:endParaRPr lang="zh-CN" altLang="en-US"/>
+          </a:p>
+          <a:p>
+            <a:pPr marL="457200" indent="-457200">
+              <a:buFont typeface="+mj-lt"/>
+              <a:buAutoNum type="arabicPeriod"/>
+            </a:pPr>
+            <a:endParaRPr lang="zh-CN" altLang="en-US"/>
+          </a:p>
+          <a:p>
+            <a:pPr marL="457200" indent="-457200">
+              <a:buFont typeface="+mj-lt"/>
+              <a:buAutoNum type="arabicPeriod"/>
+            </a:pPr>
+            <a:r>
+              <a:rPr lang="zh-CN" altLang="en-US"/>
+              <a:t>面向</a:t>
+            </a:r>
+            <a:r>
+              <a:rPr lang="en-US" altLang="zh-CN"/>
+              <a:t>web</a:t>
+            </a:r>
+            <a:r>
+              <a:rPr lang="zh-CN" altLang="en-US"/>
+              <a:t>实时</a:t>
+            </a:r>
+            <a:r>
+              <a:rPr lang="zh-CN" altLang="en-US"/>
+              <a:t>应用</a:t>
+            </a:r>
+            <a:endParaRPr lang="zh-CN" altLang="en-US"/>
+          </a:p>
+          <a:p>
+            <a:pPr marL="457200" indent="-457200">
+              <a:buFont typeface="+mj-lt"/>
+              <a:buAutoNum type="arabicPeriod"/>
+            </a:pPr>
+            <a:endParaRPr lang="zh-CN" altLang="en-US"/>
+          </a:p>
+          <a:p>
+            <a:pPr marL="457200" indent="-457200">
+              <a:buFont typeface="+mj-lt"/>
+              <a:buAutoNum type="arabicPeriod"/>
+            </a:pPr>
+            <a:r>
+              <a:rPr lang="zh-CN" altLang="en-US"/>
+              <a:t>服务端和客户端的双向通信</a:t>
+            </a:r>
+            <a:endParaRPr lang="zh-CN" altLang="en-US"/>
+          </a:p>
+          <a:p>
+            <a:pPr marL="457200" indent="-457200">
+              <a:buFont typeface="+mj-lt"/>
+              <a:buAutoNum type="arabicPeriod"/>
+            </a:pPr>
+            <a:endParaRPr lang="zh-CN" altLang="en-US"/>
+          </a:p>
+          <a:p>
+            <a:pPr marL="457200" indent="-457200">
+              <a:buFont typeface="+mj-lt"/>
+              <a:buAutoNum type="arabicPeriod"/>
+            </a:pPr>
+            <a:r>
+              <a:rPr lang="zh-CN" altLang="en-US"/>
+              <a:t>主要使用 </a:t>
+            </a:r>
+            <a:r>
+              <a:rPr lang="en-US" altLang="zh-CN"/>
+              <a:t>WebSocket </a:t>
+            </a:r>
+            <a:r>
+              <a:rPr lang="zh-CN" altLang="en-US"/>
+              <a:t>协议</a:t>
+            </a:r>
+            <a:endParaRPr lang="zh-CN" altLang="en-US"/>
+          </a:p>
+          <a:p>
+            <a:pPr marL="457200" indent="-457200">
+              <a:buFont typeface="+mj-lt"/>
+              <a:buAutoNum type="arabicPeriod"/>
+            </a:pPr>
+            <a:endParaRPr lang="zh-CN" altLang="en-US"/>
+          </a:p>
+          <a:p>
+            <a:pPr marL="457200" indent="-457200">
+              <a:buFont typeface="+mj-lt"/>
+              <a:buAutoNum type="arabicPeriod"/>
+            </a:pPr>
+            <a:r>
+              <a:rPr lang="zh-CN" altLang="en-US"/>
+              <a:t>事件驱动</a:t>
+            </a:r>
+            <a:endParaRPr lang="zh-CN" altLang="en-US"/>
+          </a:p>
+        </p:txBody>
+      </p:sp>
+    </p:spTree>
+  </p:cSld>
+  <p:clrMapOvr>
+    <a:masterClrMapping/>
+  </p:clrMapOvr>
+</p:sld>
+</file>
+
+<file path=ppt/slides/slide12.xml><?xml version="1.0" encoding="utf-8"?>
+<p:sld xmlns:a="http://schemas.openxmlformats.org/drawingml/2006/main" xmlns:r="http://schemas.openxmlformats.org/officeDocument/2006/relationships" xmlns:p="http://schemas.openxmlformats.org/presentationml/2006/main">
+  <p:cSld>
+    <p:spTree>
+      <p:nvGrpSpPr>
+        <p:cNvPr id="1" name=""/>
+        <p:cNvGrpSpPr/>
+        <p:nvPr/>
+      </p:nvGrpSpPr>
+      <p:grpSpPr/>
+      <p:sp>
+        <p:nvSpPr>
+          <p:cNvPr id="2" name="标题 1"/>
+          <p:cNvSpPr>
+            <a:spLocks noGrp="1"/>
+          </p:cNvSpPr>
+          <p:nvPr>
+            <p:ph type="title"/>
+          </p:nvPr>
+        </p:nvSpPr>
+        <p:spPr/>
+        <p:txBody>
+          <a:bodyPr/>
+          <a:p>
+            <a:r>
+              <a:rPr lang="en-US" altLang="zh-CN">
+                <a:solidFill>
+                  <a:schemeClr val="tx1"/>
+                </a:solidFill>
+                <a:effectLst>
+                  <a:outerShdw blurRad="38100" dist="19050" dir="2700000" algn="tl" rotWithShape="0">
+                    <a:schemeClr val="dk1">
+                      <a:alpha val="40000"/>
+                    </a:schemeClr>
+                  </a:outerShdw>
+                </a:effectLst>
+              </a:rPr>
+              <a:t>socket.io</a:t>
+            </a:r>
+            <a:endParaRPr lang="en-US" altLang="zh-CN">
+              <a:solidFill>
+                <a:schemeClr val="tx1"/>
+              </a:solidFill>
+              <a:effectLst>
+                <a:outerShdw blurRad="38100" dist="19050" dir="2700000" algn="tl" rotWithShape="0">
+                  <a:schemeClr val="dk1">
+                    <a:alpha val="40000"/>
+                  </a:schemeClr>
+                </a:outerShdw>
+              </a:effectLst>
+            </a:endParaRPr>
+          </a:p>
+        </p:txBody>
+      </p:sp>
+      <p:sp>
+        <p:nvSpPr>
+          <p:cNvPr id="3" name="内容占位符 2"/>
+          <p:cNvSpPr>
+            <a:spLocks noGrp="1"/>
+          </p:cNvSpPr>
+          <p:nvPr>
+            <p:ph idx="1"/>
+          </p:nvPr>
+        </p:nvSpPr>
+        <p:spPr/>
+        <p:txBody>
+          <a:bodyPr>
+            <a:normAutofit fontScale="50000"/>
+          </a:bodyPr>
+          <a:p>
+            <a:pPr marL="457200" indent="-457200">
+              <a:buFont typeface="+mj-lt"/>
+              <a:buAutoNum type="arabicPeriod"/>
+            </a:pPr>
+            <a:r>
+              <a:rPr lang="zh-CN" altLang="en-US"/>
+              <a:t>当 </a:t>
+            </a:r>
+            <a:r>
+              <a:rPr lang="en-US" altLang="zh-CN"/>
+              <a:t>socket </a:t>
+            </a:r>
+            <a:r>
+              <a:rPr lang="zh-CN" altLang="en-US"/>
+              <a:t>被创建的时候，会向 服务端发送一个  </a:t>
+            </a:r>
+            <a:r>
+              <a:rPr lang="en-US" altLang="zh-CN"/>
+              <a:t>connection </a:t>
+            </a:r>
+            <a:r>
+              <a:rPr lang="zh-CN" altLang="en-US"/>
+              <a:t>的事件，服务端会监听到 </a:t>
+            </a:r>
+            <a:r>
+              <a:rPr lang="en-US" altLang="zh-CN"/>
+              <a:t>connection </a:t>
+            </a:r>
+            <a:r>
+              <a:rPr lang="zh-CN" altLang="en-US"/>
+              <a:t>事件； （此时建立链接</a:t>
+            </a:r>
+            <a:r>
+              <a:rPr lang="zh-CN" altLang="en-US"/>
+              <a:t>）</a:t>
+            </a:r>
+            <a:endParaRPr lang="zh-CN" altLang="en-US"/>
+          </a:p>
+          <a:p>
+            <a:pPr marL="457200" indent="-457200">
+              <a:buFont typeface="+mj-lt"/>
+              <a:buAutoNum type="arabicPeriod"/>
+            </a:pPr>
+            <a:r>
+              <a:rPr lang="zh-CN" altLang="en-US"/>
+              <a:t>自定义事件</a:t>
+            </a:r>
+            <a:endParaRPr lang="zh-CN" altLang="en-US"/>
+          </a:p>
+          <a:p>
+            <a:pPr marL="0" indent="0">
+              <a:buFont typeface="+mj-lt"/>
+              <a:buNone/>
+            </a:pPr>
+            <a:r>
+              <a:rPr lang="en-US" altLang="zh-CN"/>
+              <a:t>	</a:t>
+            </a:r>
+            <a:r>
+              <a:rPr lang="zh-CN" altLang="en-US"/>
+              <a:t>客户端：</a:t>
+            </a:r>
+            <a:endParaRPr lang="zh-CN" altLang="en-US"/>
+          </a:p>
+          <a:p>
+            <a:pPr marL="0" indent="0">
+              <a:buFont typeface="+mj-lt"/>
+              <a:buNone/>
+            </a:pPr>
+            <a:r>
+              <a:rPr lang="en-US" altLang="zh-CN"/>
+              <a:t>	</a:t>
+            </a:r>
+            <a:r>
+              <a:rPr lang="en-US" altLang="zh-CN"/>
+              <a:t>socket.emit('chat', data)</a:t>
+            </a:r>
+            <a:endParaRPr lang="en-US" altLang="zh-CN"/>
+          </a:p>
+          <a:p>
+            <a:pPr marL="0" indent="0">
+              <a:buFont typeface="+mj-lt"/>
+              <a:buNone/>
+            </a:pPr>
+            <a:r>
+              <a:rPr lang="en-US" altLang="zh-CN"/>
+              <a:t>	</a:t>
+            </a:r>
+            <a:r>
+              <a:rPr lang="en-US" altLang="zh-CN">
+                <a:sym typeface="+mn-ea"/>
+              </a:rPr>
+              <a:t>socket.on('outputchat', data =&gt; {</a:t>
+            </a:r>
+            <a:br>
+              <a:rPr lang="en-US" altLang="zh-CN">
+                <a:sym typeface="+mn-ea"/>
+              </a:rPr>
+            </a:br>
+            <a:r>
+              <a:rPr lang="en-US" altLang="zh-CN">
+                <a:sym typeface="+mn-ea"/>
+              </a:rPr>
+              <a:t>		// </a:t>
+            </a:r>
+            <a:r>
+              <a:rPr lang="zh-CN" altLang="en-US">
+                <a:sym typeface="+mn-ea"/>
+              </a:rPr>
+              <a:t>监听来自服务端发送的 自定义事件， 处理</a:t>
+            </a:r>
+            <a:r>
+              <a:rPr lang="en-US" altLang="zh-CN">
+                <a:sym typeface="+mn-ea"/>
+              </a:rPr>
+              <a:t>data</a:t>
+            </a:r>
+            <a:br>
+              <a:rPr lang="en-US" altLang="zh-CN">
+                <a:sym typeface="+mn-ea"/>
+              </a:rPr>
+            </a:br>
+            <a:r>
+              <a:rPr lang="en-US" altLang="zh-CN">
+                <a:sym typeface="+mn-ea"/>
+              </a:rPr>
+              <a:t>	})</a:t>
+            </a:r>
+            <a:endParaRPr lang="zh-CN" altLang="en-US">
+              <a:sym typeface="+mn-ea"/>
+            </a:endParaRPr>
+          </a:p>
+          <a:p>
+            <a:pPr marL="0" indent="0">
+              <a:buFont typeface="+mj-lt"/>
+              <a:buNone/>
+            </a:pPr>
+            <a:r>
+              <a:rPr lang="en-US" altLang="zh-CN"/>
+              <a:t>	</a:t>
+            </a:r>
+            <a:r>
+              <a:rPr lang="zh-CN" altLang="en-US"/>
+              <a:t>服务端：   </a:t>
+            </a:r>
+            <a:r>
+              <a:rPr lang="en-US" altLang="zh-CN"/>
+              <a:t>	 </a:t>
+            </a:r>
+            <a:endParaRPr lang="en-US" altLang="zh-CN"/>
+          </a:p>
+          <a:p>
+            <a:pPr marL="0" indent="0">
+              <a:buFont typeface="+mj-lt"/>
+              <a:buNone/>
+            </a:pPr>
+            <a:r>
+              <a:rPr lang="en-US" altLang="zh-CN"/>
+              <a:t>	io.on('connection', socket =&gt; {</a:t>
+            </a:r>
+            <a:br>
+              <a:rPr lang="en-US" altLang="zh-CN"/>
+            </a:br>
+            <a:r>
+              <a:rPr lang="en-US" altLang="zh-CN"/>
+              <a:t>		socket.on('chat', data =&gt; {</a:t>
+            </a:r>
+            <a:endParaRPr lang="en-US" altLang="zh-CN"/>
+          </a:p>
+          <a:p>
+            <a:pPr marL="0" indent="0">
+              <a:buFont typeface="+mj-lt"/>
+              <a:buNone/>
+            </a:pPr>
+            <a:r>
+              <a:rPr lang="en-US" altLang="zh-CN"/>
+              <a:t>			io.emit('outputchat', data)</a:t>
+            </a:r>
+            <a:endParaRPr lang="en-US" altLang="zh-CN"/>
+          </a:p>
+          <a:p>
+            <a:pPr marL="0" indent="0">
+              <a:buFont typeface="+mj-lt"/>
+              <a:buNone/>
+            </a:pPr>
+            <a:r>
+              <a:rPr lang="en-US" altLang="zh-CN"/>
+              <a:t>			// </a:t>
+            </a:r>
+            <a:r>
+              <a:rPr lang="zh-CN" altLang="en-US"/>
+              <a:t>处理客户端自定义事件</a:t>
+            </a:r>
+            <a:endParaRPr lang="zh-CN" altLang="en-US"/>
+          </a:p>
+          <a:p>
+            <a:pPr marL="0" indent="0">
+              <a:buFont typeface="+mj-lt"/>
+              <a:buNone/>
+            </a:pPr>
+            <a:r>
+              <a:rPr lang="en-US" altLang="zh-CN"/>
+              <a:t>		})</a:t>
+            </a:r>
+            <a:br>
+              <a:rPr lang="en-US" altLang="zh-CN"/>
+            </a:br>
+            <a:r>
+              <a:rPr lang="en-US" altLang="zh-CN"/>
+              <a:t>	})</a:t>
+            </a:r>
+            <a:endParaRPr lang="en-US" altLang="zh-CN"/>
+          </a:p>
+        </p:txBody>
+      </p:sp>
+    </p:spTree>
+  </p:cSld>
+  <p:clrMapOvr>
+    <a:masterClrMapping/>
+  </p:clrMapOvr>
+</p:sld>
+</file>
+
+<file path=ppt/slides/slide13.xml><?xml version="1.0" encoding="utf-8"?>
+<p:sld xmlns:a="http://schemas.openxmlformats.org/drawingml/2006/main" xmlns:r="http://schemas.openxmlformats.org/officeDocument/2006/relationships" xmlns:p="http://schemas.openxmlformats.org/presentationml/2006/main">
+  <p:cSld>
+    <p:spTree>
+      <p:nvGrpSpPr>
+        <p:cNvPr id="1" name=""/>
+        <p:cNvGrpSpPr/>
+        <p:nvPr/>
+      </p:nvGrpSpPr>
+      <p:grpSpPr/>
+      <p:sp>
+        <p:nvSpPr>
           <p:cNvPr id="4" name="矩形 3"/>
           <p:cNvSpPr/>
           <p:nvPr/>
         </p:nvSpPr>
         <p:spPr>
           <a:xfrm>
-            <a:off x="1480820" y="972185"/>
-            <a:ext cx="4367530" cy="5648325"/>
+            <a:off x="1038225" y="972185"/>
+            <a:ext cx="3658870" cy="5753735"/>
           </a:xfrm>
           <a:prstGeom prst="rect">
             <a:avLst/>
@@ -3901,8 +4117,8 @@
         </p:nvSpPr>
         <p:spPr>
           <a:xfrm>
-            <a:off x="6349365" y="972185"/>
-            <a:ext cx="4652645" cy="5648325"/>
+            <a:off x="7821930" y="972185"/>
+            <a:ext cx="3719830" cy="5753735"/>
           </a:xfrm>
           <a:prstGeom prst="rect">
             <a:avLst/>
@@ -4020,7 +4236,7 @@
         </p:nvSpPr>
         <p:spPr>
           <a:xfrm>
-            <a:off x="1967865" y="1377950"/>
+            <a:off x="1967865" y="1152525"/>
             <a:ext cx="2066290" cy="450850"/>
           </a:xfrm>
           <a:prstGeom prst="rect">
@@ -4094,6 +4310,174 @@
           </a:p>
         </p:txBody>
       </p:sp>
+      <p:pic>
+        <p:nvPicPr>
+          <p:cNvPr id="11" name="图片 10"/>
+          <p:cNvPicPr>
+            <a:picLocks noChangeAspect="1"/>
+          </p:cNvPicPr>
+          <p:nvPr/>
+        </p:nvPicPr>
+        <p:blipFill>
+          <a:blip r:embed="rId1"/>
+          <a:stretch>
+            <a:fillRect/>
+          </a:stretch>
+        </p:blipFill>
+        <p:spPr>
+          <a:xfrm>
+            <a:off x="1971675" y="2136140"/>
+            <a:ext cx="2066290" cy="672465"/>
+          </a:xfrm>
+          <a:prstGeom prst="rect">
+            <a:avLst/>
+          </a:prstGeom>
+        </p:spPr>
+      </p:pic>
+      <p:pic>
+        <p:nvPicPr>
+          <p:cNvPr id="12" name="图片 11"/>
+          <p:cNvPicPr>
+            <a:picLocks noChangeAspect="1"/>
+          </p:cNvPicPr>
+          <p:nvPr/>
+        </p:nvPicPr>
+        <p:blipFill>
+          <a:blip r:embed="rId2"/>
+          <a:stretch>
+            <a:fillRect/>
+          </a:stretch>
+        </p:blipFill>
+        <p:spPr>
+          <a:xfrm>
+            <a:off x="8444230" y="2209800"/>
+            <a:ext cx="2067560" cy="793115"/>
+          </a:xfrm>
+          <a:prstGeom prst="rect">
+            <a:avLst/>
+          </a:prstGeom>
+        </p:spPr>
+      </p:pic>
+      <p:pic>
+        <p:nvPicPr>
+          <p:cNvPr id="13" name="图片 12"/>
+          <p:cNvPicPr>
+            <a:picLocks noChangeAspect="1"/>
+          </p:cNvPicPr>
+          <p:nvPr/>
+        </p:nvPicPr>
+        <p:blipFill>
+          <a:blip r:embed="rId3"/>
+          <a:stretch>
+            <a:fillRect/>
+          </a:stretch>
+        </p:blipFill>
+        <p:spPr>
+          <a:xfrm>
+            <a:off x="8445500" y="5354955"/>
+            <a:ext cx="2066290" cy="786130"/>
+          </a:xfrm>
+          <a:prstGeom prst="rect">
+            <a:avLst/>
+          </a:prstGeom>
+        </p:spPr>
+      </p:pic>
+      <p:pic>
+        <p:nvPicPr>
+          <p:cNvPr id="14" name="图片 13"/>
+          <p:cNvPicPr>
+            <a:picLocks noChangeAspect="1"/>
+          </p:cNvPicPr>
+          <p:nvPr/>
+        </p:nvPicPr>
+        <p:blipFill>
+          <a:blip r:embed="rId4"/>
+          <a:stretch>
+            <a:fillRect/>
+          </a:stretch>
+        </p:blipFill>
+        <p:spPr>
+          <a:xfrm>
+            <a:off x="2044065" y="3246120"/>
+            <a:ext cx="2066290" cy="676275"/>
+          </a:xfrm>
+          <a:prstGeom prst="rect">
+            <a:avLst/>
+          </a:prstGeom>
+        </p:spPr>
+      </p:pic>
+      <p:pic>
+        <p:nvPicPr>
+          <p:cNvPr id="15" name="图片 14"/>
+          <p:cNvPicPr>
+            <a:picLocks noChangeAspect="1"/>
+          </p:cNvPicPr>
+          <p:nvPr/>
+        </p:nvPicPr>
+        <p:blipFill>
+          <a:blip r:embed="rId5"/>
+          <a:stretch>
+            <a:fillRect/>
+          </a:stretch>
+        </p:blipFill>
+        <p:spPr>
+          <a:xfrm>
+            <a:off x="8444230" y="3462020"/>
+            <a:ext cx="2065655" cy="773430"/>
+          </a:xfrm>
+          <a:prstGeom prst="rect">
+            <a:avLst/>
+          </a:prstGeom>
+        </p:spPr>
+      </p:pic>
+      <p:pic>
+        <p:nvPicPr>
+          <p:cNvPr id="16" name="图片 15"/>
+          <p:cNvPicPr>
+            <a:picLocks noChangeAspect="1"/>
+          </p:cNvPicPr>
+          <p:nvPr/>
+        </p:nvPicPr>
+        <p:blipFill>
+          <a:blip r:embed="rId6"/>
+          <a:stretch>
+            <a:fillRect/>
+          </a:stretch>
+        </p:blipFill>
+        <p:spPr>
+          <a:xfrm>
+            <a:off x="8442325" y="4525010"/>
+            <a:ext cx="2067560" cy="638175"/>
+          </a:xfrm>
+          <a:prstGeom prst="rect">
+            <a:avLst/>
+          </a:prstGeom>
+        </p:spPr>
+      </p:pic>
+      <p:pic>
+        <p:nvPicPr>
+          <p:cNvPr id="17" name="图片 16"/>
+          <p:cNvPicPr>
+            <a:picLocks noChangeAspect="1"/>
+          </p:cNvPicPr>
+          <p:nvPr/>
+        </p:nvPicPr>
+        <p:blipFill>
+          <a:blip r:embed="rId7"/>
+          <a:stretch>
+            <a:fillRect/>
+          </a:stretch>
+        </p:blipFill>
+        <p:spPr>
+          <a:xfrm>
+            <a:off x="1971675" y="4442460"/>
+            <a:ext cx="2066290" cy="803910"/>
+          </a:xfrm>
+          <a:prstGeom prst="rect">
+            <a:avLst/>
+          </a:prstGeom>
+        </p:spPr>
+      </p:pic>
       <p:sp>
         <p:nvSpPr>
           <p:cNvPr id="2" name="文本框 1"/>
@@ -4102,8 +4486,8 @@
         </p:nvSpPr>
         <p:spPr>
           <a:xfrm>
-            <a:off x="6560185" y="2188845"/>
-            <a:ext cx="4250055" cy="3692525"/>
+            <a:off x="4615180" y="1778000"/>
+            <a:ext cx="3126105" cy="583565"/>
           </a:xfrm>
           <a:prstGeom prst="rect">
             <a:avLst/>
@@ -4116,118 +4500,110 @@
           </a:bodyPr>
           <a:p>
             <a:r>
-              <a:rPr lang="en-US" altLang="zh-CN"/>
-              <a:t>io.on('connection', function (socket) {</a:t>
-            </a:r>
-            <a:endParaRPr lang="en-US" altLang="zh-CN"/>
-          </a:p>
-          <a:p>
-            <a:r>
-              <a:rPr lang="en-US" altLang="zh-CN"/>
-              <a:t>      console.log('connected')</a:t>
-            </a:r>
-            <a:endParaRPr lang="en-US" altLang="zh-CN"/>
-          </a:p>
-          <a:p>
-            <a:endParaRPr lang="en-US" altLang="zh-CN"/>
-          </a:p>
-          <a:p>
-            <a:r>
-              <a:rPr lang="en-US" altLang="zh-CN"/>
-              <a:t>       socket.on('input', msg =&gt;  {</a:t>
-            </a:r>
-            <a:endParaRPr lang="en-US" altLang="zh-CN"/>
-          </a:p>
-          <a:p>
-            <a:r>
-              <a:rPr lang="en-US" altLang="zh-CN"/>
-              <a:t>	  console.log(msg + ' </a:t>
-            </a:r>
-            <a:r>
-              <a:rPr lang="zh-CN" altLang="en-US"/>
-              <a:t>来自客户端</a:t>
-            </a:r>
-            <a:r>
-              <a:rPr lang="en-US" altLang="zh-CN"/>
-              <a:t>	  </a:t>
-            </a:r>
-            <a:r>
-              <a:rPr lang="zh-CN" altLang="en-US"/>
-              <a:t>的自定义消息</a:t>
-            </a:r>
-            <a:r>
-              <a:rPr lang="en-US" altLang="zh-CN"/>
-              <a:t> ');</a:t>
-            </a:r>
-            <a:endParaRPr lang="en-US" altLang="zh-CN"/>
-          </a:p>
-          <a:p>
-            <a:r>
-              <a:rPr lang="en-US" altLang="zh-CN"/>
-              <a:t>        });</a:t>
-            </a:r>
-            <a:endParaRPr lang="en-US" altLang="zh-CN"/>
-          </a:p>
-          <a:p>
-            <a:r>
-              <a:rPr lang="en-US" altLang="zh-CN"/>
-              <a:t>	</a:t>
-            </a:r>
-            <a:endParaRPr lang="en-US" altLang="zh-CN"/>
-          </a:p>
-          <a:p>
-            <a:r>
-              <a:rPr lang="en-US" altLang="zh-CN"/>
-              <a:t>        io.emit('output', data);</a:t>
-            </a:r>
-            <a:endParaRPr lang="en-US" altLang="zh-CN"/>
-          </a:p>
-          <a:p>
-            <a:r>
-              <a:rPr lang="en-US" altLang="zh-CN"/>
-              <a:t>	// </a:t>
-            </a:r>
-            <a:r>
-              <a:rPr lang="zh-CN" altLang="en-US"/>
-              <a:t>此时的</a:t>
-            </a:r>
-            <a:r>
-              <a:rPr lang="en-US" altLang="zh-CN"/>
-              <a:t>data </a:t>
-            </a:r>
-            <a:r>
-              <a:rPr lang="zh-CN" altLang="en-US"/>
-              <a:t>是 来自客户端</a:t>
-            </a:r>
-            <a:r>
-              <a:rPr lang="en-US" altLang="zh-CN"/>
-              <a:t>msg </a:t>
-            </a:r>
-            <a:r>
-              <a:rPr lang="zh-CN" altLang="en-US"/>
-              <a:t>打包处理后的数据， 通过自定义事件发送给客户端</a:t>
-            </a:r>
-            <a:endParaRPr lang="en-US" altLang="zh-CN"/>
-          </a:p>
-          <a:p>
-            <a:r>
-              <a:rPr lang="en-US" altLang="zh-CN"/>
-              <a:t>})</a:t>
-            </a:r>
-            <a:endParaRPr lang="en-US" altLang="zh-CN"/>
-          </a:p>
-        </p:txBody>
-      </p:sp>
-      <p:sp>
-        <p:nvSpPr>
-          <p:cNvPr id="3" name="文本框 2"/>
+              <a:rPr lang="zh-CN" altLang="en-US" sz="1600"/>
+              <a:t>当</a:t>
+            </a:r>
+            <a:r>
+              <a:rPr lang="en-US" altLang="zh-CN" sz="1600"/>
+              <a:t>socket </a:t>
+            </a:r>
+            <a:r>
+              <a:rPr lang="zh-CN" altLang="en-US" sz="1600"/>
+              <a:t>被创建的会向服务端发送一个 </a:t>
+            </a:r>
+            <a:r>
+              <a:rPr lang="en-US" altLang="zh-CN" sz="1600"/>
+              <a:t>connection </a:t>
+            </a:r>
+            <a:r>
+              <a:rPr lang="zh-CN" altLang="en-US" sz="1600"/>
+              <a:t>事件</a:t>
+            </a:r>
+            <a:endParaRPr lang="zh-CN" altLang="en-US" sz="1600"/>
+          </a:p>
+        </p:txBody>
+      </p:sp>
+      <p:cxnSp>
+        <p:nvCxnSpPr>
+          <p:cNvPr id="3" name="直接箭头连接符 2"/>
+          <p:cNvCxnSpPr>
+            <a:stCxn id="8" idx="3"/>
+            <a:endCxn id="8" idx="3"/>
+          </p:cNvCxnSpPr>
+          <p:nvPr/>
+        </p:nvCxnSpPr>
+        <p:spPr>
+          <a:xfrm>
+            <a:off x="4034155" y="1377950"/>
+            <a:ext cx="0" cy="0"/>
+          </a:xfrm>
+          <a:prstGeom prst="straightConnector1">
+            <a:avLst/>
+          </a:prstGeom>
+          <a:ln>
+            <a:tailEnd type="arrow"/>
+          </a:ln>
+        </p:spPr>
+        <p:style>
+          <a:lnRef idx="1">
+            <a:schemeClr val="accent1"/>
+          </a:lnRef>
+          <a:fillRef idx="0">
+            <a:schemeClr val="accent1"/>
+          </a:fillRef>
+          <a:effectRef idx="0">
+            <a:schemeClr val="accent1"/>
+          </a:effectRef>
+          <a:fontRef idx="minor">
+            <a:schemeClr val="tx1"/>
+          </a:fontRef>
+        </p:style>
+      </p:cxnSp>
+      <p:cxnSp>
+        <p:nvCxnSpPr>
+          <p:cNvPr id="10" name="直接箭头连接符 9"/>
+          <p:cNvCxnSpPr>
+            <a:stCxn id="11" idx="3"/>
+          </p:cNvCxnSpPr>
+          <p:nvPr/>
+        </p:nvCxnSpPr>
+        <p:spPr>
+          <a:xfrm>
+            <a:off x="4037965" y="2472690"/>
+            <a:ext cx="4288155" cy="98425"/>
+          </a:xfrm>
+          <a:prstGeom prst="straightConnector1">
+            <a:avLst/>
+          </a:prstGeom>
+          <a:ln>
+            <a:tailEnd type="arrow"/>
+          </a:ln>
+        </p:spPr>
+        <p:style>
+          <a:lnRef idx="1">
+            <a:schemeClr val="accent1"/>
+          </a:lnRef>
+          <a:fillRef idx="0">
+            <a:schemeClr val="accent1"/>
+          </a:fillRef>
+          <a:effectRef idx="0">
+            <a:schemeClr val="accent1"/>
+          </a:effectRef>
+          <a:fontRef idx="minor">
+            <a:schemeClr val="tx1"/>
+          </a:fontRef>
+        </p:style>
+      </p:cxnSp>
+      <p:sp>
+        <p:nvSpPr>
+          <p:cNvPr id="18" name="文本框 17"/>
           <p:cNvSpPr txBox="1"/>
           <p:nvPr/>
         </p:nvSpPr>
         <p:spPr>
           <a:xfrm>
-            <a:off x="1493520" y="2378710"/>
-            <a:ext cx="4354195" cy="2030095"/>
+            <a:off x="4697095" y="2887345"/>
+            <a:ext cx="3125470" cy="460375"/>
           </a:xfrm>
           <a:prstGeom prst="rect">
             <a:avLst/>
@@ -4240,6 +4616,639 @@
           </a:bodyPr>
           <a:p>
             <a:r>
+              <a:rPr lang="zh-CN" altLang="en-US" sz="1200"/>
+              <a:t>支持自定义事件</a:t>
+            </a:r>
+            <a:endParaRPr lang="zh-CN" altLang="en-US" sz="1200"/>
+          </a:p>
+          <a:p>
+            <a:r>
+              <a:rPr lang="en-US" altLang="zh-CN" sz="1200"/>
+              <a:t>socket.emit('</a:t>
+            </a:r>
+            <a:r>
+              <a:rPr lang="zh-CN" altLang="en-US" sz="1200"/>
+              <a:t>自定义事件名</a:t>
+            </a:r>
+            <a:r>
+              <a:rPr lang="en-US" altLang="zh-CN" sz="1200"/>
+              <a:t>', data )</a:t>
+            </a:r>
+            <a:endParaRPr lang="en-US" altLang="zh-CN" sz="1200"/>
+          </a:p>
+        </p:txBody>
+      </p:sp>
+      <p:cxnSp>
+        <p:nvCxnSpPr>
+          <p:cNvPr id="19" name="直接箭头连接符 18"/>
+          <p:cNvCxnSpPr>
+            <a:stCxn id="14" idx="3"/>
+          </p:cNvCxnSpPr>
+          <p:nvPr/>
+        </p:nvCxnSpPr>
+        <p:spPr>
+          <a:xfrm>
+            <a:off x="4110355" y="3584575"/>
+            <a:ext cx="4258310" cy="251460"/>
+          </a:xfrm>
+          <a:prstGeom prst="straightConnector1">
+            <a:avLst/>
+          </a:prstGeom>
+          <a:ln>
+            <a:tailEnd type="arrow"/>
+          </a:ln>
+        </p:spPr>
+        <p:style>
+          <a:lnRef idx="1">
+            <a:schemeClr val="accent1"/>
+          </a:lnRef>
+          <a:fillRef idx="0">
+            <a:schemeClr val="accent1"/>
+          </a:fillRef>
+          <a:effectRef idx="0">
+            <a:schemeClr val="accent1"/>
+          </a:effectRef>
+          <a:fontRef idx="minor">
+            <a:schemeClr val="tx1"/>
+          </a:fontRef>
+        </p:style>
+      </p:cxnSp>
+      <p:cxnSp>
+        <p:nvCxnSpPr>
+          <p:cNvPr id="20" name="直接箭头连接符 19"/>
+          <p:cNvCxnSpPr>
+            <a:stCxn id="15" idx="2"/>
+            <a:endCxn id="16" idx="0"/>
+          </p:cNvCxnSpPr>
+          <p:nvPr/>
+        </p:nvCxnSpPr>
+        <p:spPr>
+          <a:xfrm flipH="1">
+            <a:off x="9476105" y="4235450"/>
+            <a:ext cx="1270" cy="289560"/>
+          </a:xfrm>
+          <a:prstGeom prst="straightConnector1">
+            <a:avLst/>
+          </a:prstGeom>
+          <a:ln>
+            <a:tailEnd type="arrow"/>
+          </a:ln>
+        </p:spPr>
+        <p:style>
+          <a:lnRef idx="1">
+            <a:schemeClr val="accent1"/>
+          </a:lnRef>
+          <a:fillRef idx="0">
+            <a:schemeClr val="accent1"/>
+          </a:fillRef>
+          <a:effectRef idx="0">
+            <a:schemeClr val="accent1"/>
+          </a:effectRef>
+          <a:fontRef idx="minor">
+            <a:schemeClr val="tx1"/>
+          </a:fontRef>
+        </p:style>
+      </p:cxnSp>
+      <p:cxnSp>
+        <p:nvCxnSpPr>
+          <p:cNvPr id="21" name="直接箭头连接符 20"/>
+          <p:cNvCxnSpPr>
+            <a:stCxn id="16" idx="1"/>
+          </p:cNvCxnSpPr>
+          <p:nvPr/>
+        </p:nvCxnSpPr>
+        <p:spPr>
+          <a:xfrm flipH="1">
+            <a:off x="4137025" y="4844415"/>
+            <a:ext cx="4305300" cy="94615"/>
+          </a:xfrm>
+          <a:prstGeom prst="straightConnector1">
+            <a:avLst/>
+          </a:prstGeom>
+          <a:ln>
+            <a:tailEnd type="arrow"/>
+          </a:ln>
+        </p:spPr>
+        <p:style>
+          <a:lnRef idx="1">
+            <a:schemeClr val="accent1"/>
+          </a:lnRef>
+          <a:fillRef idx="0">
+            <a:schemeClr val="accent1"/>
+          </a:fillRef>
+          <a:effectRef idx="0">
+            <a:schemeClr val="accent1"/>
+          </a:effectRef>
+          <a:fontRef idx="minor">
+            <a:schemeClr val="tx1"/>
+          </a:fontRef>
+        </p:style>
+      </p:cxnSp>
+      <p:sp>
+        <p:nvSpPr>
+          <p:cNvPr id="22" name="文本框 21"/>
+          <p:cNvSpPr txBox="1"/>
+          <p:nvPr/>
+        </p:nvSpPr>
+        <p:spPr>
+          <a:xfrm>
+            <a:off x="9919335" y="4249420"/>
+            <a:ext cx="1622425" cy="275590"/>
+          </a:xfrm>
+          <a:prstGeom prst="rect">
+            <a:avLst/>
+          </a:prstGeom>
+          <a:noFill/>
+        </p:spPr>
+        <p:txBody>
+          <a:bodyPr wrap="square" rtlCol="0">
+            <a:spAutoFit/>
+          </a:bodyPr>
+          <a:p>
+            <a:r>
+              <a:rPr lang="zh-CN" altLang="en-US" sz="1200"/>
+              <a:t>服务端数据处理过程</a:t>
+            </a:r>
+            <a:endParaRPr lang="zh-CN" altLang="en-US" sz="1200"/>
+          </a:p>
+        </p:txBody>
+      </p:sp>
+      <p:sp>
+        <p:nvSpPr>
+          <p:cNvPr id="23" name="文本框 22"/>
+          <p:cNvSpPr txBox="1"/>
+          <p:nvPr/>
+        </p:nvSpPr>
+        <p:spPr>
+          <a:xfrm>
+            <a:off x="4655820" y="4525010"/>
+            <a:ext cx="3207385" cy="337185"/>
+          </a:xfrm>
+          <a:prstGeom prst="rect">
+            <a:avLst/>
+          </a:prstGeom>
+          <a:noFill/>
+        </p:spPr>
+        <p:txBody>
+          <a:bodyPr wrap="square" rtlCol="0">
+            <a:spAutoFit/>
+          </a:bodyPr>
+          <a:p>
+            <a:r>
+              <a:rPr lang="en-US" altLang="zh-CN" sz="1600"/>
+              <a:t>io.emit('</a:t>
+            </a:r>
+            <a:r>
+              <a:rPr lang="zh-CN" altLang="en-US" sz="1600"/>
+              <a:t>自定义事件名</a:t>
+            </a:r>
+            <a:r>
+              <a:rPr lang="en-US" altLang="zh-CN" sz="1600"/>
+              <a:t>', data)</a:t>
+            </a:r>
+            <a:endParaRPr lang="en-US" altLang="zh-CN" sz="1600"/>
+          </a:p>
+        </p:txBody>
+      </p:sp>
+      <p:sp>
+        <p:nvSpPr>
+          <p:cNvPr id="24" name="文本框 23"/>
+          <p:cNvSpPr txBox="1"/>
+          <p:nvPr/>
+        </p:nvSpPr>
+        <p:spPr>
+          <a:xfrm>
+            <a:off x="1038225" y="5354955"/>
+            <a:ext cx="2706370" cy="275590"/>
+          </a:xfrm>
+          <a:prstGeom prst="rect">
+            <a:avLst/>
+          </a:prstGeom>
+          <a:noFill/>
+        </p:spPr>
+        <p:txBody>
+          <a:bodyPr wrap="square" rtlCol="0">
+            <a:spAutoFit/>
+          </a:bodyPr>
+          <a:p>
+            <a:r>
+              <a:rPr lang="zh-CN" altLang="en-US" sz="1200"/>
+              <a:t>客户端处理数据 </a:t>
+            </a:r>
+            <a:r>
+              <a:rPr lang="en-US" altLang="zh-CN" sz="1200"/>
+              <a:t>ui </a:t>
+            </a:r>
+            <a:r>
+              <a:rPr lang="zh-CN" altLang="en-US" sz="1200"/>
+              <a:t>界面展示</a:t>
+            </a:r>
+            <a:endParaRPr lang="zh-CN" altLang="en-US" sz="1200"/>
+          </a:p>
+        </p:txBody>
+      </p:sp>
+    </p:spTree>
+  </p:cSld>
+  <p:clrMapOvr>
+    <a:masterClrMapping/>
+  </p:clrMapOvr>
+</p:sld>
+</file>
+
+<file path=ppt/slides/slide14.xml><?xml version="1.0" encoding="utf-8"?>
+<p:sld xmlns:a="http://schemas.openxmlformats.org/drawingml/2006/main" xmlns:r="http://schemas.openxmlformats.org/officeDocument/2006/relationships" xmlns:p="http://schemas.openxmlformats.org/presentationml/2006/main">
+  <p:cSld>
+    <p:spTree>
+      <p:nvGrpSpPr>
+        <p:cNvPr id="1" name=""/>
+        <p:cNvGrpSpPr/>
+        <p:nvPr/>
+      </p:nvGrpSpPr>
+      <p:grpSpPr/>
+      <p:sp>
+        <p:nvSpPr>
+          <p:cNvPr id="4" name="矩形 3"/>
+          <p:cNvSpPr/>
+          <p:nvPr/>
+        </p:nvSpPr>
+        <p:spPr>
+          <a:xfrm>
+            <a:off x="1480820" y="972185"/>
+            <a:ext cx="4367530" cy="5648325"/>
+          </a:xfrm>
+          <a:prstGeom prst="rect">
+            <a:avLst/>
+          </a:prstGeom>
+        </p:spPr>
+        <p:style>
+          <a:lnRef idx="2">
+            <a:schemeClr val="accent6"/>
+          </a:lnRef>
+          <a:fillRef idx="1">
+            <a:schemeClr val="lt1"/>
+          </a:fillRef>
+          <a:effectRef idx="0">
+            <a:schemeClr val="accent6"/>
+          </a:effectRef>
+          <a:fontRef idx="minor">
+            <a:schemeClr val="dk1"/>
+          </a:fontRef>
+        </p:style>
+        <p:txBody>
+          <a:bodyPr rtlCol="0" anchor="ctr"/>
+          <a:p>
+            <a:pPr algn="ctr"/>
+            <a:endParaRPr lang="zh-CN" altLang="en-US"/>
+          </a:p>
+        </p:txBody>
+      </p:sp>
+      <p:sp>
+        <p:nvSpPr>
+          <p:cNvPr id="5" name="矩形 4"/>
+          <p:cNvSpPr/>
+          <p:nvPr/>
+        </p:nvSpPr>
+        <p:spPr>
+          <a:xfrm>
+            <a:off x="6349365" y="972185"/>
+            <a:ext cx="4652645" cy="5648325"/>
+          </a:xfrm>
+          <a:prstGeom prst="rect">
+            <a:avLst/>
+          </a:prstGeom>
+        </p:spPr>
+        <p:style>
+          <a:lnRef idx="2">
+            <a:schemeClr val="accent6"/>
+          </a:lnRef>
+          <a:fillRef idx="1">
+            <a:schemeClr val="lt1"/>
+          </a:fillRef>
+          <a:effectRef idx="0">
+            <a:schemeClr val="accent6"/>
+          </a:effectRef>
+          <a:fontRef idx="minor">
+            <a:schemeClr val="dk1"/>
+          </a:fontRef>
+        </p:style>
+        <p:txBody>
+          <a:bodyPr rtlCol="0" anchor="ctr"/>
+          <a:p>
+            <a:pPr algn="ctr"/>
+            <a:endParaRPr lang="zh-CN" altLang="en-US"/>
+          </a:p>
+        </p:txBody>
+      </p:sp>
+      <p:sp>
+        <p:nvSpPr>
+          <p:cNvPr id="6" name="矩形 5"/>
+          <p:cNvSpPr/>
+          <p:nvPr/>
+        </p:nvSpPr>
+        <p:spPr>
+          <a:xfrm>
+            <a:off x="1971675" y="394335"/>
+            <a:ext cx="2066290" cy="450850"/>
+          </a:xfrm>
+          <a:prstGeom prst="rect">
+            <a:avLst/>
+          </a:prstGeom>
+        </p:spPr>
+        <p:style>
+          <a:lnRef idx="2">
+            <a:schemeClr val="accent6"/>
+          </a:lnRef>
+          <a:fillRef idx="1">
+            <a:schemeClr val="lt1"/>
+          </a:fillRef>
+          <a:effectRef idx="0">
+            <a:schemeClr val="accent6"/>
+          </a:effectRef>
+          <a:fontRef idx="minor">
+            <a:schemeClr val="dk1"/>
+          </a:fontRef>
+        </p:style>
+        <p:txBody>
+          <a:bodyPr rtlCol="0" anchor="ctr"/>
+          <a:p>
+            <a:pPr algn="ctr"/>
+            <a:r>
+              <a:rPr lang="en-US" altLang="zh-CN"/>
+              <a:t>clint </a:t>
+            </a:r>
+            <a:endParaRPr lang="en-US" altLang="zh-CN"/>
+          </a:p>
+        </p:txBody>
+      </p:sp>
+      <p:sp>
+        <p:nvSpPr>
+          <p:cNvPr id="7" name="矩形 6"/>
+          <p:cNvSpPr/>
+          <p:nvPr/>
+        </p:nvSpPr>
+        <p:spPr>
+          <a:xfrm>
+            <a:off x="8444865" y="300355"/>
+            <a:ext cx="2066290" cy="450850"/>
+          </a:xfrm>
+          <a:prstGeom prst="rect">
+            <a:avLst/>
+          </a:prstGeom>
+        </p:spPr>
+        <p:style>
+          <a:lnRef idx="2">
+            <a:schemeClr val="accent6"/>
+          </a:lnRef>
+          <a:fillRef idx="1">
+            <a:schemeClr val="lt1"/>
+          </a:fillRef>
+          <a:effectRef idx="0">
+            <a:schemeClr val="accent6"/>
+          </a:effectRef>
+          <a:fontRef idx="minor">
+            <a:schemeClr val="dk1"/>
+          </a:fontRef>
+        </p:style>
+        <p:txBody>
+          <a:bodyPr rtlCol="0" anchor="ctr"/>
+          <a:p>
+            <a:pPr algn="ctr"/>
+            <a:r>
+              <a:rPr lang="en-US" altLang="zh-CN"/>
+              <a:t>Server</a:t>
+            </a:r>
+            <a:endParaRPr lang="en-US" altLang="zh-CN"/>
+          </a:p>
+        </p:txBody>
+      </p:sp>
+      <p:sp>
+        <p:nvSpPr>
+          <p:cNvPr id="8" name="矩形 7"/>
+          <p:cNvSpPr/>
+          <p:nvPr/>
+        </p:nvSpPr>
+        <p:spPr>
+          <a:xfrm>
+            <a:off x="1967865" y="1377950"/>
+            <a:ext cx="2066290" cy="450850"/>
+          </a:xfrm>
+          <a:prstGeom prst="rect">
+            <a:avLst/>
+          </a:prstGeom>
+        </p:spPr>
+        <p:style>
+          <a:lnRef idx="2">
+            <a:schemeClr val="accent6"/>
+          </a:lnRef>
+          <a:fillRef idx="1">
+            <a:schemeClr val="lt1"/>
+          </a:fillRef>
+          <a:effectRef idx="0">
+            <a:schemeClr val="accent6"/>
+          </a:effectRef>
+          <a:fontRef idx="minor">
+            <a:schemeClr val="dk1"/>
+          </a:fontRef>
+        </p:style>
+        <p:txBody>
+          <a:bodyPr rtlCol="0" anchor="ctr"/>
+          <a:p>
+            <a:pPr algn="ctr"/>
+            <a:r>
+              <a:rPr lang="en-US" altLang="zh-CN"/>
+              <a:t>socket </a:t>
+            </a:r>
+            <a:endParaRPr lang="en-US" altLang="zh-CN"/>
+          </a:p>
+        </p:txBody>
+      </p:sp>
+      <p:sp>
+        <p:nvSpPr>
+          <p:cNvPr id="9" name="矩形 8"/>
+          <p:cNvSpPr/>
+          <p:nvPr/>
+        </p:nvSpPr>
+        <p:spPr>
+          <a:xfrm>
+            <a:off x="8444865" y="1377950"/>
+            <a:ext cx="2066290" cy="450850"/>
+          </a:xfrm>
+          <a:prstGeom prst="rect">
+            <a:avLst/>
+          </a:prstGeom>
+        </p:spPr>
+        <p:style>
+          <a:lnRef idx="2">
+            <a:schemeClr val="accent6"/>
+          </a:lnRef>
+          <a:fillRef idx="1">
+            <a:schemeClr val="lt1"/>
+          </a:fillRef>
+          <a:effectRef idx="0">
+            <a:schemeClr val="accent6"/>
+          </a:effectRef>
+          <a:fontRef idx="minor">
+            <a:schemeClr val="dk1"/>
+          </a:fontRef>
+        </p:style>
+        <p:txBody>
+          <a:bodyPr rtlCol="0" anchor="ctr"/>
+          <a:p>
+            <a:pPr algn="ctr"/>
+            <a:r>
+              <a:rPr lang="en-US" altLang="zh-CN"/>
+              <a:t>io</a:t>
+            </a:r>
+            <a:endParaRPr lang="en-US" altLang="zh-CN"/>
+          </a:p>
+        </p:txBody>
+      </p:sp>
+      <p:sp>
+        <p:nvSpPr>
+          <p:cNvPr id="2" name="文本框 1"/>
+          <p:cNvSpPr txBox="1"/>
+          <p:nvPr/>
+        </p:nvSpPr>
+        <p:spPr>
+          <a:xfrm>
+            <a:off x="6560185" y="2188845"/>
+            <a:ext cx="4250055" cy="3692525"/>
+          </a:xfrm>
+          <a:prstGeom prst="rect">
+            <a:avLst/>
+          </a:prstGeom>
+          <a:noFill/>
+        </p:spPr>
+        <p:txBody>
+          <a:bodyPr wrap="square" rtlCol="0">
+            <a:spAutoFit/>
+          </a:bodyPr>
+          <a:p>
+            <a:r>
+              <a:rPr lang="en-US" altLang="zh-CN"/>
+              <a:t>io.on('connection', function (socket) {</a:t>
+            </a:r>
+            <a:endParaRPr lang="en-US" altLang="zh-CN"/>
+          </a:p>
+          <a:p>
+            <a:r>
+              <a:rPr lang="en-US" altLang="zh-CN"/>
+              <a:t>      console.log('connected')</a:t>
+            </a:r>
+            <a:endParaRPr lang="en-US" altLang="zh-CN"/>
+          </a:p>
+          <a:p>
+            <a:endParaRPr lang="en-US" altLang="zh-CN"/>
+          </a:p>
+          <a:p>
+            <a:r>
+              <a:rPr lang="en-US" altLang="zh-CN"/>
+              <a:t>       socket.on('input', msg =&gt;  {</a:t>
+            </a:r>
+            <a:endParaRPr lang="en-US" altLang="zh-CN"/>
+          </a:p>
+          <a:p>
+            <a:r>
+              <a:rPr lang="en-US" altLang="zh-CN"/>
+              <a:t>	  console.log(msg + ' </a:t>
+            </a:r>
+            <a:r>
+              <a:rPr lang="zh-CN" altLang="en-US"/>
+              <a:t>来自客户端</a:t>
+            </a:r>
+            <a:r>
+              <a:rPr lang="en-US" altLang="zh-CN"/>
+              <a:t>	  </a:t>
+            </a:r>
+            <a:r>
+              <a:rPr lang="zh-CN" altLang="en-US"/>
+              <a:t>的自定义消息</a:t>
+            </a:r>
+            <a:r>
+              <a:rPr lang="en-US" altLang="zh-CN"/>
+              <a:t> ');</a:t>
+            </a:r>
+            <a:endParaRPr lang="en-US" altLang="zh-CN"/>
+          </a:p>
+          <a:p>
+            <a:r>
+              <a:rPr lang="en-US" altLang="zh-CN"/>
+              <a:t>        });</a:t>
+            </a:r>
+            <a:endParaRPr lang="en-US" altLang="zh-CN"/>
+          </a:p>
+          <a:p>
+            <a:r>
+              <a:rPr lang="en-US" altLang="zh-CN"/>
+              <a:t>	</a:t>
+            </a:r>
+            <a:endParaRPr lang="en-US" altLang="zh-CN"/>
+          </a:p>
+          <a:p>
+            <a:r>
+              <a:rPr lang="en-US" altLang="zh-CN"/>
+              <a:t>        io.emit('output', data);</a:t>
+            </a:r>
+            <a:endParaRPr lang="en-US" altLang="zh-CN"/>
+          </a:p>
+          <a:p>
+            <a:r>
+              <a:rPr lang="en-US" altLang="zh-CN"/>
+              <a:t>	// </a:t>
+            </a:r>
+            <a:r>
+              <a:rPr lang="zh-CN" altLang="en-US"/>
+              <a:t>此时的</a:t>
+            </a:r>
+            <a:r>
+              <a:rPr lang="en-US" altLang="zh-CN"/>
+              <a:t>data </a:t>
+            </a:r>
+            <a:r>
+              <a:rPr lang="zh-CN" altLang="en-US"/>
+              <a:t>是 来自客户端</a:t>
+            </a:r>
+            <a:r>
+              <a:rPr lang="en-US" altLang="zh-CN"/>
+              <a:t>msg </a:t>
+            </a:r>
+            <a:r>
+              <a:rPr lang="zh-CN" altLang="en-US"/>
+              <a:t>打包处理后的数据， 通过自定义事件发送给客户端</a:t>
+            </a:r>
+            <a:endParaRPr lang="en-US" altLang="zh-CN"/>
+          </a:p>
+          <a:p>
+            <a:r>
+              <a:rPr lang="en-US" altLang="zh-CN"/>
+              <a:t>})</a:t>
+            </a:r>
+            <a:endParaRPr lang="en-US" altLang="zh-CN"/>
+          </a:p>
+        </p:txBody>
+      </p:sp>
+      <p:sp>
+        <p:nvSpPr>
+          <p:cNvPr id="3" name="文本框 2"/>
+          <p:cNvSpPr txBox="1"/>
+          <p:nvPr/>
+        </p:nvSpPr>
+        <p:spPr>
+          <a:xfrm>
+            <a:off x="1493520" y="2378710"/>
+            <a:ext cx="4354195" cy="2030095"/>
+          </a:xfrm>
+          <a:prstGeom prst="rect">
+            <a:avLst/>
+          </a:prstGeom>
+          <a:noFill/>
+        </p:spPr>
+        <p:txBody>
+          <a:bodyPr wrap="square" rtlCol="0">
+            <a:spAutoFit/>
+          </a:bodyPr>
+          <a:p>
+            <a:r>
               <a:rPr lang="en-US" altLang="zh-CN"/>
               <a:t>const socket = io();</a:t>
             </a:r>
@@ -4278,6 +5287,82 @@
               <a:t>})</a:t>
             </a:r>
             <a:endParaRPr lang="en-US" altLang="zh-CN"/>
+          </a:p>
+        </p:txBody>
+      </p:sp>
+    </p:spTree>
+  </p:cSld>
+  <p:clrMapOvr>
+    <a:masterClrMapping/>
+  </p:clrMapOvr>
+</p:sld>
+</file>
+
+<file path=ppt/slides/slide15.xml><?xml version="1.0" encoding="utf-8"?>
+<p:sld xmlns:a="http://schemas.openxmlformats.org/drawingml/2006/main" xmlns:r="http://schemas.openxmlformats.org/officeDocument/2006/relationships" xmlns:p="http://schemas.openxmlformats.org/presentationml/2006/main">
+  <p:cSld>
+    <p:spTree>
+      <p:nvGrpSpPr>
+        <p:cNvPr id="1" name=""/>
+        <p:cNvGrpSpPr/>
+        <p:nvPr/>
+      </p:nvGrpSpPr>
+      <p:grpSpPr/>
+      <p:sp>
+        <p:nvSpPr>
+          <p:cNvPr id="5" name="文本框 4"/>
+          <p:cNvSpPr txBox="1"/>
+          <p:nvPr/>
+        </p:nvSpPr>
+        <p:spPr>
+          <a:xfrm>
+            <a:off x="1477645" y="2498090"/>
+            <a:ext cx="8907145" cy="1861185"/>
+          </a:xfrm>
+          <a:prstGeom prst="rect">
+            <a:avLst/>
+          </a:prstGeom>
+          <a:noFill/>
+        </p:spPr>
+        <p:txBody>
+          <a:bodyPr wrap="square" rtlCol="0">
+            <a:spAutoFit/>
+            <a:scene3d>
+              <a:camera prst="orthographicFront"/>
+              <a:lightRig rig="threePt" dir="t"/>
+            </a:scene3d>
+          </a:bodyPr>
+          <a:p>
+            <a:pPr algn="ctr"/>
+            <a:r>
+              <a:rPr lang="en-US" altLang="zh-CN" sz="11500">
+                <a:ln/>
+                <a:solidFill>
+                  <a:schemeClr val="accent1"/>
+                </a:solidFill>
+                <a:effectLst>
+                  <a:outerShdw blurRad="38100" dist="25400" dir="5400000" algn="ctr" rotWithShape="0">
+                    <a:srgbClr val="6E747A">
+                      <a:alpha val="43000"/>
+                    </a:srgbClr>
+                  </a:outerShdw>
+                </a:effectLst>
+              </a:rPr>
+              <a:t>thank you</a:t>
+            </a:r>
+            <a:endParaRPr lang="en-US" altLang="zh-CN" sz="11500">
+              <a:ln/>
+              <a:solidFill>
+                <a:schemeClr val="accent1"/>
+              </a:solidFill>
+              <a:effectLst>
+                <a:outerShdw blurRad="38100" dist="25400" dir="5400000" algn="ctr" rotWithShape="0">
+                  <a:srgbClr val="6E747A">
+                    <a:alpha val="43000"/>
+                  </a:srgbClr>
+                </a:outerShdw>
+              </a:effectLst>
+            </a:endParaRPr>
           </a:p>
         </p:txBody>
       </p:sp>
@@ -4301,56 +5386,51 @@
       <p:grpSpPr/>
       <p:sp>
         <p:nvSpPr>
-          <p:cNvPr id="3" name="内容占位符 2"/>
-          <p:cNvSpPr>
-            <a:spLocks noGrp="1"/>
-          </p:cNvSpPr>
-          <p:nvPr>
-            <p:ph idx="1"/>
-          </p:nvPr>
-        </p:nvSpPr>
-        <p:spPr>
-          <a:xfrm>
-            <a:off x="838200" y="573405"/>
-            <a:ext cx="10515600" cy="4754880"/>
-          </a:xfrm>
-        </p:spPr>
-        <p:txBody>
-          <a:bodyPr>
-            <a:normAutofit fontScale="90000"/>
-          </a:bodyPr>
-          <a:p>
-            <a:pPr marL="0" indent="0">
-              <a:buFont typeface="+mj-lt"/>
-              <a:buNone/>
-            </a:pPr>
-            <a:r>
-              <a:rPr lang="zh-CN" altLang="en-US"/>
-              <a:t>WebSocket 是 HTML5 中提出的一种协议。它的出现是为了解决客户端和服务端的实时通信问题。在 WebSocket 出现之前，如果想实现实时消息传递一般有两种方式：</a:t>
-            </a:r>
-            <a:endParaRPr lang="zh-CN" altLang="en-US"/>
-          </a:p>
-          <a:p>
-            <a:pPr marL="457200" indent="-457200">
-              <a:buFont typeface="+mj-lt"/>
-              <a:buAutoNum type="arabicPeriod"/>
-            </a:pPr>
-            <a:r>
-              <a:rPr lang="zh-CN" altLang="en-US"/>
-              <a:t>客户端通过轮询不停的向服务端发送请求，如果有新消息客户端进行更新。这种方式的缺点很明显，客户端需要不停向服务器发送请求，然而 HTTP 请求可能包含较长的头部，其中真正有效的数据可能只是很小的一部分，显然这样会浪费很多带宽资源</a:t>
-            </a:r>
-            <a:endParaRPr lang="zh-CN" altLang="en-US"/>
-          </a:p>
-          <a:p>
-            <a:pPr marL="457200" indent="-457200">
-              <a:buFont typeface="+mj-lt"/>
-              <a:buAutoNum type="arabicPeriod"/>
-            </a:pPr>
-            <a:r>
-              <a:rPr lang="zh-CN" altLang="en-US"/>
-              <a:t>HTTP 长连接，客户端通过 HTTP 请求连接到服务端后， 底层的 TCP 连接不会马上断开，后续的信息还是可以通过同一个连接来传输。这种方式有一个问题是每个连接会占用服务端资源，在收到消息后连接断开，就需要重新发送请求。如此循环往复。</a:t>
-            </a:r>
-            <a:endParaRPr lang="zh-CN" altLang="en-US"/>
+          <p:cNvPr id="2" name="标题 1"/>
+          <p:cNvSpPr>
+            <a:spLocks noGrp="1"/>
+          </p:cNvSpPr>
+          <p:nvPr>
+            <p:ph type="title"/>
+          </p:nvPr>
+        </p:nvSpPr>
+        <p:spPr>
+          <a:xfrm>
+            <a:off x="838200" y="2868930"/>
+            <a:ext cx="10515600" cy="1459865"/>
+          </a:xfrm>
+        </p:spPr>
+        <p:txBody>
+          <a:bodyPr/>
+          <a:p>
+            <a:pPr algn="ctr"/>
+            <a:r>
+              <a:rPr lang="en-US" altLang="zh-CN" sz="8800">
+                <a:solidFill>
+                  <a:schemeClr val="tx1"/>
+                </a:solidFill>
+                <a:effectLst>
+                  <a:outerShdw blurRad="38100" dist="19050" dir="2700000" algn="tl" rotWithShape="0">
+                    <a:schemeClr val="dk1">
+                      <a:alpha val="40000"/>
+                    </a:schemeClr>
+                  </a:outerShdw>
+                </a:effectLst>
+              </a:rPr>
+              <a:t>WebSocket</a:t>
+            </a:r>
+            <a:endParaRPr lang="en-US" altLang="zh-CN" sz="8800">
+              <a:solidFill>
+                <a:schemeClr val="tx1"/>
+              </a:solidFill>
+              <a:effectLst>
+                <a:outerShdw blurRad="38100" dist="19050" dir="2700000" algn="tl" rotWithShape="0">
+                  <a:schemeClr val="dk1">
+                    <a:alpha val="40000"/>
+                  </a:schemeClr>
+                </a:outerShdw>
+              </a:effectLst>
+            </a:endParaRPr>
           </a:p>
         </p:txBody>
       </p:sp>
@@ -4363,6 +5443,79 @@
 </file>
 
 <file path=ppt/slides/slide3.xml><?xml version="1.0" encoding="utf-8"?>
+<p:sld xmlns:a="http://schemas.openxmlformats.org/drawingml/2006/main" xmlns:r="http://schemas.openxmlformats.org/officeDocument/2006/relationships" xmlns:p="http://schemas.openxmlformats.org/presentationml/2006/main">
+  <p:cSld>
+    <p:spTree>
+      <p:nvGrpSpPr>
+        <p:cNvPr id="1" name=""/>
+        <p:cNvGrpSpPr/>
+        <p:nvPr/>
+      </p:nvGrpSpPr>
+      <p:grpSpPr/>
+      <p:sp>
+        <p:nvSpPr>
+          <p:cNvPr id="3" name="内容占位符 2"/>
+          <p:cNvSpPr>
+            <a:spLocks noGrp="1"/>
+          </p:cNvSpPr>
+          <p:nvPr>
+            <p:ph idx="1"/>
+          </p:nvPr>
+        </p:nvSpPr>
+        <p:spPr>
+          <a:xfrm>
+            <a:off x="838200" y="573405"/>
+            <a:ext cx="10515600" cy="4754880"/>
+          </a:xfrm>
+        </p:spPr>
+        <p:txBody>
+          <a:bodyPr>
+            <a:normAutofit fontScale="90000"/>
+          </a:bodyPr>
+          <a:p>
+            <a:pPr marL="0" indent="0">
+              <a:buFont typeface="+mj-lt"/>
+              <a:buNone/>
+            </a:pPr>
+            <a:r>
+              <a:rPr lang="zh-CN" altLang="en-US"/>
+              <a:t>WebSocket 是 HTML5 中提出的一种协议。它的出现是为了解决客户端和服务端的实时通信问题。在 WebSocket 出现之前，如果想实现实时消息传递一般有两种方式：</a:t>
+            </a:r>
+            <a:endParaRPr lang="zh-CN" altLang="en-US"/>
+          </a:p>
+          <a:p>
+            <a:pPr marL="457200" indent="-457200">
+              <a:buFont typeface="+mj-lt"/>
+              <a:buAutoNum type="arabicPeriod"/>
+            </a:pPr>
+            <a:r>
+              <a:rPr lang="zh-CN" altLang="en-US"/>
+              <a:t>客户端通过轮询不停的向服务端发送请求，如果有新消息客户端进行更新。这种方式的缺点很明显，客户端需要不停向服务器发送请求，然而 HTTP 请求可能包含较长的头部，其中真正有效的数据可能只是很小的一部分，显然这样会浪费很多带宽资源</a:t>
+            </a:r>
+            <a:endParaRPr lang="zh-CN" altLang="en-US"/>
+          </a:p>
+          <a:p>
+            <a:pPr marL="457200" indent="-457200">
+              <a:buFont typeface="+mj-lt"/>
+              <a:buAutoNum type="arabicPeriod"/>
+            </a:pPr>
+            <a:r>
+              <a:rPr lang="zh-CN" altLang="en-US"/>
+              <a:t>HTTP 长连接，客户端通过 HTTP 请求连接到服务端后， 底层的 TCP 连接不会马上断开，后续的信息还是可以通过同一个连接来传输。这种方式有一个问题是每个连接会占用服务端资源，在收到消息后连接断开，就需要重新发送请求。如此循环往复。</a:t>
+            </a:r>
+            <a:endParaRPr lang="zh-CN" altLang="en-US"/>
+          </a:p>
+        </p:txBody>
+      </p:sp>
+    </p:spTree>
+  </p:cSld>
+  <p:clrMapOvr>
+    <a:masterClrMapping/>
+  </p:clrMapOvr>
+</p:sld>
+</file>
+
+<file path=ppt/slides/slide4.xml><?xml version="1.0" encoding="utf-8"?>
 <p:sld xmlns:a="http://schemas.openxmlformats.org/drawingml/2006/main" xmlns:r="http://schemas.openxmlformats.org/officeDocument/2006/relationships" xmlns:p="http://schemas.openxmlformats.org/presentationml/2006/main">
   <p:cSld>
     <p:spTree>
@@ -5268,7 +6421,7 @@
 </p:sld>
 </file>
 
-<file path=ppt/slides/slide4.xml><?xml version="1.0" encoding="utf-8"?>
+<file path=ppt/slides/slide5.xml><?xml version="1.0" encoding="utf-8"?>
 <p:sld xmlns:a="http://schemas.openxmlformats.org/drawingml/2006/main" xmlns:r="http://schemas.openxmlformats.org/officeDocument/2006/relationships" xmlns:p="http://schemas.openxmlformats.org/presentationml/2006/main">
   <p:cSld>
     <p:spTree>
@@ -5375,7 +6528,6 @@
             </a:pPr>
             <a:r>
               <a:rPr lang="zh-CN" altLang="en-US" sz="4400">
-                <a:ln/>
                 <a:solidFill>
                   <a:schemeClr val="tx1"/>
                 </a:solidFill>
@@ -5390,7 +6542,6 @@
               <a:t>（1）建立在 TCP 协议之上，服务器端的实现比较容易。</a:t>
             </a:r>
             <a:endParaRPr lang="zh-CN" altLang="en-US" sz="4400">
-              <a:ln/>
               <a:solidFill>
                 <a:schemeClr val="tx1"/>
               </a:solidFill>
@@ -5410,7 +6561,6 @@
             </a:pPr>
             <a:r>
               <a:rPr lang="zh-CN" altLang="en-US" sz="4400">
-                <a:ln/>
                 <a:solidFill>
                   <a:schemeClr val="tx1"/>
                 </a:solidFill>
@@ -5425,7 +6575,6 @@
               <a:t>（2）与 HTTP 协议有着良好的兼容性。握手阶段采用 HTTP 协议，因此握手时不容易屏蔽，能通过各种 HTTP 代理服务器。</a:t>
             </a:r>
             <a:endParaRPr lang="zh-CN" altLang="en-US" sz="4400">
-              <a:ln/>
               <a:solidFill>
                 <a:schemeClr val="tx1"/>
               </a:solidFill>
@@ -5445,7 +6594,6 @@
             </a:pPr>
             <a:r>
               <a:rPr lang="zh-CN" altLang="en-US" sz="4400">
-                <a:ln/>
                 <a:solidFill>
                   <a:schemeClr val="tx1"/>
                 </a:solidFill>
@@ -5460,7 +6608,6 @@
               <a:t>（3）数据格式比较轻量，性能开销小，通信高效。</a:t>
             </a:r>
             <a:endParaRPr lang="zh-CN" altLang="en-US" sz="4400">
-              <a:ln/>
               <a:solidFill>
                 <a:schemeClr val="tx1"/>
               </a:solidFill>
@@ -5480,7 +6627,6 @@
             </a:pPr>
             <a:r>
               <a:rPr lang="zh-CN" altLang="en-US" sz="4400">
-                <a:ln/>
                 <a:solidFill>
                   <a:schemeClr val="tx1"/>
                 </a:solidFill>
@@ -5495,7 +6641,6 @@
               <a:t>（4）可以发送文本，也可以发送二进制数据。</a:t>
             </a:r>
             <a:endParaRPr lang="zh-CN" altLang="en-US" sz="4400">
-              <a:ln/>
               <a:solidFill>
                 <a:schemeClr val="tx1"/>
               </a:solidFill>
@@ -5515,7 +6660,6 @@
             </a:pPr>
             <a:r>
               <a:rPr lang="zh-CN" altLang="en-US" sz="4400">
-                <a:ln/>
                 <a:solidFill>
                   <a:schemeClr val="tx1"/>
                 </a:solidFill>
@@ -5530,7 +6674,6 @@
               <a:t>（5）没有同源限制，客户端可以与任意服务器通信。</a:t>
             </a:r>
             <a:endParaRPr lang="zh-CN" altLang="en-US" sz="4400">
-              <a:ln/>
               <a:solidFill>
                 <a:schemeClr val="tx1"/>
               </a:solidFill>
@@ -5550,7 +6693,6 @@
             </a:pPr>
             <a:r>
               <a:rPr lang="zh-CN" altLang="en-US" sz="4400">
-                <a:ln/>
                 <a:solidFill>
                   <a:schemeClr val="tx1"/>
                 </a:solidFill>
@@ -5565,7 +6707,6 @@
               <a:t>（6）协议标识符是ws（如果加密，则为wss），服务器网址就是 URL</a:t>
             </a:r>
             <a:endParaRPr lang="zh-CN" altLang="en-US" sz="4400">
-              <a:ln/>
               <a:solidFill>
                 <a:schemeClr val="tx1"/>
               </a:solidFill>
@@ -5577,116 +6718,6 @@
                 </a:outerShdw>
               </a:effectLst>
             </a:endParaRPr>
-          </a:p>
-        </p:txBody>
-      </p:sp>
-    </p:spTree>
-  </p:cSld>
-  <p:clrMapOvr>
-    <a:masterClrMapping/>
-  </p:clrMapOvr>
-</p:sld>
-</file>
-
-<file path=ppt/slides/slide5.xml><?xml version="1.0" encoding="utf-8"?>
-<p:sld xmlns:a="http://schemas.openxmlformats.org/drawingml/2006/main" xmlns:r="http://schemas.openxmlformats.org/officeDocument/2006/relationships" xmlns:p="http://schemas.openxmlformats.org/presentationml/2006/main">
-  <p:cSld>
-    <p:spTree>
-      <p:nvGrpSpPr>
-        <p:cNvPr id="1" name=""/>
-        <p:cNvGrpSpPr/>
-        <p:nvPr/>
-      </p:nvGrpSpPr>
-      <p:grpSpPr/>
-      <p:sp>
-        <p:nvSpPr>
-          <p:cNvPr id="3" name="内容占位符 2"/>
-          <p:cNvSpPr>
-            <a:spLocks noGrp="1"/>
-          </p:cNvSpPr>
-          <p:nvPr>
-            <p:ph idx="1"/>
-          </p:nvPr>
-        </p:nvSpPr>
-        <p:spPr>
-          <a:xfrm>
-            <a:off x="457200" y="365125"/>
-            <a:ext cx="11237595" cy="2933065"/>
-          </a:xfrm>
-        </p:spPr>
-        <p:txBody>
-          <a:bodyPr>
-            <a:normAutofit fontScale="90000"/>
-          </a:bodyPr>
-          <a:p>
-            <a:r>
-              <a:rPr lang="zh-CN" altLang="en-US"/>
-              <a:t>WebSocket 协议</a:t>
-            </a:r>
-            <a:endParaRPr lang="zh-CN" altLang="en-US"/>
-          </a:p>
-          <a:p>
-            <a:endParaRPr lang="zh-CN" altLang="en-US"/>
-          </a:p>
-          <a:p>
-            <a:r>
-              <a:rPr lang="zh-CN" altLang="en-US"/>
-              <a:t>首先，WebSocket 是基于 HTTP 协议的，或者说借用了 HTTP 协议来完成连接的握手部分。其次，WebSocket 是一个持久化协议，相对于 HTTP 这种非持久的协议来说，一个 HTTP 请求在收到服务端回复后会直接断开连接，下次获取消息需要重新发送 HTTP 请求，而 WebSocket 在连接成功后可以保持连接状态。下图应该能体现两者的关系：</a:t>
-            </a:r>
-            <a:endParaRPr lang="zh-CN" altLang="en-US"/>
-          </a:p>
-        </p:txBody>
-      </p:sp>
-      <p:pic>
-        <p:nvPicPr>
-          <p:cNvPr id="5" name="图片 4"/>
-          <p:cNvPicPr>
-            <a:picLocks noChangeAspect="1"/>
-          </p:cNvPicPr>
-          <p:nvPr/>
-        </p:nvPicPr>
-        <p:blipFill>
-          <a:blip r:embed="rId1"/>
-          <a:stretch>
-            <a:fillRect/>
-          </a:stretch>
-        </p:blipFill>
-        <p:spPr>
-          <a:xfrm>
-            <a:off x="3280410" y="3028950"/>
-            <a:ext cx="5590540" cy="2561590"/>
-          </a:xfrm>
-          <a:prstGeom prst="rect">
-            <a:avLst/>
-          </a:prstGeom>
-        </p:spPr>
-      </p:pic>
-      <p:sp>
-        <p:nvSpPr>
-          <p:cNvPr id="6" name="文本框 5"/>
-          <p:cNvSpPr txBox="1"/>
-          <p:nvPr/>
-        </p:nvSpPr>
-        <p:spPr>
-          <a:xfrm>
-            <a:off x="927100" y="5976620"/>
-            <a:ext cx="10482580" cy="368300"/>
-          </a:xfrm>
-          <a:prstGeom prst="rect">
-            <a:avLst/>
-          </a:prstGeom>
-          <a:noFill/>
-        </p:spPr>
-        <p:txBody>
-          <a:bodyPr wrap="square" rtlCol="0">
-            <a:spAutoFit/>
-          </a:bodyPr>
-          <a:p>
-            <a:r>
-              <a:rPr lang="zh-CN" altLang="en-US"/>
-              <a:t>在发起 WebSocket 请求时需要先通过 HTTP 请求告诉服务端需要将协议升级为 WebSocket。</a:t>
-            </a:r>
-            <a:endParaRPr lang="zh-CN" altLang="en-US"/>
           </a:p>
         </p:txBody>
       </p:sp>
@@ -5710,28 +6741,28 @@
       <p:grpSpPr/>
       <p:sp>
         <p:nvSpPr>
-          <p:cNvPr id="6" name="文本框 5"/>
-          <p:cNvSpPr txBox="1"/>
-          <p:nvPr/>
-        </p:nvSpPr>
-        <p:spPr>
-          <a:xfrm>
-            <a:off x="523240" y="2945130"/>
-            <a:ext cx="11144885" cy="6185535"/>
-          </a:xfrm>
-          <a:prstGeom prst="rect">
-            <a:avLst/>
-          </a:prstGeom>
-          <a:noFill/>
-        </p:spPr>
-        <p:txBody>
-          <a:bodyPr wrap="square" rtlCol="0" anchor="t">
-            <a:spAutoFit/>
+          <p:cNvPr id="3" name="内容占位符 2"/>
+          <p:cNvSpPr>
+            <a:spLocks noGrp="1"/>
+          </p:cNvSpPr>
+          <p:nvPr>
+            <p:ph idx="1"/>
+          </p:nvPr>
+        </p:nvSpPr>
+        <p:spPr>
+          <a:xfrm>
+            <a:off x="457200" y="365125"/>
+            <a:ext cx="11237595" cy="2933065"/>
+          </a:xfrm>
+        </p:spPr>
+        <p:txBody>
+          <a:bodyPr>
+            <a:normAutofit fontScale="90000"/>
           </a:bodyPr>
           <a:p>
             <a:r>
               <a:rPr lang="zh-CN" altLang="en-US"/>
-              <a:t>在请求头中核心的部分是 Connection 和 Upgrade ，通过这两个字段服务端会将 HTTP 升级为 WebSocket 协议。服务端返回对应信息后连接成功，客户端和服务端就可以正常通信了。</a:t>
+              <a:t>WebSocket 协议</a:t>
             </a:r>
             <a:endParaRPr lang="zh-CN" altLang="en-US"/>
           </a:p>
@@ -5741,108 +6772,15 @@
           <a:p>
             <a:r>
               <a:rPr lang="zh-CN" altLang="en-US"/>
-              <a:t>Sec-WebSocket-Key是客户端也就是浏览器或者其他终端随机生成一组16位的随机base64编码的串</a:t>
-            </a:r>
-            <a:endParaRPr lang="zh-CN" altLang="en-US"/>
-          </a:p>
-          <a:p>
-            <a:endParaRPr lang="zh-CN" altLang="en-US"/>
-          </a:p>
-          <a:p>
-            <a:r>
-              <a:rPr lang="zh-CN" altLang="en-US"/>
-              <a:t>Sec-WebSocket-Version就是当前使用协议的版本号</a:t>
-            </a:r>
-            <a:endParaRPr lang="zh-CN" altLang="en-US"/>
-          </a:p>
-          <a:p>
-            <a:endParaRPr lang="zh-CN" altLang="en-US"/>
-          </a:p>
-          <a:p>
-            <a:r>
-              <a:rPr lang="zh-CN" altLang="en-US"/>
-              <a:t>请求包说明： </a:t>
-            </a:r>
-            <a:endParaRPr lang="zh-CN" altLang="en-US"/>
-          </a:p>
-          <a:p>
-            <a:r>
-              <a:rPr lang="zh-CN" altLang="en-US"/>
-              <a:t>* 必须是有效的http request 格式； </a:t>
-            </a:r>
-            <a:endParaRPr lang="zh-CN" altLang="en-US"/>
-          </a:p>
-          <a:p>
-            <a:r>
-              <a:rPr lang="zh-CN" altLang="en-US"/>
-              <a:t>* HTTP request method 必须是GET，协议应不小于1.1 如： Get / HTTP/1.1； </a:t>
-            </a:r>
-            <a:endParaRPr lang="zh-CN" altLang="en-US"/>
-          </a:p>
-          <a:p>
-            <a:r>
-              <a:rPr lang="zh-CN" altLang="en-US"/>
-              <a:t>* 必须包括Upgrade头域，并且其值为”websocket”; </a:t>
-            </a:r>
-            <a:endParaRPr lang="zh-CN" altLang="en-US"/>
-          </a:p>
-          <a:p>
-            <a:r>
-              <a:rPr lang="zh-CN" altLang="en-US"/>
-              <a:t>* 必须包括”Connection” 头域，并且其值为”Upgrade”; </a:t>
-            </a:r>
-            <a:endParaRPr lang="zh-CN" altLang="en-US"/>
-          </a:p>
-          <a:p>
-            <a:r>
-              <a:rPr lang="zh-CN" altLang="en-US"/>
-              <a:t>* 必须包括”Sec-WebSocket-Key”头域，其值采用base64编码的随机16字节长的字符序列; </a:t>
-            </a:r>
-            <a:endParaRPr lang="zh-CN" altLang="en-US"/>
-          </a:p>
-          <a:p>
-            <a:r>
-              <a:rPr lang="zh-CN" altLang="en-US"/>
-              <a:t>* 如果请求来自浏览器客户端，还必须包括Origin头域 。 该头域用于防止未授权的跨域脚本攻击，服务器可以从Origin决定是否接受该WebSocket连接; </a:t>
-            </a:r>
-            <a:endParaRPr lang="zh-CN" altLang="en-US"/>
-          </a:p>
-          <a:p>
-            <a:r>
-              <a:rPr lang="zh-CN" altLang="en-US"/>
-              <a:t>* 必须包括”Sec-webSocket-Version” 头域，当前值必须是13; </a:t>
-            </a:r>
-            <a:endParaRPr lang="zh-CN" altLang="en-US"/>
-          </a:p>
-          <a:p>
-            <a:r>
-              <a:rPr lang="zh-CN" altLang="en-US"/>
-              <a:t>* 可能包括”Sec-WebSocket-Protocol”，表示client（应用程序）支持的协议列表，server选择一个或者没有可接受的协议响应之; </a:t>
-            </a:r>
-            <a:endParaRPr lang="zh-CN" altLang="en-US"/>
-          </a:p>
-          <a:p>
-            <a:r>
-              <a:rPr lang="zh-CN" altLang="en-US"/>
-              <a:t>* 可能包括”Sec-WebSocket-Extensions”， 协议扩展， 某类协议可能支持多个扩展，通过它可以实现协议增强; </a:t>
-            </a:r>
-            <a:endParaRPr lang="zh-CN" altLang="en-US"/>
-          </a:p>
-          <a:p>
-            <a:r>
-              <a:rPr lang="zh-CN" altLang="en-US"/>
-              <a:t>* 可能包括任意其他域，如cookie.</a:t>
-            </a:r>
-            <a:endParaRPr lang="zh-CN" altLang="en-US"/>
-          </a:p>
-          <a:p>
+              <a:t>首先，WebSocket 是基于 HTTP 协议的，或者说借用了 HTTP 协议来完成连接的握手部分。其次，WebSocket 是一个持久化协议，相对于 HTTP 这种非持久的协议来说，一个 HTTP 请求在收到服务端回复后会直接断开连接，下次获取消息需要重新发送 HTTP 请求，而 WebSocket 在连接成功后可以保持连接状态。下图应该能体现两者的关系：</a:t>
+            </a:r>
             <a:endParaRPr lang="zh-CN" altLang="en-US"/>
           </a:p>
         </p:txBody>
       </p:sp>
       <p:pic>
         <p:nvPicPr>
-          <p:cNvPr id="7" name="图片 6"/>
+          <p:cNvPr id="5" name="图片 4"/>
           <p:cNvPicPr>
             <a:picLocks noChangeAspect="1"/>
           </p:cNvPicPr>
@@ -5856,14 +6794,43 @@
         </p:blipFill>
         <p:spPr>
           <a:xfrm>
-            <a:off x="523240" y="424180"/>
-            <a:ext cx="11144885" cy="2409825"/>
+            <a:off x="3280410" y="3028950"/>
+            <a:ext cx="5590540" cy="2561590"/>
           </a:xfrm>
           <a:prstGeom prst="rect">
             <a:avLst/>
           </a:prstGeom>
         </p:spPr>
       </p:pic>
+      <p:sp>
+        <p:nvSpPr>
+          <p:cNvPr id="6" name="文本框 5"/>
+          <p:cNvSpPr txBox="1"/>
+          <p:nvPr/>
+        </p:nvSpPr>
+        <p:spPr>
+          <a:xfrm>
+            <a:off x="927100" y="5976620"/>
+            <a:ext cx="10482580" cy="368300"/>
+          </a:xfrm>
+          <a:prstGeom prst="rect">
+            <a:avLst/>
+          </a:prstGeom>
+          <a:noFill/>
+        </p:spPr>
+        <p:txBody>
+          <a:bodyPr wrap="square" rtlCol="0">
+            <a:spAutoFit/>
+          </a:bodyPr>
+          <a:p>
+            <a:r>
+              <a:rPr lang="zh-CN" altLang="en-US"/>
+              <a:t>在发起 WebSocket 请求时需要先通过 HTTP 请求告诉服务端需要将协议升级为 WebSocket。</a:t>
+            </a:r>
+            <a:endParaRPr lang="zh-CN" altLang="en-US"/>
+          </a:p>
+        </p:txBody>
+      </p:sp>
     </p:spTree>
   </p:cSld>
   <p:clrMapOvr>
@@ -5884,17 +6851,131 @@
       <p:grpSpPr/>
       <p:sp>
         <p:nvSpPr>
-          <p:cNvPr id="2" name="标题 1"/>
-          <p:cNvSpPr>
-            <a:spLocks noGrp="1"/>
-          </p:cNvSpPr>
-          <p:nvPr>
-            <p:ph type="title"/>
-          </p:nvPr>
-        </p:nvSpPr>
-        <p:spPr/>
-        <p:txBody>
-          <a:bodyPr/>
+          <p:cNvPr id="6" name="文本框 5"/>
+          <p:cNvSpPr txBox="1"/>
+          <p:nvPr/>
+        </p:nvSpPr>
+        <p:spPr>
+          <a:xfrm>
+            <a:off x="523240" y="2945130"/>
+            <a:ext cx="11144885" cy="6185535"/>
+          </a:xfrm>
+          <a:prstGeom prst="rect">
+            <a:avLst/>
+          </a:prstGeom>
+          <a:noFill/>
+        </p:spPr>
+        <p:txBody>
+          <a:bodyPr wrap="square" rtlCol="0" anchor="t">
+            <a:spAutoFit/>
+          </a:bodyPr>
+          <a:p>
+            <a:r>
+              <a:rPr lang="zh-CN" altLang="en-US"/>
+              <a:t>在请求头中核心的部分是 Connection 和 Upgrade ，通过这两个字段服务端会将 HTTP 升级为 WebSocket 协议。服务端返回对应信息后连接成功，客户端和服务端就可以正常通信了。</a:t>
+            </a:r>
+            <a:endParaRPr lang="zh-CN" altLang="en-US"/>
+          </a:p>
+          <a:p>
+            <a:endParaRPr lang="zh-CN" altLang="en-US"/>
+          </a:p>
+          <a:p>
+            <a:r>
+              <a:rPr lang="zh-CN" altLang="en-US"/>
+              <a:t>Sec-WebSocket-Key是客户端也就是浏览器或者其他终端随机生成一组16位的随机base64编码的串</a:t>
+            </a:r>
+            <a:endParaRPr lang="zh-CN" altLang="en-US"/>
+          </a:p>
+          <a:p>
+            <a:endParaRPr lang="zh-CN" altLang="en-US"/>
+          </a:p>
+          <a:p>
+            <a:r>
+              <a:rPr lang="zh-CN" altLang="en-US"/>
+              <a:t>Sec-WebSocket-Version就是当前使用协议的版本号</a:t>
+            </a:r>
+            <a:endParaRPr lang="zh-CN" altLang="en-US"/>
+          </a:p>
+          <a:p>
+            <a:endParaRPr lang="zh-CN" altLang="en-US"/>
+          </a:p>
+          <a:p>
+            <a:r>
+              <a:rPr lang="zh-CN" altLang="en-US"/>
+              <a:t>请求包说明： </a:t>
+            </a:r>
+            <a:endParaRPr lang="zh-CN" altLang="en-US"/>
+          </a:p>
+          <a:p>
+            <a:r>
+              <a:rPr lang="zh-CN" altLang="en-US"/>
+              <a:t>* 必须是有效的http request 格式； </a:t>
+            </a:r>
+            <a:endParaRPr lang="zh-CN" altLang="en-US"/>
+          </a:p>
+          <a:p>
+            <a:r>
+              <a:rPr lang="zh-CN" altLang="en-US"/>
+              <a:t>* HTTP request method 必须是GET，协议应不小于1.1 如： Get / HTTP/1.1； </a:t>
+            </a:r>
+            <a:endParaRPr lang="zh-CN" altLang="en-US"/>
+          </a:p>
+          <a:p>
+            <a:r>
+              <a:rPr lang="zh-CN" altLang="en-US"/>
+              <a:t>* 必须包括Upgrade头域，并且其值为”websocket”; </a:t>
+            </a:r>
+            <a:endParaRPr lang="zh-CN" altLang="en-US"/>
+          </a:p>
+          <a:p>
+            <a:r>
+              <a:rPr lang="zh-CN" altLang="en-US"/>
+              <a:t>* 必须包括”Connection” 头域，并且其值为”Upgrade”; </a:t>
+            </a:r>
+            <a:endParaRPr lang="zh-CN" altLang="en-US"/>
+          </a:p>
+          <a:p>
+            <a:r>
+              <a:rPr lang="zh-CN" altLang="en-US"/>
+              <a:t>* 必须包括”Sec-WebSocket-Key”头域，其值采用base64编码的随机16字节长的字符序列; </a:t>
+            </a:r>
+            <a:endParaRPr lang="zh-CN" altLang="en-US"/>
+          </a:p>
+          <a:p>
+            <a:r>
+              <a:rPr lang="zh-CN" altLang="en-US"/>
+              <a:t>* 如果请求来自浏览器客户端，还必须包括Origin头域 。 该头域用于防止未授权的跨域脚本攻击，服务器可以从Origin决定是否接受该WebSocket连接; </a:t>
+            </a:r>
+            <a:endParaRPr lang="zh-CN" altLang="en-US"/>
+          </a:p>
+          <a:p>
+            <a:r>
+              <a:rPr lang="zh-CN" altLang="en-US"/>
+              <a:t>* 必须包括”Sec-webSocket-Version” 头域，当前值必须是13; </a:t>
+            </a:r>
+            <a:endParaRPr lang="zh-CN" altLang="en-US"/>
+          </a:p>
+          <a:p>
+            <a:r>
+              <a:rPr lang="zh-CN" altLang="en-US"/>
+              <a:t>* 可能包括”Sec-WebSocket-Protocol”，表示client（应用程序）支持的协议列表，server选择一个或者没有可接受的协议响应之; </a:t>
+            </a:r>
+            <a:endParaRPr lang="zh-CN" altLang="en-US"/>
+          </a:p>
+          <a:p>
+            <a:r>
+              <a:rPr lang="zh-CN" altLang="en-US"/>
+              <a:t>* 可能包括”Sec-WebSocket-Extensions”， 协议扩展， 某类协议可能支持多个扩展，通过它可以实现协议增强; </a:t>
+            </a:r>
+            <a:endParaRPr lang="zh-CN" altLang="en-US"/>
+          </a:p>
+          <a:p>
+            <a:r>
+              <a:rPr lang="zh-CN" altLang="en-US"/>
+              <a:t>* 可能包括任意其他域，如cookie.</a:t>
+            </a:r>
+            <a:endParaRPr lang="zh-CN" altLang="en-US"/>
+          </a:p>
           <a:p>
             <a:endParaRPr lang="zh-CN" altLang="en-US"/>
           </a:p>
@@ -5902,13 +6983,11 @@
       </p:sp>
       <p:pic>
         <p:nvPicPr>
-          <p:cNvPr id="4" name="内容占位符 3"/>
+          <p:cNvPr id="7" name="图片 6"/>
           <p:cNvPicPr>
             <a:picLocks noChangeAspect="1"/>
           </p:cNvPicPr>
-          <p:nvPr>
-            <p:ph idx="1"/>
-          </p:nvPr>
+          <p:nvPr/>
         </p:nvPicPr>
         <p:blipFill>
           <a:blip r:embed="rId1"/>
@@ -5918,111 +6997,14 @@
         </p:blipFill>
         <p:spPr>
           <a:xfrm>
-            <a:off x="329565" y="365125"/>
-            <a:ext cx="11300460" cy="1910080"/>
+            <a:off x="523240" y="424180"/>
+            <a:ext cx="11144885" cy="2409825"/>
           </a:xfrm>
           <a:prstGeom prst="rect">
             <a:avLst/>
           </a:prstGeom>
         </p:spPr>
       </p:pic>
-      <p:sp>
-        <p:nvSpPr>
-          <p:cNvPr id="5" name="文本框 4"/>
-          <p:cNvSpPr txBox="1"/>
-          <p:nvPr/>
-        </p:nvSpPr>
-        <p:spPr>
-          <a:xfrm>
-            <a:off x="328930" y="2974975"/>
-            <a:ext cx="11301095" cy="2584450"/>
-          </a:xfrm>
-          <a:prstGeom prst="rect">
-            <a:avLst/>
-          </a:prstGeom>
-          <a:noFill/>
-        </p:spPr>
-        <p:txBody>
-          <a:bodyPr wrap="square" rtlCol="0" anchor="t">
-            <a:spAutoFit/>
-          </a:bodyPr>
-          <a:p>
-            <a:r>
-              <a:rPr lang="en-US" altLang="zh-CN"/>
-              <a:t>      </a:t>
-            </a:r>
-            <a:r>
-              <a:rPr lang="zh-CN" altLang="en-US"/>
-              <a:t>/*</a:t>
-            </a:r>
-            <a:endParaRPr lang="zh-CN" altLang="en-US"/>
-          </a:p>
-          <a:p>
-            <a:r>
-              <a:rPr lang="zh-CN" altLang="en-US"/>
-              <a:t>        </a:t>
-            </a:r>
-            <a:r>
-              <a:rPr lang="en-US" altLang="zh-CN"/>
-              <a:t>*</a:t>
-            </a:r>
-            <a:r>
-              <a:rPr lang="zh-CN" altLang="en-US"/>
-              <a:t>应答包说明： </a:t>
-            </a:r>
-            <a:endParaRPr lang="zh-CN" altLang="en-US"/>
-          </a:p>
-          <a:p>
-            <a:r>
-              <a:rPr lang="zh-CN" altLang="en-US"/>
-              <a:t>        *必须包括"Upgrade"头域，其值为WebSocket； </a:t>
-            </a:r>
-            <a:endParaRPr lang="zh-CN" altLang="en-US"/>
-          </a:p>
-          <a:p>
-            <a:r>
-              <a:rPr lang="zh-CN" altLang="en-US"/>
-              <a:t>        *必须包括"Connection"头域，其值为Upgrade； </a:t>
-            </a:r>
-            <a:endParaRPr lang="zh-CN" altLang="en-US"/>
-          </a:p>
-          <a:p>
-            <a:r>
-              <a:rPr lang="zh-CN" altLang="en-US"/>
-              <a:t>        *必须包括"Sec - WebSocket - Origin"头域； </a:t>
-            </a:r>
-            <a:endParaRPr lang="zh-CN" altLang="en-US"/>
-          </a:p>
-          <a:p>
-            <a:r>
-              <a:rPr lang="zh-CN" altLang="en-US"/>
-              <a:t>        *必须包括"Sec - WebSocket - Location"头域; </a:t>
-            </a:r>
-            <a:endParaRPr lang="zh-CN" altLang="en-US"/>
-          </a:p>
-          <a:p>
-            <a:r>
-              <a:rPr lang="zh-CN" altLang="en-US"/>
-              <a:t>        *应答正文的上一行是一行空行; </a:t>
-            </a:r>
-            <a:endParaRPr lang="zh-CN" altLang="en-US"/>
-          </a:p>
-          <a:p>
-            <a:r>
-              <a:rPr lang="zh-CN" altLang="en-US"/>
-              <a:t>        *应答正文后面没有任何结束符或者换行符。</a:t>
-            </a:r>
-            <a:endParaRPr lang="zh-CN" altLang="en-US"/>
-          </a:p>
-          <a:p>
-            <a:r>
-              <a:rPr lang="zh-CN" altLang="en-US"/>
-              <a:t>        */</a:t>
-            </a:r>
-            <a:endParaRPr lang="zh-CN" altLang="en-US"/>
-          </a:p>
-        </p:txBody>
-      </p:sp>
     </p:spTree>
   </p:cSld>
   <p:clrMapOvr>
@@ -6032,6 +7014,165 @@
 </file>
 
 <file path=ppt/slides/slide8.xml><?xml version="1.0" encoding="utf-8"?>
+<p:sld xmlns:a="http://schemas.openxmlformats.org/drawingml/2006/main" xmlns:r="http://schemas.openxmlformats.org/officeDocument/2006/relationships" xmlns:p="http://schemas.openxmlformats.org/presentationml/2006/main">
+  <p:cSld>
+    <p:spTree>
+      <p:nvGrpSpPr>
+        <p:cNvPr id="1" name=""/>
+        <p:cNvGrpSpPr/>
+        <p:nvPr/>
+      </p:nvGrpSpPr>
+      <p:grpSpPr/>
+      <p:sp>
+        <p:nvSpPr>
+          <p:cNvPr id="2" name="标题 1"/>
+          <p:cNvSpPr>
+            <a:spLocks noGrp="1"/>
+          </p:cNvSpPr>
+          <p:nvPr>
+            <p:ph type="title"/>
+          </p:nvPr>
+        </p:nvSpPr>
+        <p:spPr/>
+        <p:txBody>
+          <a:bodyPr/>
+          <a:p>
+            <a:endParaRPr lang="zh-CN" altLang="en-US"/>
+          </a:p>
+        </p:txBody>
+      </p:sp>
+      <p:pic>
+        <p:nvPicPr>
+          <p:cNvPr id="4" name="内容占位符 3"/>
+          <p:cNvPicPr>
+            <a:picLocks noChangeAspect="1"/>
+          </p:cNvPicPr>
+          <p:nvPr>
+            <p:ph idx="1"/>
+          </p:nvPr>
+        </p:nvPicPr>
+        <p:blipFill>
+          <a:blip r:embed="rId1"/>
+          <a:stretch>
+            <a:fillRect/>
+          </a:stretch>
+        </p:blipFill>
+        <p:spPr>
+          <a:xfrm>
+            <a:off x="329565" y="365125"/>
+            <a:ext cx="11300460" cy="1910080"/>
+          </a:xfrm>
+          <a:prstGeom prst="rect">
+            <a:avLst/>
+          </a:prstGeom>
+        </p:spPr>
+      </p:pic>
+      <p:sp>
+        <p:nvSpPr>
+          <p:cNvPr id="5" name="文本框 4"/>
+          <p:cNvSpPr txBox="1"/>
+          <p:nvPr/>
+        </p:nvSpPr>
+        <p:spPr>
+          <a:xfrm>
+            <a:off x="328930" y="2974975"/>
+            <a:ext cx="11301095" cy="2584450"/>
+          </a:xfrm>
+          <a:prstGeom prst="rect">
+            <a:avLst/>
+          </a:prstGeom>
+          <a:noFill/>
+        </p:spPr>
+        <p:txBody>
+          <a:bodyPr wrap="square" rtlCol="0" anchor="t">
+            <a:spAutoFit/>
+          </a:bodyPr>
+          <a:p>
+            <a:r>
+              <a:rPr lang="en-US" altLang="zh-CN"/>
+              <a:t>      </a:t>
+            </a:r>
+            <a:r>
+              <a:rPr lang="zh-CN" altLang="en-US"/>
+              <a:t>/*</a:t>
+            </a:r>
+            <a:endParaRPr lang="zh-CN" altLang="en-US"/>
+          </a:p>
+          <a:p>
+            <a:r>
+              <a:rPr lang="zh-CN" altLang="en-US"/>
+              <a:t>        </a:t>
+            </a:r>
+            <a:r>
+              <a:rPr lang="en-US" altLang="zh-CN"/>
+              <a:t>*</a:t>
+            </a:r>
+            <a:r>
+              <a:rPr lang="zh-CN" altLang="en-US"/>
+              <a:t>应答包说明： </a:t>
+            </a:r>
+            <a:endParaRPr lang="zh-CN" altLang="en-US"/>
+          </a:p>
+          <a:p>
+            <a:r>
+              <a:rPr lang="zh-CN" altLang="en-US"/>
+              <a:t>        *必须包括"Upgrade"头域，其值为WebSocket； </a:t>
+            </a:r>
+            <a:endParaRPr lang="zh-CN" altLang="en-US"/>
+          </a:p>
+          <a:p>
+            <a:r>
+              <a:rPr lang="zh-CN" altLang="en-US"/>
+              <a:t>        *必须包括"Connection"头域，其值为Upgrade； </a:t>
+            </a:r>
+            <a:endParaRPr lang="zh-CN" altLang="en-US"/>
+          </a:p>
+          <a:p>
+            <a:r>
+              <a:rPr lang="zh-CN" altLang="en-US"/>
+              <a:t>        *必须包括"Sec - WebSocket - Origin"头域； </a:t>
+            </a:r>
+            <a:endParaRPr lang="zh-CN" altLang="en-US"/>
+          </a:p>
+          <a:p>
+            <a:r>
+              <a:rPr lang="zh-CN" altLang="en-US"/>
+              <a:t>        *必须包括"Sec - WebSocket - Location"头域; </a:t>
+            </a:r>
+            <a:endParaRPr lang="zh-CN" altLang="en-US"/>
+          </a:p>
+          <a:p>
+            <a:r>
+              <a:rPr lang="zh-CN" altLang="en-US"/>
+              <a:t>        *应答正文的上一行是一行空行; </a:t>
+            </a:r>
+            <a:endParaRPr lang="zh-CN" altLang="en-US"/>
+          </a:p>
+          <a:p>
+            <a:r>
+              <a:rPr lang="zh-CN" altLang="en-US"/>
+              <a:t>        *应答正文后面没有任何结束符或者换行符。</a:t>
+            </a:r>
+            <a:endParaRPr lang="zh-CN" altLang="en-US"/>
+          </a:p>
+          <a:p>
+            <a:r>
+              <a:rPr lang="zh-CN" altLang="en-US"/>
+              <a:t>        */</a:t>
+            </a:r>
+            <a:endParaRPr lang="zh-CN" altLang="en-US"/>
+          </a:p>
+        </p:txBody>
+      </p:sp>
+    </p:spTree>
+  </p:cSld>
+  <p:clrMapOvr>
+    <a:masterClrMapping/>
+  </p:clrMapOvr>
+</p:sld>
+</file>
+
+<file path=ppt/slides/slide9.xml><?xml version="1.0" encoding="utf-8"?>
 <p:sld xmlns:a="http://schemas.openxmlformats.org/drawingml/2006/main" xmlns:r="http://schemas.openxmlformats.org/officeDocument/2006/relationships" xmlns:p="http://schemas.openxmlformats.org/presentationml/2006/main">
   <p:cSld>
     <p:spTree>
@@ -6113,166 +7254,6 @@
           </a:prstGeom>
         </p:spPr>
       </p:pic>
-    </p:spTree>
-  </p:cSld>
-  <p:clrMapOvr>
-    <a:masterClrMapping/>
-  </p:clrMapOvr>
-</p:sld>
-</file>
-
-<file path=ppt/slides/slide9.xml><?xml version="1.0" encoding="utf-8"?>
-<p:sld xmlns:a="http://schemas.openxmlformats.org/drawingml/2006/main" xmlns:r="http://schemas.openxmlformats.org/officeDocument/2006/relationships" xmlns:p="http://schemas.openxmlformats.org/presentationml/2006/main">
-  <p:cSld>
-    <p:spTree>
-      <p:nvGrpSpPr>
-        <p:cNvPr id="1" name=""/>
-        <p:cNvGrpSpPr/>
-        <p:nvPr/>
-      </p:nvGrpSpPr>
-      <p:grpSpPr/>
-      <p:sp>
-        <p:nvSpPr>
-          <p:cNvPr id="2" name="标题 1"/>
-          <p:cNvSpPr>
-            <a:spLocks noGrp="1"/>
-          </p:cNvSpPr>
-          <p:nvPr>
-            <p:ph type="title"/>
-          </p:nvPr>
-        </p:nvSpPr>
-        <p:spPr/>
-        <p:txBody>
-          <a:bodyPr/>
-          <a:p>
-            <a:r>
-              <a:rPr lang="en-US" altLang="zh-CN"/>
-              <a:t>socket.io</a:t>
-            </a:r>
-            <a:endParaRPr lang="en-US" altLang="zh-CN"/>
-          </a:p>
-        </p:txBody>
-      </p:sp>
-      <p:sp>
-        <p:nvSpPr>
-          <p:cNvPr id="3" name="内容占位符 2"/>
-          <p:cNvSpPr>
-            <a:spLocks noGrp="1"/>
-          </p:cNvSpPr>
-          <p:nvPr>
-            <p:ph idx="1"/>
-          </p:nvPr>
-        </p:nvSpPr>
-        <p:spPr/>
-        <p:txBody>
-          <a:bodyPr>
-            <a:normAutofit fontScale="90000"/>
-          </a:bodyPr>
-          <a:p>
-            <a:pPr marL="457200" indent="-457200">
-              <a:buFont typeface="+mj-lt"/>
-              <a:buAutoNum type="arabicPeriod"/>
-            </a:pPr>
-            <a:r>
-              <a:rPr lang="en-US" altLang="zh-CN"/>
-              <a:t>JavaScript </a:t>
-            </a:r>
-            <a:r>
-              <a:rPr lang="zh-CN" altLang="en-US"/>
-              <a:t>库</a:t>
-            </a:r>
-            <a:endParaRPr lang="zh-CN" altLang="en-US"/>
-          </a:p>
-          <a:p>
-            <a:pPr marL="457200" indent="-457200">
-              <a:buFont typeface="+mj-lt"/>
-              <a:buAutoNum type="arabicPeriod"/>
-            </a:pPr>
-            <a:endParaRPr lang="zh-CN" altLang="en-US"/>
-          </a:p>
-          <a:p>
-            <a:pPr marL="457200" indent="-457200">
-              <a:buFont typeface="+mj-lt"/>
-              <a:buAutoNum type="arabicPeriod"/>
-            </a:pPr>
-            <a:r>
-              <a:rPr lang="zh-CN" altLang="en-US"/>
-              <a:t>面向</a:t>
-            </a:r>
-            <a:r>
-              <a:rPr lang="en-US" altLang="zh-CN"/>
-              <a:t>web</a:t>
-            </a:r>
-            <a:r>
-              <a:rPr lang="zh-CN" altLang="en-US"/>
-              <a:t>应用</a:t>
-            </a:r>
-            <a:endParaRPr lang="zh-CN" altLang="en-US"/>
-          </a:p>
-          <a:p>
-            <a:pPr marL="457200" indent="-457200">
-              <a:buFont typeface="+mj-lt"/>
-              <a:buAutoNum type="arabicPeriod"/>
-            </a:pPr>
-            <a:endParaRPr lang="zh-CN" altLang="en-US"/>
-          </a:p>
-          <a:p>
-            <a:pPr marL="457200" indent="-457200">
-              <a:buFont typeface="+mj-lt"/>
-              <a:buAutoNum type="arabicPeriod"/>
-            </a:pPr>
-            <a:r>
-              <a:rPr lang="zh-CN" altLang="en-US"/>
-              <a:t>服务端和客户端的双向通信</a:t>
-            </a:r>
-            <a:endParaRPr lang="zh-CN" altLang="en-US"/>
-          </a:p>
-          <a:p>
-            <a:pPr marL="457200" indent="-457200">
-              <a:buFont typeface="+mj-lt"/>
-              <a:buAutoNum type="arabicPeriod"/>
-            </a:pPr>
-            <a:endParaRPr lang="zh-CN" altLang="en-US"/>
-          </a:p>
-          <a:p>
-            <a:pPr marL="457200" indent="-457200">
-              <a:buFont typeface="+mj-lt"/>
-              <a:buAutoNum type="arabicPeriod"/>
-            </a:pPr>
-            <a:r>
-              <a:rPr lang="zh-CN" altLang="en-US"/>
-              <a:t>主要使用 </a:t>
-            </a:r>
-            <a:r>
-              <a:rPr lang="en-US" altLang="zh-CN"/>
-              <a:t>WebSocket </a:t>
-            </a:r>
-            <a:r>
-              <a:rPr lang="zh-CN" altLang="en-US"/>
-              <a:t>协议</a:t>
-            </a:r>
-            <a:endParaRPr lang="zh-CN" altLang="en-US"/>
-          </a:p>
-          <a:p>
-            <a:pPr marL="457200" indent="-457200">
-              <a:buFont typeface="+mj-lt"/>
-              <a:buAutoNum type="arabicPeriod"/>
-            </a:pPr>
-            <a:endParaRPr lang="zh-CN" altLang="en-US"/>
-          </a:p>
-          <a:p>
-            <a:pPr marL="457200" indent="-457200">
-              <a:buFont typeface="+mj-lt"/>
-              <a:buAutoNum type="arabicPeriod"/>
-            </a:pPr>
-            <a:r>
-              <a:rPr lang="zh-CN" altLang="en-US"/>
-              <a:t>事件驱动</a:t>
-            </a:r>
-            <a:endParaRPr lang="zh-CN" altLang="en-US"/>
-          </a:p>
-        </p:txBody>
-      </p:sp>
     </p:spTree>
   </p:cSld>
   <p:clrMapOvr>
